--- a/presentation.pptx
+++ b/presentation.pptx
@@ -5,10 +5,10 @@
     <p:sldMasterId id="2147483696" r:id="rId1"/>
   </p:sldMasterIdLst>
   <p:notesMasterIdLst>
-    <p:notesMasterId r:id="rId23"/>
+    <p:notesMasterId r:id="rId24"/>
   </p:notesMasterIdLst>
   <p:handoutMasterIdLst>
-    <p:handoutMasterId r:id="rId24"/>
+    <p:handoutMasterId r:id="rId25"/>
   </p:handoutMasterIdLst>
   <p:sldIdLst>
     <p:sldId id="257" r:id="rId2"/>
@@ -19,19 +19,20 @@
     <p:sldId id="273" r:id="rId7"/>
     <p:sldId id="274" r:id="rId8"/>
     <p:sldId id="275" r:id="rId9"/>
-    <p:sldId id="271" r:id="rId10"/>
-    <p:sldId id="259" r:id="rId11"/>
-    <p:sldId id="260" r:id="rId12"/>
-    <p:sldId id="261" r:id="rId13"/>
-    <p:sldId id="262" r:id="rId14"/>
-    <p:sldId id="263" r:id="rId15"/>
-    <p:sldId id="264" r:id="rId16"/>
-    <p:sldId id="265" r:id="rId17"/>
-    <p:sldId id="266" r:id="rId18"/>
-    <p:sldId id="267" r:id="rId19"/>
-    <p:sldId id="268" r:id="rId20"/>
-    <p:sldId id="269" r:id="rId21"/>
-    <p:sldId id="270" r:id="rId22"/>
+    <p:sldId id="278" r:id="rId10"/>
+    <p:sldId id="280" r:id="rId11"/>
+    <p:sldId id="279" r:id="rId12"/>
+    <p:sldId id="282" r:id="rId13"/>
+    <p:sldId id="281" r:id="rId14"/>
+    <p:sldId id="284" r:id="rId15"/>
+    <p:sldId id="285" r:id="rId16"/>
+    <p:sldId id="283" r:id="rId17"/>
+    <p:sldId id="286" r:id="rId18"/>
+    <p:sldId id="287" r:id="rId19"/>
+    <p:sldId id="288" r:id="rId20"/>
+    <p:sldId id="289" r:id="rId21"/>
+    <p:sldId id="290" r:id="rId22"/>
+    <p:sldId id="271" r:id="rId23"/>
   </p:sldIdLst>
   <p:sldSz cx="12192000" cy="6858000"/>
   <p:notesSz cx="6858000" cy="9144000"/>
@@ -773,601 +774,6 @@
 </p:notes>
 </file>
 
-<file path=ppt/notesSlides/notesSlide10.xml><?xml version="1.0" encoding="utf-8"?>
-<p:notes xmlns:a="http://schemas.openxmlformats.org/drawingml/2006/main" xmlns:r="http://schemas.openxmlformats.org/officeDocument/2006/relationships" xmlns:p="http://schemas.openxmlformats.org/presentationml/2006/main">
-  <p:cSld>
-    <p:spTree>
-      <p:nvGrpSpPr>
-        <p:cNvPr id="1" name=""/>
-        <p:cNvGrpSpPr/>
-        <p:nvPr/>
-      </p:nvGrpSpPr>
-      <p:grpSpPr>
-        <a:xfrm>
-          <a:off x="0" y="0"/>
-          <a:ext cx="0" cy="0"/>
-          <a:chOff x="0" y="0"/>
-          <a:chExt cx="0" cy="0"/>
-        </a:xfrm>
-      </p:grpSpPr>
-      <p:sp>
-        <p:nvSpPr>
-          <p:cNvPr id="2" name="Tijdelijke aanduiding voor dia-afbeelding 1"/>
-          <p:cNvSpPr>
-            <a:spLocks noGrp="1" noRot="1" noChangeAspect="1"/>
-          </p:cNvSpPr>
-          <p:nvPr>
-            <p:ph type="sldImg"/>
-          </p:nvPr>
-        </p:nvSpPr>
-        <p:spPr/>
-      </p:sp>
-      <p:sp>
-        <p:nvSpPr>
-          <p:cNvPr id="3" name="Tijdelijke aanduiding voor notities 2"/>
-          <p:cNvSpPr>
-            <a:spLocks noGrp="1"/>
-          </p:cNvSpPr>
-          <p:nvPr>
-            <p:ph type="body" idx="1"/>
-          </p:nvPr>
-        </p:nvSpPr>
-        <p:spPr/>
-        <p:txBody>
-          <a:bodyPr/>
-          <a:lstStyle/>
-          <a:p>
-            <a:endParaRPr lang="nl-NL" dirty="0"/>
-          </a:p>
-        </p:txBody>
-      </p:sp>
-      <p:sp>
-        <p:nvSpPr>
-          <p:cNvPr id="4" name="Tijdelijke aanduiding voor dianummer 3"/>
-          <p:cNvSpPr>
-            <a:spLocks noGrp="1"/>
-          </p:cNvSpPr>
-          <p:nvPr>
-            <p:ph type="sldNum" sz="quarter" idx="10"/>
-          </p:nvPr>
-        </p:nvSpPr>
-        <p:spPr/>
-        <p:txBody>
-          <a:bodyPr/>
-          <a:lstStyle/>
-          <a:p>
-            <a:pPr rtl="0"/>
-            <a:fld id="{32674CE4-FBD8-4481-AEFB-CA53E599A745}" type="slidenum">
-              <a:rPr lang="nl-NL" smtClean="0"/>
-              <a:t>15</a:t>
-            </a:fld>
-            <a:endParaRPr lang="nl-NL" dirty="0"/>
-          </a:p>
-        </p:txBody>
-      </p:sp>
-    </p:spTree>
-    <p:extLst>
-      <p:ext uri="{BB962C8B-B14F-4D97-AF65-F5344CB8AC3E}">
-        <p14:creationId xmlns:p14="http://schemas.microsoft.com/office/powerpoint/2010/main" val="860829807"/>
-      </p:ext>
-    </p:extLst>
-  </p:cSld>
-  <p:clrMapOvr>
-    <a:masterClrMapping/>
-  </p:clrMapOvr>
-</p:notes>
-</file>
-
-<file path=ppt/notesSlides/notesSlide11.xml><?xml version="1.0" encoding="utf-8"?>
-<p:notes xmlns:a="http://schemas.openxmlformats.org/drawingml/2006/main" xmlns:r="http://schemas.openxmlformats.org/officeDocument/2006/relationships" xmlns:p="http://schemas.openxmlformats.org/presentationml/2006/main">
-  <p:cSld>
-    <p:spTree>
-      <p:nvGrpSpPr>
-        <p:cNvPr id="1" name=""/>
-        <p:cNvGrpSpPr/>
-        <p:nvPr/>
-      </p:nvGrpSpPr>
-      <p:grpSpPr>
-        <a:xfrm>
-          <a:off x="0" y="0"/>
-          <a:ext cx="0" cy="0"/>
-          <a:chOff x="0" y="0"/>
-          <a:chExt cx="0" cy="0"/>
-        </a:xfrm>
-      </p:grpSpPr>
-      <p:sp>
-        <p:nvSpPr>
-          <p:cNvPr id="2" name="Tijdelijke aanduiding voor dia-afbeelding 1"/>
-          <p:cNvSpPr>
-            <a:spLocks noGrp="1" noRot="1" noChangeAspect="1"/>
-          </p:cNvSpPr>
-          <p:nvPr>
-            <p:ph type="sldImg"/>
-          </p:nvPr>
-        </p:nvSpPr>
-        <p:spPr/>
-      </p:sp>
-      <p:sp>
-        <p:nvSpPr>
-          <p:cNvPr id="3" name="Tijdelijke aanduiding voor notities 2"/>
-          <p:cNvSpPr>
-            <a:spLocks noGrp="1"/>
-          </p:cNvSpPr>
-          <p:nvPr>
-            <p:ph type="body" idx="1"/>
-          </p:nvPr>
-        </p:nvSpPr>
-        <p:spPr/>
-        <p:txBody>
-          <a:bodyPr/>
-          <a:lstStyle/>
-          <a:p>
-            <a:endParaRPr lang="nl-NL" dirty="0"/>
-          </a:p>
-        </p:txBody>
-      </p:sp>
-      <p:sp>
-        <p:nvSpPr>
-          <p:cNvPr id="4" name="Tijdelijke aanduiding voor dianummer 3"/>
-          <p:cNvSpPr>
-            <a:spLocks noGrp="1"/>
-          </p:cNvSpPr>
-          <p:nvPr>
-            <p:ph type="sldNum" sz="quarter" idx="10"/>
-          </p:nvPr>
-        </p:nvSpPr>
-        <p:spPr/>
-        <p:txBody>
-          <a:bodyPr/>
-          <a:lstStyle/>
-          <a:p>
-            <a:pPr rtl="0"/>
-            <a:fld id="{32674CE4-FBD8-4481-AEFB-CA53E599A745}" type="slidenum">
-              <a:rPr lang="nl-NL" smtClean="0"/>
-              <a:t>16</a:t>
-            </a:fld>
-            <a:endParaRPr lang="nl-NL" dirty="0"/>
-          </a:p>
-        </p:txBody>
-      </p:sp>
-    </p:spTree>
-    <p:extLst>
-      <p:ext uri="{BB962C8B-B14F-4D97-AF65-F5344CB8AC3E}">
-        <p14:creationId xmlns:p14="http://schemas.microsoft.com/office/powerpoint/2010/main" val="3338436882"/>
-      </p:ext>
-    </p:extLst>
-  </p:cSld>
-  <p:clrMapOvr>
-    <a:masterClrMapping/>
-  </p:clrMapOvr>
-</p:notes>
-</file>
-
-<file path=ppt/notesSlides/notesSlide12.xml><?xml version="1.0" encoding="utf-8"?>
-<p:notes xmlns:a="http://schemas.openxmlformats.org/drawingml/2006/main" xmlns:r="http://schemas.openxmlformats.org/officeDocument/2006/relationships" xmlns:p="http://schemas.openxmlformats.org/presentationml/2006/main">
-  <p:cSld>
-    <p:spTree>
-      <p:nvGrpSpPr>
-        <p:cNvPr id="1" name=""/>
-        <p:cNvGrpSpPr/>
-        <p:nvPr/>
-      </p:nvGrpSpPr>
-      <p:grpSpPr>
-        <a:xfrm>
-          <a:off x="0" y="0"/>
-          <a:ext cx="0" cy="0"/>
-          <a:chOff x="0" y="0"/>
-          <a:chExt cx="0" cy="0"/>
-        </a:xfrm>
-      </p:grpSpPr>
-      <p:sp>
-        <p:nvSpPr>
-          <p:cNvPr id="2" name="Tijdelijke aanduiding voor dia-afbeelding 1"/>
-          <p:cNvSpPr>
-            <a:spLocks noGrp="1" noRot="1" noChangeAspect="1"/>
-          </p:cNvSpPr>
-          <p:nvPr>
-            <p:ph type="sldImg"/>
-          </p:nvPr>
-        </p:nvSpPr>
-        <p:spPr/>
-      </p:sp>
-      <p:sp>
-        <p:nvSpPr>
-          <p:cNvPr id="3" name="Tijdelijke aanduiding voor notities 2"/>
-          <p:cNvSpPr>
-            <a:spLocks noGrp="1"/>
-          </p:cNvSpPr>
-          <p:nvPr>
-            <p:ph type="body" idx="1"/>
-          </p:nvPr>
-        </p:nvSpPr>
-        <p:spPr/>
-        <p:txBody>
-          <a:bodyPr/>
-          <a:lstStyle/>
-          <a:p>
-            <a:endParaRPr lang="nl-NL" dirty="0"/>
-          </a:p>
-        </p:txBody>
-      </p:sp>
-      <p:sp>
-        <p:nvSpPr>
-          <p:cNvPr id="4" name="Tijdelijke aanduiding voor dianummer 3"/>
-          <p:cNvSpPr>
-            <a:spLocks noGrp="1"/>
-          </p:cNvSpPr>
-          <p:nvPr>
-            <p:ph type="sldNum" sz="quarter" idx="10"/>
-          </p:nvPr>
-        </p:nvSpPr>
-        <p:spPr/>
-        <p:txBody>
-          <a:bodyPr/>
-          <a:lstStyle/>
-          <a:p>
-            <a:pPr rtl="0"/>
-            <a:fld id="{32674CE4-FBD8-4481-AEFB-CA53E599A745}" type="slidenum">
-              <a:rPr lang="nl-NL" smtClean="0"/>
-              <a:t>17</a:t>
-            </a:fld>
-            <a:endParaRPr lang="nl-NL" dirty="0"/>
-          </a:p>
-        </p:txBody>
-      </p:sp>
-    </p:spTree>
-    <p:extLst>
-      <p:ext uri="{BB962C8B-B14F-4D97-AF65-F5344CB8AC3E}">
-        <p14:creationId xmlns:p14="http://schemas.microsoft.com/office/powerpoint/2010/main" val="431625094"/>
-      </p:ext>
-    </p:extLst>
-  </p:cSld>
-  <p:clrMapOvr>
-    <a:masterClrMapping/>
-  </p:clrMapOvr>
-</p:notes>
-</file>
-
-<file path=ppt/notesSlides/notesSlide13.xml><?xml version="1.0" encoding="utf-8"?>
-<p:notes xmlns:a="http://schemas.openxmlformats.org/drawingml/2006/main" xmlns:r="http://schemas.openxmlformats.org/officeDocument/2006/relationships" xmlns:p="http://schemas.openxmlformats.org/presentationml/2006/main">
-  <p:cSld>
-    <p:spTree>
-      <p:nvGrpSpPr>
-        <p:cNvPr id="1" name=""/>
-        <p:cNvGrpSpPr/>
-        <p:nvPr/>
-      </p:nvGrpSpPr>
-      <p:grpSpPr>
-        <a:xfrm>
-          <a:off x="0" y="0"/>
-          <a:ext cx="0" cy="0"/>
-          <a:chOff x="0" y="0"/>
-          <a:chExt cx="0" cy="0"/>
-        </a:xfrm>
-      </p:grpSpPr>
-      <p:sp>
-        <p:nvSpPr>
-          <p:cNvPr id="2" name="Tijdelijke aanduiding voor dia-afbeelding 1"/>
-          <p:cNvSpPr>
-            <a:spLocks noGrp="1" noRot="1" noChangeAspect="1"/>
-          </p:cNvSpPr>
-          <p:nvPr>
-            <p:ph type="sldImg"/>
-          </p:nvPr>
-        </p:nvSpPr>
-        <p:spPr/>
-      </p:sp>
-      <p:sp>
-        <p:nvSpPr>
-          <p:cNvPr id="3" name="Tijdelijke aanduiding voor notities 2"/>
-          <p:cNvSpPr>
-            <a:spLocks noGrp="1"/>
-          </p:cNvSpPr>
-          <p:nvPr>
-            <p:ph type="body" idx="1"/>
-          </p:nvPr>
-        </p:nvSpPr>
-        <p:spPr/>
-        <p:txBody>
-          <a:bodyPr/>
-          <a:lstStyle/>
-          <a:p>
-            <a:endParaRPr lang="nl-NL" dirty="0"/>
-          </a:p>
-        </p:txBody>
-      </p:sp>
-      <p:sp>
-        <p:nvSpPr>
-          <p:cNvPr id="4" name="Tijdelijke aanduiding voor dianummer 3"/>
-          <p:cNvSpPr>
-            <a:spLocks noGrp="1"/>
-          </p:cNvSpPr>
-          <p:nvPr>
-            <p:ph type="sldNum" sz="quarter" idx="10"/>
-          </p:nvPr>
-        </p:nvSpPr>
-        <p:spPr/>
-        <p:txBody>
-          <a:bodyPr/>
-          <a:lstStyle/>
-          <a:p>
-            <a:pPr rtl="0"/>
-            <a:fld id="{32674CE4-FBD8-4481-AEFB-CA53E599A745}" type="slidenum">
-              <a:rPr lang="nl-NL" smtClean="0"/>
-              <a:t>18</a:t>
-            </a:fld>
-            <a:endParaRPr lang="nl-NL" dirty="0"/>
-          </a:p>
-        </p:txBody>
-      </p:sp>
-    </p:spTree>
-    <p:extLst>
-      <p:ext uri="{BB962C8B-B14F-4D97-AF65-F5344CB8AC3E}">
-        <p14:creationId xmlns:p14="http://schemas.microsoft.com/office/powerpoint/2010/main" val="4269475879"/>
-      </p:ext>
-    </p:extLst>
-  </p:cSld>
-  <p:clrMapOvr>
-    <a:masterClrMapping/>
-  </p:clrMapOvr>
-</p:notes>
-</file>
-
-<file path=ppt/notesSlides/notesSlide14.xml><?xml version="1.0" encoding="utf-8"?>
-<p:notes xmlns:a="http://schemas.openxmlformats.org/drawingml/2006/main" xmlns:r="http://schemas.openxmlformats.org/officeDocument/2006/relationships" xmlns:p="http://schemas.openxmlformats.org/presentationml/2006/main">
-  <p:cSld>
-    <p:spTree>
-      <p:nvGrpSpPr>
-        <p:cNvPr id="1" name=""/>
-        <p:cNvGrpSpPr/>
-        <p:nvPr/>
-      </p:nvGrpSpPr>
-      <p:grpSpPr>
-        <a:xfrm>
-          <a:off x="0" y="0"/>
-          <a:ext cx="0" cy="0"/>
-          <a:chOff x="0" y="0"/>
-          <a:chExt cx="0" cy="0"/>
-        </a:xfrm>
-      </p:grpSpPr>
-      <p:sp>
-        <p:nvSpPr>
-          <p:cNvPr id="2" name="Tijdelijke aanduiding voor dia-afbeelding 1"/>
-          <p:cNvSpPr>
-            <a:spLocks noGrp="1" noRot="1" noChangeAspect="1"/>
-          </p:cNvSpPr>
-          <p:nvPr>
-            <p:ph type="sldImg"/>
-          </p:nvPr>
-        </p:nvSpPr>
-        <p:spPr/>
-      </p:sp>
-      <p:sp>
-        <p:nvSpPr>
-          <p:cNvPr id="3" name="Tijdelijke aanduiding voor notities 2"/>
-          <p:cNvSpPr>
-            <a:spLocks noGrp="1"/>
-          </p:cNvSpPr>
-          <p:nvPr>
-            <p:ph type="body" idx="1"/>
-          </p:nvPr>
-        </p:nvSpPr>
-        <p:spPr/>
-        <p:txBody>
-          <a:bodyPr/>
-          <a:lstStyle/>
-          <a:p>
-            <a:endParaRPr lang="nl-NL" dirty="0"/>
-          </a:p>
-        </p:txBody>
-      </p:sp>
-      <p:sp>
-        <p:nvSpPr>
-          <p:cNvPr id="4" name="Tijdelijke aanduiding voor dianummer 3"/>
-          <p:cNvSpPr>
-            <a:spLocks noGrp="1"/>
-          </p:cNvSpPr>
-          <p:nvPr>
-            <p:ph type="sldNum" sz="quarter" idx="10"/>
-          </p:nvPr>
-        </p:nvSpPr>
-        <p:spPr/>
-        <p:txBody>
-          <a:bodyPr/>
-          <a:lstStyle/>
-          <a:p>
-            <a:pPr rtl="0"/>
-            <a:fld id="{32674CE4-FBD8-4481-AEFB-CA53E599A745}" type="slidenum">
-              <a:rPr lang="nl-NL" smtClean="0"/>
-              <a:t>19</a:t>
-            </a:fld>
-            <a:endParaRPr lang="nl-NL" dirty="0"/>
-          </a:p>
-        </p:txBody>
-      </p:sp>
-    </p:spTree>
-    <p:extLst>
-      <p:ext uri="{BB962C8B-B14F-4D97-AF65-F5344CB8AC3E}">
-        <p14:creationId xmlns:p14="http://schemas.microsoft.com/office/powerpoint/2010/main" val="3210641822"/>
-      </p:ext>
-    </p:extLst>
-  </p:cSld>
-  <p:clrMapOvr>
-    <a:masterClrMapping/>
-  </p:clrMapOvr>
-</p:notes>
-</file>
-
-<file path=ppt/notesSlides/notesSlide15.xml><?xml version="1.0" encoding="utf-8"?>
-<p:notes xmlns:a="http://schemas.openxmlformats.org/drawingml/2006/main" xmlns:r="http://schemas.openxmlformats.org/officeDocument/2006/relationships" xmlns:p="http://schemas.openxmlformats.org/presentationml/2006/main">
-  <p:cSld>
-    <p:spTree>
-      <p:nvGrpSpPr>
-        <p:cNvPr id="1" name=""/>
-        <p:cNvGrpSpPr/>
-        <p:nvPr/>
-      </p:nvGrpSpPr>
-      <p:grpSpPr>
-        <a:xfrm>
-          <a:off x="0" y="0"/>
-          <a:ext cx="0" cy="0"/>
-          <a:chOff x="0" y="0"/>
-          <a:chExt cx="0" cy="0"/>
-        </a:xfrm>
-      </p:grpSpPr>
-      <p:sp>
-        <p:nvSpPr>
-          <p:cNvPr id="2" name="Tijdelijke aanduiding voor dia-afbeelding 1"/>
-          <p:cNvSpPr>
-            <a:spLocks noGrp="1" noRot="1" noChangeAspect="1"/>
-          </p:cNvSpPr>
-          <p:nvPr>
-            <p:ph type="sldImg"/>
-          </p:nvPr>
-        </p:nvSpPr>
-        <p:spPr/>
-      </p:sp>
-      <p:sp>
-        <p:nvSpPr>
-          <p:cNvPr id="3" name="Tijdelijke aanduiding voor notities 2"/>
-          <p:cNvSpPr>
-            <a:spLocks noGrp="1"/>
-          </p:cNvSpPr>
-          <p:nvPr>
-            <p:ph type="body" idx="1"/>
-          </p:nvPr>
-        </p:nvSpPr>
-        <p:spPr/>
-        <p:txBody>
-          <a:bodyPr/>
-          <a:lstStyle/>
-          <a:p>
-            <a:endParaRPr lang="nl-NL" dirty="0"/>
-          </a:p>
-        </p:txBody>
-      </p:sp>
-      <p:sp>
-        <p:nvSpPr>
-          <p:cNvPr id="4" name="Tijdelijke aanduiding voor dianummer 3"/>
-          <p:cNvSpPr>
-            <a:spLocks noGrp="1"/>
-          </p:cNvSpPr>
-          <p:nvPr>
-            <p:ph type="sldNum" sz="quarter" idx="10"/>
-          </p:nvPr>
-        </p:nvSpPr>
-        <p:spPr/>
-        <p:txBody>
-          <a:bodyPr/>
-          <a:lstStyle/>
-          <a:p>
-            <a:pPr rtl="0"/>
-            <a:fld id="{32674CE4-FBD8-4481-AEFB-CA53E599A745}" type="slidenum">
-              <a:rPr lang="nl-NL" smtClean="0"/>
-              <a:t>20</a:t>
-            </a:fld>
-            <a:endParaRPr lang="nl-NL" dirty="0"/>
-          </a:p>
-        </p:txBody>
-      </p:sp>
-    </p:spTree>
-    <p:extLst>
-      <p:ext uri="{BB962C8B-B14F-4D97-AF65-F5344CB8AC3E}">
-        <p14:creationId xmlns:p14="http://schemas.microsoft.com/office/powerpoint/2010/main" val="3329334466"/>
-      </p:ext>
-    </p:extLst>
-  </p:cSld>
-  <p:clrMapOvr>
-    <a:masterClrMapping/>
-  </p:clrMapOvr>
-</p:notes>
-</file>
-
-<file path=ppt/notesSlides/notesSlide16.xml><?xml version="1.0" encoding="utf-8"?>
-<p:notes xmlns:a="http://schemas.openxmlformats.org/drawingml/2006/main" xmlns:r="http://schemas.openxmlformats.org/officeDocument/2006/relationships" xmlns:p="http://schemas.openxmlformats.org/presentationml/2006/main">
-  <p:cSld>
-    <p:spTree>
-      <p:nvGrpSpPr>
-        <p:cNvPr id="1" name=""/>
-        <p:cNvGrpSpPr/>
-        <p:nvPr/>
-      </p:nvGrpSpPr>
-      <p:grpSpPr>
-        <a:xfrm>
-          <a:off x="0" y="0"/>
-          <a:ext cx="0" cy="0"/>
-          <a:chOff x="0" y="0"/>
-          <a:chExt cx="0" cy="0"/>
-        </a:xfrm>
-      </p:grpSpPr>
-      <p:sp>
-        <p:nvSpPr>
-          <p:cNvPr id="2" name="Tijdelijke aanduiding voor dia-afbeelding 1"/>
-          <p:cNvSpPr>
-            <a:spLocks noGrp="1" noRot="1" noChangeAspect="1"/>
-          </p:cNvSpPr>
-          <p:nvPr>
-            <p:ph type="sldImg"/>
-          </p:nvPr>
-        </p:nvSpPr>
-        <p:spPr/>
-      </p:sp>
-      <p:sp>
-        <p:nvSpPr>
-          <p:cNvPr id="3" name="Tijdelijke aanduiding voor notities 2"/>
-          <p:cNvSpPr>
-            <a:spLocks noGrp="1"/>
-          </p:cNvSpPr>
-          <p:nvPr>
-            <p:ph type="body" idx="1"/>
-          </p:nvPr>
-        </p:nvSpPr>
-        <p:spPr/>
-        <p:txBody>
-          <a:bodyPr/>
-          <a:lstStyle/>
-          <a:p>
-            <a:endParaRPr lang="nl-NL" dirty="0"/>
-          </a:p>
-        </p:txBody>
-      </p:sp>
-      <p:sp>
-        <p:nvSpPr>
-          <p:cNvPr id="4" name="Tijdelijke aanduiding voor dianummer 3"/>
-          <p:cNvSpPr>
-            <a:spLocks noGrp="1"/>
-          </p:cNvSpPr>
-          <p:nvPr>
-            <p:ph type="sldNum" sz="quarter" idx="10"/>
-          </p:nvPr>
-        </p:nvSpPr>
-        <p:spPr/>
-        <p:txBody>
-          <a:bodyPr/>
-          <a:lstStyle/>
-          <a:p>
-            <a:pPr rtl="0"/>
-            <a:fld id="{32674CE4-FBD8-4481-AEFB-CA53E599A745}" type="slidenum">
-              <a:rPr lang="nl-NL" smtClean="0"/>
-              <a:t>21</a:t>
-            </a:fld>
-            <a:endParaRPr lang="nl-NL" dirty="0"/>
-          </a:p>
-        </p:txBody>
-      </p:sp>
-    </p:spTree>
-    <p:extLst>
-      <p:ext uri="{BB962C8B-B14F-4D97-AF65-F5344CB8AC3E}">
-        <p14:creationId xmlns:p14="http://schemas.microsoft.com/office/powerpoint/2010/main" val="1939170382"/>
-      </p:ext>
-    </p:extLst>
-  </p:cSld>
-  <p:clrMapOvr>
-    <a:masterClrMapping/>
-  </p:clrMapOvr>
-</p:notes>
-</file>
-
 <file path=ppt/notesSlides/notesSlide2.xml><?xml version="1.0" encoding="utf-8"?>
 <p:notes xmlns:a="http://schemas.openxmlformats.org/drawingml/2006/main" xmlns:r="http://schemas.openxmlformats.org/officeDocument/2006/relationships" xmlns:p="http://schemas.openxmlformats.org/presentationml/2006/main">
   <p:cSld>
@@ -1687,492 +1093,6 @@
     <p:extLst>
       <p:ext uri="{BB962C8B-B14F-4D97-AF65-F5344CB8AC3E}">
         <p14:creationId xmlns:p14="http://schemas.microsoft.com/office/powerpoint/2010/main" val="382517534"/>
-      </p:ext>
-    </p:extLst>
-  </p:cSld>
-  <p:clrMapOvr>
-    <a:masterClrMapping/>
-  </p:clrMapOvr>
-</p:notes>
-</file>
-
-<file path=ppt/notesSlides/notesSlide5.xml><?xml version="1.0" encoding="utf-8"?>
-<p:notes xmlns:a="http://schemas.openxmlformats.org/drawingml/2006/main" xmlns:r="http://schemas.openxmlformats.org/officeDocument/2006/relationships" xmlns:p="http://schemas.openxmlformats.org/presentationml/2006/main">
-  <p:cSld>
-    <p:spTree>
-      <p:nvGrpSpPr>
-        <p:cNvPr id="1" name=""/>
-        <p:cNvGrpSpPr/>
-        <p:nvPr/>
-      </p:nvGrpSpPr>
-      <p:grpSpPr>
-        <a:xfrm>
-          <a:off x="0" y="0"/>
-          <a:ext cx="0" cy="0"/>
-          <a:chOff x="0" y="0"/>
-          <a:chExt cx="0" cy="0"/>
-        </a:xfrm>
-      </p:grpSpPr>
-      <p:sp>
-        <p:nvSpPr>
-          <p:cNvPr id="2" name="Tijdelijke aanduiding voor dia-afbeelding 1"/>
-          <p:cNvSpPr>
-            <a:spLocks noGrp="1" noRot="1" noChangeAspect="1"/>
-          </p:cNvSpPr>
-          <p:nvPr>
-            <p:ph type="sldImg"/>
-          </p:nvPr>
-        </p:nvSpPr>
-        <p:spPr/>
-      </p:sp>
-      <p:sp>
-        <p:nvSpPr>
-          <p:cNvPr id="3" name="Tijdelijke aanduiding voor notities 2"/>
-          <p:cNvSpPr>
-            <a:spLocks noGrp="1"/>
-          </p:cNvSpPr>
-          <p:nvPr>
-            <p:ph type="body" idx="1"/>
-          </p:nvPr>
-        </p:nvSpPr>
-        <p:spPr/>
-        <p:txBody>
-          <a:bodyPr rtlCol="0"/>
-          <a:lstStyle/>
-          <a:p>
-            <a:pPr rtl="0"/>
-            <a:r>
-              <a:rPr lang="nl-NL" dirty="0"/>
-              <a:t>De lesomschrijvingen moeten kort zijn.</a:t>
-            </a:r>
-          </a:p>
-          <a:p>
-            <a:pPr rtl="0"/>
-            <a:endParaRPr lang="nl-NL" dirty="0"/>
-          </a:p>
-        </p:txBody>
-      </p:sp>
-      <p:sp>
-        <p:nvSpPr>
-          <p:cNvPr id="4" name="Tijdelijke aanduiding voor dianummer 3"/>
-          <p:cNvSpPr>
-            <a:spLocks noGrp="1"/>
-          </p:cNvSpPr>
-          <p:nvPr>
-            <p:ph type="sldNum" sz="quarter" idx="10"/>
-          </p:nvPr>
-        </p:nvSpPr>
-        <p:spPr/>
-        <p:txBody>
-          <a:bodyPr rtlCol="0"/>
-          <a:lstStyle/>
-          <a:p>
-            <a:pPr rtl="0"/>
-            <a:fld id="{CF2FD335-6D8E-486A-8F5F-DFC7325903FF}" type="slidenum">
-              <a:rPr lang="nl-NL" smtClean="0"/>
-              <a:t>10</a:t>
-            </a:fld>
-            <a:endParaRPr lang="nl-NL" dirty="0"/>
-          </a:p>
-        </p:txBody>
-      </p:sp>
-    </p:spTree>
-    <p:extLst>
-      <p:ext uri="{BB962C8B-B14F-4D97-AF65-F5344CB8AC3E}">
-        <p14:creationId xmlns:p14="http://schemas.microsoft.com/office/powerpoint/2010/main" val="955871110"/>
-      </p:ext>
-    </p:extLst>
-  </p:cSld>
-  <p:clrMapOvr>
-    <a:masterClrMapping/>
-  </p:clrMapOvr>
-</p:notes>
-</file>
-
-<file path=ppt/notesSlides/notesSlide6.xml><?xml version="1.0" encoding="utf-8"?>
-<p:notes xmlns:a="http://schemas.openxmlformats.org/drawingml/2006/main" xmlns:r="http://schemas.openxmlformats.org/officeDocument/2006/relationships" xmlns:p="http://schemas.openxmlformats.org/presentationml/2006/main">
-  <p:cSld>
-    <p:spTree>
-      <p:nvGrpSpPr>
-        <p:cNvPr id="1" name=""/>
-        <p:cNvGrpSpPr/>
-        <p:nvPr/>
-      </p:nvGrpSpPr>
-      <p:grpSpPr>
-        <a:xfrm>
-          <a:off x="0" y="0"/>
-          <a:ext cx="0" cy="0"/>
-          <a:chOff x="0" y="0"/>
-          <a:chExt cx="0" cy="0"/>
-        </a:xfrm>
-      </p:grpSpPr>
-      <p:sp>
-        <p:nvSpPr>
-          <p:cNvPr id="2" name="Tijdelijke aanduiding voor dia-afbeelding 1"/>
-          <p:cNvSpPr>
-            <a:spLocks noGrp="1" noRot="1" noChangeAspect="1"/>
-          </p:cNvSpPr>
-          <p:nvPr>
-            <p:ph type="sldImg"/>
-          </p:nvPr>
-        </p:nvSpPr>
-        <p:spPr/>
-      </p:sp>
-      <p:sp>
-        <p:nvSpPr>
-          <p:cNvPr id="3" name="Tijdelijke aanduiding voor notities 2"/>
-          <p:cNvSpPr>
-            <a:spLocks noGrp="1"/>
-          </p:cNvSpPr>
-          <p:nvPr>
-            <p:ph type="body" idx="1"/>
-          </p:nvPr>
-        </p:nvSpPr>
-        <p:spPr/>
-        <p:txBody>
-          <a:bodyPr rtlCol="0"/>
-          <a:lstStyle/>
-          <a:p>
-            <a:pPr rtl="0"/>
-            <a:r>
-              <a:rPr lang="nl-NL" b="1" dirty="0"/>
-              <a:t>Voorbeelden van doelstellingen</a:t>
-            </a:r>
-          </a:p>
-          <a:p>
-            <a:pPr marL="0" indent="0" rtl="0">
-              <a:buFont typeface="Arial" panose="020B0604020202020204" pitchFamily="34" charset="0"/>
-              <a:buNone/>
-            </a:pPr>
-            <a:r>
-              <a:rPr lang="nl-NL" dirty="0"/>
-              <a:t>Aan het eind van de les bent u in staat:</a:t>
-            </a:r>
-          </a:p>
-          <a:p>
-            <a:pPr marL="171450" indent="-171450" rtl="0">
-              <a:buFont typeface="Arial" panose="020B0604020202020204" pitchFamily="34" charset="0"/>
-              <a:buChar char="•"/>
-            </a:pPr>
-            <a:r>
-              <a:rPr lang="nl-NL" dirty="0"/>
-              <a:t>Bestanden op te slaan op de webserver van het team.</a:t>
-            </a:r>
-          </a:p>
-          <a:p>
-            <a:pPr marL="171450" indent="-171450" rtl="0">
-              <a:buFont typeface="Arial" panose="020B0604020202020204" pitchFamily="34" charset="0"/>
-              <a:buChar char="•"/>
-            </a:pPr>
-            <a:r>
-              <a:rPr lang="nl-NL" dirty="0"/>
-              <a:t>Bestanden te verplaatsen naar verschillende locaties op de webserver van het team.</a:t>
-            </a:r>
-          </a:p>
-          <a:p>
-            <a:pPr marL="171450" indent="-171450" rtl="0">
-              <a:buFont typeface="Arial" panose="020B0604020202020204" pitchFamily="34" charset="0"/>
-              <a:buChar char="•"/>
-            </a:pPr>
-            <a:r>
-              <a:rPr lang="nl-NL" dirty="0"/>
-              <a:t>Bestanden te delen op de webserver van het team.</a:t>
-            </a:r>
-          </a:p>
-          <a:p>
-            <a:pPr rtl="0"/>
-            <a:endParaRPr lang="nl-NL" dirty="0"/>
-          </a:p>
-          <a:p>
-            <a:pPr rtl="0"/>
-            <a:endParaRPr lang="nl-NL" dirty="0"/>
-          </a:p>
-        </p:txBody>
-      </p:sp>
-      <p:sp>
-        <p:nvSpPr>
-          <p:cNvPr id="4" name="Tijdelijke aanduiding voor dianummer 3"/>
-          <p:cNvSpPr>
-            <a:spLocks noGrp="1"/>
-          </p:cNvSpPr>
-          <p:nvPr>
-            <p:ph type="sldNum" sz="quarter" idx="10"/>
-          </p:nvPr>
-        </p:nvSpPr>
-        <p:spPr/>
-        <p:txBody>
-          <a:bodyPr rtlCol="0"/>
-          <a:lstStyle/>
-          <a:p>
-            <a:pPr rtl="0"/>
-            <a:fld id="{CF2FD335-6D8E-486A-8F5F-DFC7325903FF}" type="slidenum">
-              <a:rPr lang="nl-NL" smtClean="0"/>
-              <a:t>11</a:t>
-            </a:fld>
-            <a:endParaRPr lang="nl-NL" dirty="0"/>
-          </a:p>
-        </p:txBody>
-      </p:sp>
-    </p:spTree>
-    <p:extLst>
-      <p:ext uri="{BB962C8B-B14F-4D97-AF65-F5344CB8AC3E}">
-        <p14:creationId xmlns:p14="http://schemas.microsoft.com/office/powerpoint/2010/main" val="3069441310"/>
-      </p:ext>
-    </p:extLst>
-  </p:cSld>
-  <p:clrMapOvr>
-    <a:masterClrMapping/>
-  </p:clrMapOvr>
-</p:notes>
-</file>
-
-<file path=ppt/notesSlides/notesSlide7.xml><?xml version="1.0" encoding="utf-8"?>
-<p:notes xmlns:a="http://schemas.openxmlformats.org/drawingml/2006/main" xmlns:r="http://schemas.openxmlformats.org/officeDocument/2006/relationships" xmlns:p="http://schemas.openxmlformats.org/presentationml/2006/main">
-  <p:cSld>
-    <p:spTree>
-      <p:nvGrpSpPr>
-        <p:cNvPr id="1" name=""/>
-        <p:cNvGrpSpPr/>
-        <p:nvPr/>
-      </p:nvGrpSpPr>
-      <p:grpSpPr>
-        <a:xfrm>
-          <a:off x="0" y="0"/>
-          <a:ext cx="0" cy="0"/>
-          <a:chOff x="0" y="0"/>
-          <a:chExt cx="0" cy="0"/>
-        </a:xfrm>
-      </p:grpSpPr>
-      <p:sp>
-        <p:nvSpPr>
-          <p:cNvPr id="2" name="Tijdelijke aanduiding voor dia-afbeelding 1"/>
-          <p:cNvSpPr>
-            <a:spLocks noGrp="1" noRot="1" noChangeAspect="1"/>
-          </p:cNvSpPr>
-          <p:nvPr>
-            <p:ph type="sldImg"/>
-          </p:nvPr>
-        </p:nvSpPr>
-        <p:spPr/>
-      </p:sp>
-      <p:sp>
-        <p:nvSpPr>
-          <p:cNvPr id="3" name="Tijdelijke aanduiding voor notities 2"/>
-          <p:cNvSpPr>
-            <a:spLocks noGrp="1"/>
-          </p:cNvSpPr>
-          <p:nvPr>
-            <p:ph type="body" idx="1"/>
-          </p:nvPr>
-        </p:nvSpPr>
-        <p:spPr/>
-        <p:txBody>
-          <a:bodyPr/>
-          <a:lstStyle/>
-          <a:p>
-            <a:endParaRPr lang="nl-NL" dirty="0"/>
-          </a:p>
-        </p:txBody>
-      </p:sp>
-      <p:sp>
-        <p:nvSpPr>
-          <p:cNvPr id="4" name="Tijdelijke aanduiding voor dianummer 3"/>
-          <p:cNvSpPr>
-            <a:spLocks noGrp="1"/>
-          </p:cNvSpPr>
-          <p:nvPr>
-            <p:ph type="sldNum" sz="quarter" idx="10"/>
-          </p:nvPr>
-        </p:nvSpPr>
-        <p:spPr/>
-        <p:txBody>
-          <a:bodyPr/>
-          <a:lstStyle/>
-          <a:p>
-            <a:pPr rtl="0"/>
-            <a:fld id="{32674CE4-FBD8-4481-AEFB-CA53E599A745}" type="slidenum">
-              <a:rPr lang="nl-NL" smtClean="0"/>
-              <a:t>12</a:t>
-            </a:fld>
-            <a:endParaRPr lang="nl-NL" dirty="0"/>
-          </a:p>
-        </p:txBody>
-      </p:sp>
-    </p:spTree>
-    <p:extLst>
-      <p:ext uri="{BB962C8B-B14F-4D97-AF65-F5344CB8AC3E}">
-        <p14:creationId xmlns:p14="http://schemas.microsoft.com/office/powerpoint/2010/main" val="875500307"/>
-      </p:ext>
-    </p:extLst>
-  </p:cSld>
-  <p:clrMapOvr>
-    <a:masterClrMapping/>
-  </p:clrMapOvr>
-</p:notes>
-</file>
-
-<file path=ppt/notesSlides/notesSlide8.xml><?xml version="1.0" encoding="utf-8"?>
-<p:notes xmlns:a="http://schemas.openxmlformats.org/drawingml/2006/main" xmlns:r="http://schemas.openxmlformats.org/officeDocument/2006/relationships" xmlns:p="http://schemas.openxmlformats.org/presentationml/2006/main">
-  <p:cSld>
-    <p:spTree>
-      <p:nvGrpSpPr>
-        <p:cNvPr id="1" name=""/>
-        <p:cNvGrpSpPr/>
-        <p:nvPr/>
-      </p:nvGrpSpPr>
-      <p:grpSpPr>
-        <a:xfrm>
-          <a:off x="0" y="0"/>
-          <a:ext cx="0" cy="0"/>
-          <a:chOff x="0" y="0"/>
-          <a:chExt cx="0" cy="0"/>
-        </a:xfrm>
-      </p:grpSpPr>
-      <p:sp>
-        <p:nvSpPr>
-          <p:cNvPr id="2" name="Tijdelijke aanduiding voor dia-afbeelding 1"/>
-          <p:cNvSpPr>
-            <a:spLocks noGrp="1" noRot="1" noChangeAspect="1"/>
-          </p:cNvSpPr>
-          <p:nvPr>
-            <p:ph type="sldImg"/>
-          </p:nvPr>
-        </p:nvSpPr>
-        <p:spPr/>
-      </p:sp>
-      <p:sp>
-        <p:nvSpPr>
-          <p:cNvPr id="3" name="Tijdelijke aanduiding voor notities 2"/>
-          <p:cNvSpPr>
-            <a:spLocks noGrp="1"/>
-          </p:cNvSpPr>
-          <p:nvPr>
-            <p:ph type="body" idx="1"/>
-          </p:nvPr>
-        </p:nvSpPr>
-        <p:spPr/>
-        <p:txBody>
-          <a:bodyPr/>
-          <a:lstStyle/>
-          <a:p>
-            <a:endParaRPr lang="nl-NL" dirty="0"/>
-          </a:p>
-        </p:txBody>
-      </p:sp>
-      <p:sp>
-        <p:nvSpPr>
-          <p:cNvPr id="4" name="Tijdelijke aanduiding voor dianummer 3"/>
-          <p:cNvSpPr>
-            <a:spLocks noGrp="1"/>
-          </p:cNvSpPr>
-          <p:nvPr>
-            <p:ph type="sldNum" sz="quarter" idx="10"/>
-          </p:nvPr>
-        </p:nvSpPr>
-        <p:spPr/>
-        <p:txBody>
-          <a:bodyPr/>
-          <a:lstStyle/>
-          <a:p>
-            <a:pPr rtl="0"/>
-            <a:fld id="{32674CE4-FBD8-4481-AEFB-CA53E599A745}" type="slidenum">
-              <a:rPr lang="nl-NL" smtClean="0"/>
-              <a:t>13</a:t>
-            </a:fld>
-            <a:endParaRPr lang="nl-NL" dirty="0"/>
-          </a:p>
-        </p:txBody>
-      </p:sp>
-    </p:spTree>
-    <p:extLst>
-      <p:ext uri="{BB962C8B-B14F-4D97-AF65-F5344CB8AC3E}">
-        <p14:creationId xmlns:p14="http://schemas.microsoft.com/office/powerpoint/2010/main" val="3318183629"/>
-      </p:ext>
-    </p:extLst>
-  </p:cSld>
-  <p:clrMapOvr>
-    <a:masterClrMapping/>
-  </p:clrMapOvr>
-</p:notes>
-</file>
-
-<file path=ppt/notesSlides/notesSlide9.xml><?xml version="1.0" encoding="utf-8"?>
-<p:notes xmlns:a="http://schemas.openxmlformats.org/drawingml/2006/main" xmlns:r="http://schemas.openxmlformats.org/officeDocument/2006/relationships" xmlns:p="http://schemas.openxmlformats.org/presentationml/2006/main">
-  <p:cSld>
-    <p:spTree>
-      <p:nvGrpSpPr>
-        <p:cNvPr id="1" name=""/>
-        <p:cNvGrpSpPr/>
-        <p:nvPr/>
-      </p:nvGrpSpPr>
-      <p:grpSpPr>
-        <a:xfrm>
-          <a:off x="0" y="0"/>
-          <a:ext cx="0" cy="0"/>
-          <a:chOff x="0" y="0"/>
-          <a:chExt cx="0" cy="0"/>
-        </a:xfrm>
-      </p:grpSpPr>
-      <p:sp>
-        <p:nvSpPr>
-          <p:cNvPr id="2" name="Tijdelijke aanduiding voor dia-afbeelding 1"/>
-          <p:cNvSpPr>
-            <a:spLocks noGrp="1" noRot="1" noChangeAspect="1"/>
-          </p:cNvSpPr>
-          <p:nvPr>
-            <p:ph type="sldImg"/>
-          </p:nvPr>
-        </p:nvSpPr>
-        <p:spPr/>
-      </p:sp>
-      <p:sp>
-        <p:nvSpPr>
-          <p:cNvPr id="3" name="Tijdelijke aanduiding voor notities 2"/>
-          <p:cNvSpPr>
-            <a:spLocks noGrp="1"/>
-          </p:cNvSpPr>
-          <p:nvPr>
-            <p:ph type="body" idx="1"/>
-          </p:nvPr>
-        </p:nvSpPr>
-        <p:spPr/>
-        <p:txBody>
-          <a:bodyPr rtlCol="0"/>
-          <a:lstStyle/>
-          <a:p>
-            <a:pPr rtl="0"/>
-            <a:endParaRPr lang="nl-NL" dirty="0"/>
-          </a:p>
-        </p:txBody>
-      </p:sp>
-      <p:sp>
-        <p:nvSpPr>
-          <p:cNvPr id="4" name="Tijdelijke aanduiding voor dianummer 3"/>
-          <p:cNvSpPr>
-            <a:spLocks noGrp="1"/>
-          </p:cNvSpPr>
-          <p:nvPr>
-            <p:ph type="sldNum" sz="quarter" idx="10"/>
-          </p:nvPr>
-        </p:nvSpPr>
-        <p:spPr/>
-        <p:txBody>
-          <a:bodyPr rtlCol="0"/>
-          <a:lstStyle/>
-          <a:p>
-            <a:pPr rtl="0"/>
-            <a:fld id="{5800B302-F4DC-4547-9C74-CF794137D166}" type="slidenum">
-              <a:rPr lang="nl-NL" smtClean="0"/>
-              <a:t>14</a:t>
-            </a:fld>
-            <a:endParaRPr lang="nl-NL" dirty="0"/>
-          </a:p>
-        </p:txBody>
-      </p:sp>
-    </p:spTree>
-    <p:extLst>
-      <p:ext uri="{BB962C8B-B14F-4D97-AF65-F5344CB8AC3E}">
-        <p14:creationId xmlns:p14="http://schemas.microsoft.com/office/powerpoint/2010/main" val="908655586"/>
       </p:ext>
     </p:extLst>
   </p:cSld>
@@ -6641,6 +5561,13 @@
       </p:transition>
     </mc:Fallback>
   </mc:AlternateContent>
+  <p:timing>
+    <p:tnLst>
+      <p:par>
+        <p:cTn id="1" dur="indefinite" restart="never" nodeType="tmRoot"/>
+      </p:par>
+    </p:tnLst>
+  </p:timing>
 </p:sld>
 </file>
 
@@ -6673,14 +5600,22 @@
         </p:nvSpPr>
         <p:spPr/>
         <p:txBody>
-          <a:bodyPr rtlCol="0"/>
+          <a:bodyPr/>
           <a:lstStyle/>
           <a:p>
-            <a:pPr rtl="0"/>
-            <a:r>
-              <a:rPr lang="nl-NL" dirty="0"/>
-              <a:t>Overzicht training</a:t>
-            </a:r>
+            <a:r>
+              <a:rPr lang="en-US" dirty="0" smtClean="0"/>
+              <a:t>Demo – Master – </a:t>
+            </a:r>
+            <a:r>
+              <a:rPr lang="en-US" dirty="0" err="1" smtClean="0"/>
+              <a:t>Koppelen</a:t>
+            </a:r>
+            <a:r>
+              <a:rPr lang="en-US" dirty="0" smtClean="0"/>
+              <a:t> Minion</a:t>
+            </a:r>
+            <a:endParaRPr lang="nl-NL" dirty="0"/>
           </a:p>
         </p:txBody>
       </p:sp>
@@ -6696,52 +5631,185 @@
         </p:nvSpPr>
         <p:spPr/>
         <p:txBody>
-          <a:bodyPr rtlCol="0"/>
+          <a:bodyPr>
+            <a:normAutofit fontScale="77500" lnSpcReduction="20000"/>
+          </a:bodyPr>
           <a:lstStyle/>
           <a:p>
-            <a:pPr rtl="0"/>
-            <a:r>
-              <a:rPr lang="nl-NL" dirty="0"/>
-              <a:t>Les 1: Naam</a:t>
-            </a:r>
-          </a:p>
-          <a:p>
-            <a:pPr lvl="1" rtl="0"/>
-            <a:r>
-              <a:rPr lang="nl-NL" dirty="0"/>
-              <a:t>Geef, indien gewenst, een korte omschrijving.</a:t>
-            </a:r>
-          </a:p>
-          <a:p>
-            <a:pPr rtl="0"/>
-            <a:r>
-              <a:rPr lang="nl-NL" dirty="0"/>
-              <a:t>Les 2: Naam</a:t>
-            </a:r>
-          </a:p>
-          <a:p>
-            <a:pPr lvl="1" rtl="0"/>
-            <a:r>
-              <a:rPr lang="nl-NL" dirty="0"/>
-              <a:t>Geef, indien gewenst, een korte omschrijving.</a:t>
-            </a:r>
-          </a:p>
-          <a:p>
-            <a:pPr rtl="0"/>
-            <a:r>
-              <a:rPr lang="nl-NL" dirty="0"/>
-              <a:t>Les 3: Naam</a:t>
-            </a:r>
-          </a:p>
-          <a:p>
-            <a:pPr lvl="1" rtl="0"/>
-            <a:r>
-              <a:rPr lang="nl-NL" dirty="0"/>
-              <a:t>Geef, indien gewenst, een korte omschrijving.</a:t>
-            </a:r>
-          </a:p>
-          <a:p>
-            <a:pPr rtl="0"/>
+            <a:r>
+              <a:rPr lang="en-US" dirty="0" err="1" smtClean="0"/>
+              <a:t>Lijst</a:t>
+            </a:r>
+            <a:r>
+              <a:rPr lang="en-US" dirty="0" smtClean="0"/>
+              <a:t> met keys:</a:t>
+            </a:r>
+          </a:p>
+          <a:p>
+            <a:pPr lvl="1"/>
+            <a:r>
+              <a:rPr lang="en-US" dirty="0" smtClean="0"/>
+              <a:t>salt-key –l</a:t>
+            </a:r>
+          </a:p>
+          <a:p>
+            <a:r>
+              <a:rPr lang="en-US" dirty="0" err="1" smtClean="0"/>
+              <a:t>Accepten</a:t>
+            </a:r>
+            <a:endParaRPr lang="en-US" dirty="0" smtClean="0"/>
+          </a:p>
+          <a:p>
+            <a:pPr lvl="1"/>
+            <a:r>
+              <a:rPr lang="en-US" dirty="0"/>
+              <a:t>s</a:t>
+            </a:r>
+            <a:r>
+              <a:rPr lang="en-US" dirty="0" smtClean="0"/>
+              <a:t>alt-key –a &lt;wildcard&gt;</a:t>
+            </a:r>
+          </a:p>
+          <a:p>
+            <a:r>
+              <a:rPr lang="en-US" dirty="0" err="1" smtClean="0"/>
+              <a:t>Rejecten</a:t>
+            </a:r>
+            <a:endParaRPr lang="en-US" dirty="0" smtClean="0"/>
+          </a:p>
+          <a:p>
+            <a:pPr lvl="1"/>
+            <a:r>
+              <a:rPr lang="en-US" dirty="0" smtClean="0"/>
+              <a:t>salt-key –r &lt;wildcard&gt;</a:t>
+            </a:r>
+          </a:p>
+          <a:p>
+            <a:r>
+              <a:rPr lang="en-US" dirty="0" err="1" smtClean="0"/>
+              <a:t>Deleten</a:t>
+            </a:r>
+            <a:r>
+              <a:rPr lang="en-US" dirty="0" smtClean="0"/>
+              <a:t> (</a:t>
+            </a:r>
+            <a:r>
+              <a:rPr lang="en-US" dirty="0" err="1" smtClean="0"/>
+              <a:t>opruimen</a:t>
+            </a:r>
+            <a:r>
+              <a:rPr lang="en-US" dirty="0" smtClean="0"/>
+              <a:t>!)</a:t>
+            </a:r>
+          </a:p>
+          <a:p>
+            <a:pPr lvl="1"/>
+            <a:r>
+              <a:rPr lang="en-US" dirty="0" smtClean="0"/>
+              <a:t>salt-key -	d &lt;wildcard&gt;</a:t>
+            </a:r>
+          </a:p>
+          <a:p>
+            <a:r>
+              <a:rPr lang="en-US" dirty="0" err="1" smtClean="0"/>
+              <a:t>Alles</a:t>
+            </a:r>
+            <a:r>
+              <a:rPr lang="en-US" dirty="0" smtClean="0"/>
+              <a:t> </a:t>
+            </a:r>
+            <a:r>
+              <a:rPr lang="en-US" dirty="0" err="1" smtClean="0"/>
+              <a:t>Accepten</a:t>
+            </a:r>
+            <a:r>
+              <a:rPr lang="en-US" dirty="0" smtClean="0"/>
+              <a:t> (poor man’s solution)</a:t>
+            </a:r>
+          </a:p>
+          <a:p>
+            <a:pPr lvl="1"/>
+            <a:r>
+              <a:rPr lang="en-US" dirty="0" smtClean="0"/>
+              <a:t>salt-key –A</a:t>
+            </a:r>
+          </a:p>
+          <a:p>
+            <a:r>
+              <a:rPr lang="en-US" dirty="0" err="1" smtClean="0"/>
+              <a:t>Alles</a:t>
+            </a:r>
+            <a:r>
+              <a:rPr lang="en-US" dirty="0" smtClean="0"/>
+              <a:t> </a:t>
+            </a:r>
+            <a:r>
+              <a:rPr lang="en-US" dirty="0" err="1" smtClean="0"/>
+              <a:t>Rejecten</a:t>
+            </a:r>
+            <a:endParaRPr lang="en-US" dirty="0"/>
+          </a:p>
+          <a:p>
+            <a:pPr lvl="1"/>
+            <a:r>
+              <a:rPr lang="en-US" dirty="0"/>
+              <a:t>s</a:t>
+            </a:r>
+            <a:r>
+              <a:rPr lang="en-US" dirty="0" smtClean="0"/>
+              <a:t>alt-key –R</a:t>
+            </a:r>
+          </a:p>
+          <a:p>
+            <a:r>
+              <a:rPr lang="en-US" dirty="0" err="1" smtClean="0"/>
+              <a:t>Alles</a:t>
+            </a:r>
+            <a:r>
+              <a:rPr lang="en-US" dirty="0" smtClean="0"/>
+              <a:t> </a:t>
+            </a:r>
+            <a:r>
+              <a:rPr lang="en-US" dirty="0" err="1" smtClean="0"/>
+              <a:t>Deleten</a:t>
+            </a:r>
+            <a:r>
+              <a:rPr lang="en-US" dirty="0" smtClean="0"/>
+              <a:t> (</a:t>
+            </a:r>
+            <a:r>
+              <a:rPr lang="en-US" dirty="0" err="1" smtClean="0"/>
+              <a:t>rm</a:t>
+            </a:r>
+            <a:r>
+              <a:rPr lang="en-US" dirty="0" smtClean="0"/>
+              <a:t> –</a:t>
+            </a:r>
+            <a:r>
+              <a:rPr lang="en-US" dirty="0" err="1" smtClean="0"/>
+              <a:t>rf</a:t>
+            </a:r>
+            <a:r>
+              <a:rPr lang="en-US" dirty="0"/>
+              <a:t> </a:t>
+            </a:r>
+            <a:r>
+              <a:rPr lang="en-US" dirty="0" smtClean="0"/>
+              <a:t>*)</a:t>
+            </a:r>
+          </a:p>
+          <a:p>
+            <a:pPr lvl="1"/>
+            <a:r>
+              <a:rPr lang="en-US" dirty="0"/>
+              <a:t>s</a:t>
+            </a:r>
+            <a:r>
+              <a:rPr lang="en-US" dirty="0" smtClean="0"/>
+              <a:t>alt-key -D</a:t>
+            </a:r>
+          </a:p>
+          <a:p>
             <a:endParaRPr lang="nl-NL" dirty="0"/>
           </a:p>
         </p:txBody>
@@ -6749,7 +5817,7 @@
     </p:spTree>
     <p:extLst>
       <p:ext uri="{BB962C8B-B14F-4D97-AF65-F5344CB8AC3E}">
-        <p14:creationId xmlns:p14="http://schemas.microsoft.com/office/powerpoint/2010/main" val="997860157"/>
+        <p14:creationId xmlns:p14="http://schemas.microsoft.com/office/powerpoint/2010/main" val="1431122101"/>
       </p:ext>
     </p:extLst>
   </p:cSld>
@@ -6768,6 +5836,13 @@
       </p:transition>
     </mc:Fallback>
   </mc:AlternateContent>
+  <p:timing>
+    <p:tnLst>
+      <p:par>
+        <p:cTn id="1" dur="indefinite" restart="never" nodeType="tmRoot"/>
+      </p:par>
+    </p:tnLst>
+  </p:timing>
 </p:sld>
 </file>
 
@@ -6800,14 +5875,22 @@
         </p:nvSpPr>
         <p:spPr/>
         <p:txBody>
-          <a:bodyPr rtlCol="0"/>
+          <a:bodyPr/>
           <a:lstStyle/>
           <a:p>
-            <a:pPr rtl="0"/>
-            <a:r>
-              <a:rPr lang="nl-NL" dirty="0"/>
-              <a:t>Les 1: Doelstellingen</a:t>
-            </a:r>
+            <a:r>
+              <a:rPr lang="en-US" dirty="0" smtClean="0"/>
+              <a:t>Demo – Master (</a:t>
+            </a:r>
+            <a:r>
+              <a:rPr lang="en-US" dirty="0" err="1" smtClean="0"/>
+              <a:t>vervolg</a:t>
+            </a:r>
+            <a:r>
+              <a:rPr lang="en-US" dirty="0" smtClean="0"/>
+              <a:t>)</a:t>
+            </a:r>
+            <a:endParaRPr lang="nl-NL" dirty="0"/>
           </a:p>
         </p:txBody>
       </p:sp>
@@ -6823,35 +5906,224 @@
         </p:nvSpPr>
         <p:spPr/>
         <p:txBody>
-          <a:bodyPr rtlCol="0"/>
+          <a:bodyPr>
+            <a:normAutofit fontScale="92500" lnSpcReduction="20000"/>
+          </a:bodyPr>
           <a:lstStyle/>
           <a:p>
-            <a:pPr rtl="0"/>
-            <a:r>
-              <a:rPr lang="nl-NL" dirty="0"/>
-              <a:t>Vermeld de beoogde resultaten van deze trainingssessie.</a:t>
-            </a:r>
-          </a:p>
-          <a:p>
-            <a:pPr rtl="0"/>
-            <a:r>
-              <a:rPr lang="nl-NL" dirty="0"/>
-              <a:t>Elke doelstelling moet beknopt zijn, een werkwoord bevatten en een meetbaar resultaat hebben.</a:t>
-            </a:r>
-          </a:p>
-          <a:p>
-            <a:pPr rtl="0"/>
-            <a:r>
-              <a:rPr lang="nl-NL" dirty="0"/>
-              <a:t>Tip: Klik en schuif in het onderstaande deelvenster met notities voor voorbeelden of voeg uw eigen sprekersnotities toe.</a:t>
-            </a:r>
+            <a:r>
+              <a:rPr lang="en-US" dirty="0" smtClean="0"/>
+              <a:t>salt ‘&lt;targets&gt;’ &lt;</a:t>
+            </a:r>
+            <a:r>
+              <a:rPr lang="en-US" dirty="0" err="1" smtClean="0"/>
+              <a:t>functie</a:t>
+            </a:r>
+            <a:r>
+              <a:rPr lang="en-US" dirty="0" smtClean="0"/>
+              <a:t>&gt; &lt;arguments&gt;</a:t>
+            </a:r>
+          </a:p>
+          <a:p>
+            <a:r>
+              <a:rPr lang="en-US" dirty="0" err="1" smtClean="0"/>
+              <a:t>Voorbeelden</a:t>
+            </a:r>
+            <a:r>
+              <a:rPr lang="en-US" dirty="0" smtClean="0"/>
+              <a:t>:</a:t>
+            </a:r>
+          </a:p>
+          <a:p>
+            <a:pPr lvl="1"/>
+            <a:r>
+              <a:rPr lang="en-US" dirty="0"/>
+              <a:t>s</a:t>
+            </a:r>
+            <a:r>
+              <a:rPr lang="en-US" dirty="0" smtClean="0"/>
+              <a:t>alt ‘*’ </a:t>
+            </a:r>
+            <a:r>
+              <a:rPr lang="en-US" dirty="0" err="1" smtClean="0"/>
+              <a:t>test.ping</a:t>
+            </a:r>
+            <a:endParaRPr lang="en-US" dirty="0" smtClean="0"/>
+          </a:p>
+          <a:p>
+            <a:pPr lvl="1"/>
+            <a:r>
+              <a:rPr lang="en-US" dirty="0" smtClean="0"/>
+              <a:t>salt ‘*’ </a:t>
+            </a:r>
+            <a:r>
+              <a:rPr lang="en-US" dirty="0" err="1" smtClean="0"/>
+              <a:t>file.read</a:t>
+            </a:r>
+            <a:r>
+              <a:rPr lang="en-US" dirty="0" smtClean="0"/>
+              <a:t> /</a:t>
+            </a:r>
+            <a:r>
+              <a:rPr lang="en-US" dirty="0" err="1" smtClean="0"/>
+              <a:t>etc</a:t>
+            </a:r>
+            <a:r>
+              <a:rPr lang="en-US" dirty="0" smtClean="0"/>
+              <a:t>/</a:t>
+            </a:r>
+            <a:r>
+              <a:rPr lang="en-US" dirty="0" err="1" smtClean="0"/>
+              <a:t>passwd</a:t>
+            </a:r>
+            <a:endParaRPr lang="en-US" dirty="0" smtClean="0"/>
+          </a:p>
+          <a:p>
+            <a:pPr lvl="1"/>
+            <a:r>
+              <a:rPr lang="en-US" dirty="0" smtClean="0"/>
+              <a:t>salt ‘*’ </a:t>
+            </a:r>
+            <a:r>
+              <a:rPr lang="en-US" dirty="0" err="1" smtClean="0"/>
+              <a:t>pkg.install</a:t>
+            </a:r>
+            <a:r>
+              <a:rPr lang="en-US" dirty="0" smtClean="0"/>
+              <a:t> </a:t>
+            </a:r>
+            <a:r>
+              <a:rPr lang="en-US" dirty="0" err="1" smtClean="0"/>
+              <a:t>nginx</a:t>
+            </a:r>
+            <a:endParaRPr lang="en-US" dirty="0" smtClean="0"/>
+          </a:p>
+          <a:p>
+            <a:pPr lvl="1"/>
+            <a:endParaRPr lang="en-US" dirty="0"/>
+          </a:p>
+          <a:p>
+            <a:r>
+              <a:rPr lang="en-US" dirty="0" err="1" smtClean="0"/>
+              <a:t>Kanttekening</a:t>
+            </a:r>
+            <a:r>
+              <a:rPr lang="en-US" dirty="0" smtClean="0"/>
+              <a:t>:</a:t>
+            </a:r>
+          </a:p>
+          <a:p>
+            <a:endParaRPr lang="en-US" dirty="0" smtClean="0"/>
+          </a:p>
+          <a:p>
+            <a:pPr lvl="1"/>
+            <a:r>
+              <a:rPr lang="en-US" dirty="0" err="1" smtClean="0"/>
+              <a:t>Voorbeelden</a:t>
+            </a:r>
+            <a:r>
+              <a:rPr lang="en-US" dirty="0" smtClean="0"/>
+              <a:t> van Execution Modules, </a:t>
+            </a:r>
+            <a:r>
+              <a:rPr lang="en-US" dirty="0" err="1" smtClean="0"/>
+              <a:t>geen</a:t>
+            </a:r>
+            <a:r>
+              <a:rPr lang="en-US" dirty="0" smtClean="0"/>
+              <a:t> State Modules!</a:t>
+            </a:r>
+          </a:p>
+          <a:p>
+            <a:pPr lvl="1"/>
+            <a:endParaRPr lang="en-US" dirty="0" smtClean="0"/>
+          </a:p>
+          <a:p>
+            <a:pPr lvl="1"/>
+            <a:r>
+              <a:rPr lang="en-US" b="1" dirty="0" smtClean="0"/>
+              <a:t>State Modules </a:t>
+            </a:r>
+            <a:r>
+              <a:rPr lang="en-US" b="1" dirty="0" err="1" smtClean="0"/>
+              <a:t>zijn</a:t>
+            </a:r>
+            <a:r>
+              <a:rPr lang="en-US" b="1" dirty="0" smtClean="0"/>
+              <a:t> </a:t>
+            </a:r>
+            <a:r>
+              <a:rPr lang="en-US" b="1" dirty="0" err="1" smtClean="0"/>
+              <a:t>verzamelingen</a:t>
+            </a:r>
+            <a:r>
+              <a:rPr lang="en-US" b="1" dirty="0" smtClean="0"/>
+              <a:t> van </a:t>
+            </a:r>
+            <a:r>
+              <a:rPr lang="en-US" b="1" dirty="0" err="1" smtClean="0"/>
+              <a:t>functies</a:t>
+            </a:r>
+            <a:r>
+              <a:rPr lang="en-US" b="1" dirty="0" smtClean="0"/>
+              <a:t> </a:t>
+            </a:r>
+            <a:r>
+              <a:rPr lang="en-US" b="1" dirty="0" err="1" smtClean="0"/>
+              <a:t>uit</a:t>
+            </a:r>
+            <a:r>
+              <a:rPr lang="en-US" b="1" dirty="0" smtClean="0"/>
+              <a:t> Execution Modules </a:t>
+            </a:r>
+            <a:r>
+              <a:rPr lang="en-US" b="1" dirty="0" err="1" smtClean="0"/>
+              <a:t>welke</a:t>
+            </a:r>
+            <a:r>
+              <a:rPr lang="en-US" b="1" dirty="0" smtClean="0"/>
+              <a:t> </a:t>
+            </a:r>
+            <a:r>
+              <a:rPr lang="en-US" b="1" dirty="0" err="1" smtClean="0"/>
+              <a:t>een</a:t>
+            </a:r>
+            <a:r>
+              <a:rPr lang="en-US" b="1" dirty="0" smtClean="0"/>
+              <a:t> “Desired State” </a:t>
+            </a:r>
+            <a:r>
+              <a:rPr lang="en-US" b="1" dirty="0" err="1" smtClean="0"/>
+              <a:t>mogelijk</a:t>
+            </a:r>
+            <a:r>
+              <a:rPr lang="en-US" b="1" dirty="0" smtClean="0"/>
+              <a:t> </a:t>
+            </a:r>
+            <a:r>
+              <a:rPr lang="en-US" b="1" dirty="0" err="1" smtClean="0"/>
+              <a:t>maken</a:t>
+            </a:r>
+            <a:r>
+              <a:rPr lang="en-US" b="1" dirty="0" smtClean="0"/>
+              <a:t>.</a:t>
+            </a:r>
+          </a:p>
+          <a:p>
+            <a:pPr marL="109728" indent="0">
+              <a:buNone/>
+            </a:pPr>
+            <a:endParaRPr lang="en-US" dirty="0" smtClean="0"/>
+          </a:p>
+          <a:p>
+            <a:endParaRPr lang="nl-NL" dirty="0"/>
           </a:p>
         </p:txBody>
       </p:sp>
     </p:spTree>
     <p:extLst>
       <p:ext uri="{BB962C8B-B14F-4D97-AF65-F5344CB8AC3E}">
-        <p14:creationId xmlns:p14="http://schemas.microsoft.com/office/powerpoint/2010/main" val="384888077"/>
+        <p14:creationId xmlns:p14="http://schemas.microsoft.com/office/powerpoint/2010/main" val="3188273692"/>
       </p:ext>
     </p:extLst>
   </p:cSld>
@@ -6870,6 +6142,13 @@
       </p:transition>
     </mc:Fallback>
   </mc:AlternateContent>
+  <p:timing>
+    <p:tnLst>
+      <p:par>
+        <p:cTn id="1" dur="indefinite" restart="never" nodeType="tmRoot"/>
+      </p:par>
+    </p:tnLst>
+  </p:timing>
 </p:sld>
 </file>
 
@@ -6892,7 +6171,7 @@
       </p:grpSpPr>
       <p:sp>
         <p:nvSpPr>
-          <p:cNvPr id="9" name="Titel 8"/>
+          <p:cNvPr id="2" name="Titel 1"/>
           <p:cNvSpPr>
             <a:spLocks noGrp="1"/>
           </p:cNvSpPr>
@@ -6902,86 +6181,268 @@
         </p:nvSpPr>
         <p:spPr/>
         <p:txBody>
-          <a:bodyPr rtlCol="0"/>
+          <a:bodyPr/>
           <a:lstStyle/>
           <a:p>
-            <a:pPr rtl="0"/>
-            <a:r>
-              <a:rPr lang="nl-NL" dirty="0"/>
-              <a:t>Les 1: Inhoud</a:t>
-            </a:r>
-          </a:p>
-        </p:txBody>
-      </p:sp>
-      <p:sp>
-        <p:nvSpPr>
-          <p:cNvPr id="6" name="Tijdelijke aanduiding voor tekst 5"/>
-          <p:cNvSpPr>
-            <a:spLocks noGrp="1"/>
-          </p:cNvSpPr>
-          <p:nvPr>
-            <p:ph sz="half" idx="1"/>
+            <a:r>
+              <a:rPr lang="en-US" dirty="0" smtClean="0"/>
+              <a:t>States</a:t>
+            </a:r>
+            <a:endParaRPr lang="nl-NL" dirty="0"/>
+          </a:p>
+        </p:txBody>
+      </p:sp>
+      <p:sp>
+        <p:nvSpPr>
+          <p:cNvPr id="3" name="Tijdelijke aanduiding voor inhoud 2"/>
+          <p:cNvSpPr>
+            <a:spLocks noGrp="1"/>
+          </p:cNvSpPr>
+          <p:nvPr>
+            <p:ph idx="1"/>
           </p:nvPr>
         </p:nvSpPr>
         <p:spPr/>
         <p:txBody>
-          <a:bodyPr rtlCol="0"/>
+          <a:bodyPr>
+            <a:normAutofit lnSpcReduction="10000"/>
+          </a:bodyPr>
           <a:lstStyle/>
           <a:p>
-            <a:pPr rtl="0"/>
-            <a:r>
-              <a:rPr lang="nl-NL" dirty="0"/>
-              <a:t>Voeg uw tekst hier toe. </a:t>
-            </a:r>
-          </a:p>
-          <a:p>
-            <a:pPr rtl="0"/>
-            <a:r>
-              <a:rPr lang="nl-NL" dirty="0"/>
-              <a:t>Als u een afbeelding, een diagram of andere inhoud aan de rechterkolom wilt toevoegen, klikt u op het bijbehorende pictogram.</a:t>
-            </a:r>
-          </a:p>
-          <a:p>
-            <a:pPr rtl="0"/>
-            <a:r>
-              <a:rPr lang="nl-NL" dirty="0"/>
-              <a:t>Als u een dia wilt toevoegen, klikt u in het menu Invoegen op Nieuwe dia of drukt u op </a:t>
-            </a:r>
-            <a:r>
-              <a:rPr lang="nl-NL" dirty="0" err="1"/>
-              <a:t>Ctrl+M</a:t>
-            </a:r>
-            <a:r>
-              <a:rPr lang="nl-NL" dirty="0"/>
-              <a:t>.</a:t>
-            </a:r>
-          </a:p>
-        </p:txBody>
-      </p:sp>
-      <p:sp>
-        <p:nvSpPr>
-          <p:cNvPr id="3" name="Tijdelijke aanduiding voor inhoud 2"/>
-          <p:cNvSpPr>
-            <a:spLocks noGrp="1"/>
-          </p:cNvSpPr>
-          <p:nvPr>
-            <p:ph sz="half" idx="2"/>
-          </p:nvPr>
-        </p:nvSpPr>
-        <p:spPr/>
-        <p:txBody>
-          <a:bodyPr rtlCol="0"/>
-          <a:lstStyle/>
-          <a:p>
-            <a:pPr rtl="0"/>
-            <a:endParaRPr lang="nl-NL" dirty="0"/>
+            <a:r>
+              <a:rPr lang="en-US" dirty="0" smtClean="0"/>
+              <a:t>State File (.</a:t>
+            </a:r>
+            <a:r>
+              <a:rPr lang="en-US" dirty="0" err="1" smtClean="0"/>
+              <a:t>sls</a:t>
+            </a:r>
+            <a:r>
+              <a:rPr lang="en-US" dirty="0" smtClean="0"/>
+              <a:t>):</a:t>
+            </a:r>
+          </a:p>
+          <a:p>
+            <a:pPr lvl="1"/>
+            <a:r>
+              <a:rPr lang="en-US" dirty="0" smtClean="0"/>
+              <a:t>YAML (JSON </a:t>
+            </a:r>
+            <a:r>
+              <a:rPr lang="en-US" dirty="0" err="1" smtClean="0"/>
+              <a:t>ook</a:t>
+            </a:r>
+            <a:r>
+              <a:rPr lang="en-US" dirty="0" smtClean="0"/>
+              <a:t> </a:t>
+            </a:r>
+            <a:r>
+              <a:rPr lang="en-US" dirty="0" err="1" smtClean="0"/>
+              <a:t>mogelijk</a:t>
+            </a:r>
+            <a:r>
+              <a:rPr lang="en-US" dirty="0" smtClean="0"/>
+              <a:t>)</a:t>
+            </a:r>
+          </a:p>
+          <a:p>
+            <a:pPr lvl="1"/>
+            <a:r>
+              <a:rPr lang="en-US" dirty="0" err="1" smtClean="0"/>
+              <a:t>Verzameling</a:t>
+            </a:r>
+            <a:r>
+              <a:rPr lang="en-US" dirty="0" smtClean="0"/>
+              <a:t> State Modules</a:t>
+            </a:r>
+          </a:p>
+          <a:p>
+            <a:pPr lvl="1"/>
+            <a:r>
+              <a:rPr lang="en-US" dirty="0" err="1" smtClean="0"/>
+              <a:t>Sequentieel</a:t>
+            </a:r>
+            <a:r>
+              <a:rPr lang="en-US" dirty="0" smtClean="0"/>
+              <a:t> </a:t>
+            </a:r>
+            <a:r>
+              <a:rPr lang="en-US" dirty="0" err="1" smtClean="0"/>
+              <a:t>uitgevoerd</a:t>
+            </a:r>
+            <a:r>
+              <a:rPr lang="en-US" dirty="0" smtClean="0"/>
+              <a:t> </a:t>
+            </a:r>
+            <a:r>
+              <a:rPr lang="en-US" dirty="0" err="1" smtClean="0"/>
+              <a:t>tenzij</a:t>
+            </a:r>
+            <a:r>
+              <a:rPr lang="en-US" dirty="0" smtClean="0"/>
+              <a:t> </a:t>
+            </a:r>
+            <a:r>
+              <a:rPr lang="en-US" dirty="0" err="1" smtClean="0"/>
+              <a:t>anders</a:t>
+            </a:r>
+            <a:r>
+              <a:rPr lang="en-US" dirty="0" smtClean="0"/>
+              <a:t> </a:t>
+            </a:r>
+            <a:r>
+              <a:rPr lang="en-US" dirty="0" err="1" smtClean="0"/>
+              <a:t>aangegeven</a:t>
+            </a:r>
+            <a:r>
+              <a:rPr lang="en-US" dirty="0" smtClean="0"/>
+              <a:t> (dependencies)</a:t>
+            </a:r>
+          </a:p>
+          <a:p>
+            <a:pPr lvl="1"/>
+            <a:endParaRPr lang="en-US" dirty="0" smtClean="0"/>
+          </a:p>
+          <a:p>
+            <a:r>
+              <a:rPr lang="en-US" dirty="0" err="1" smtClean="0"/>
+              <a:t>Voorbeeld</a:t>
+            </a:r>
+            <a:r>
+              <a:rPr lang="en-US" dirty="0" smtClean="0"/>
+              <a:t>:</a:t>
+            </a:r>
+          </a:p>
+          <a:p>
+            <a:endParaRPr lang="en-US" dirty="0"/>
+          </a:p>
+          <a:p>
+            <a:pPr marL="109728" indent="0">
+              <a:buNone/>
+            </a:pPr>
+            <a:r>
+              <a:rPr lang="en-US" sz="1600" dirty="0" smtClean="0">
+                <a:latin typeface="Consolas" panose="020B0609020204030204" pitchFamily="49" charset="0"/>
+              </a:rPr>
+              <a:t>---</a:t>
+            </a:r>
+            <a:br>
+              <a:rPr lang="en-US" sz="1600" dirty="0" smtClean="0">
+                <a:latin typeface="Consolas" panose="020B0609020204030204" pitchFamily="49" charset="0"/>
+              </a:rPr>
+            </a:br>
+            <a:r>
+              <a:rPr lang="en-US" sz="1600" dirty="0" smtClean="0">
+                <a:latin typeface="Consolas" panose="020B0609020204030204" pitchFamily="49" charset="0"/>
+              </a:rPr>
+              <a:t>Setup </a:t>
+            </a:r>
+            <a:r>
+              <a:rPr lang="en-US" sz="1600" dirty="0" err="1" smtClean="0">
+                <a:latin typeface="Consolas" panose="020B0609020204030204" pitchFamily="49" charset="0"/>
+              </a:rPr>
+              <a:t>motd</a:t>
+            </a:r>
+            <a:r>
+              <a:rPr lang="en-US" sz="1600" dirty="0" smtClean="0">
+                <a:latin typeface="Consolas" panose="020B0609020204030204" pitchFamily="49" charset="0"/>
+              </a:rPr>
+              <a:t> file:</a:t>
+            </a:r>
+          </a:p>
+          <a:p>
+            <a:pPr marL="109728" indent="0">
+              <a:buNone/>
+            </a:pPr>
+            <a:r>
+              <a:rPr lang="en-US" sz="1600" dirty="0">
+                <a:latin typeface="Consolas" panose="020B0609020204030204" pitchFamily="49" charset="0"/>
+              </a:rPr>
+              <a:t> </a:t>
+            </a:r>
+            <a:r>
+              <a:rPr lang="en-US" sz="1600" dirty="0" smtClean="0">
+                <a:latin typeface="Consolas" panose="020B0609020204030204" pitchFamily="49" charset="0"/>
+              </a:rPr>
+              <a:t> </a:t>
+            </a:r>
+            <a:r>
+              <a:rPr lang="en-US" sz="1600" dirty="0" err="1" smtClean="0">
+                <a:latin typeface="Consolas" panose="020B0609020204030204" pitchFamily="49" charset="0"/>
+              </a:rPr>
+              <a:t>file.managed</a:t>
+            </a:r>
+            <a:r>
+              <a:rPr lang="en-US" sz="1600" dirty="0" smtClean="0">
+                <a:latin typeface="Consolas" panose="020B0609020204030204" pitchFamily="49" charset="0"/>
+              </a:rPr>
+              <a:t>:</a:t>
+            </a:r>
+          </a:p>
+          <a:p>
+            <a:pPr marL="109728" indent="0">
+              <a:buNone/>
+            </a:pPr>
+            <a:r>
+              <a:rPr lang="en-US" sz="1600" dirty="0">
+                <a:latin typeface="Consolas" panose="020B0609020204030204" pitchFamily="49" charset="0"/>
+              </a:rPr>
+              <a:t> </a:t>
+            </a:r>
+            <a:r>
+              <a:rPr lang="en-US" sz="1600" dirty="0" smtClean="0">
+                <a:latin typeface="Consolas" panose="020B0609020204030204" pitchFamily="49" charset="0"/>
+              </a:rPr>
+              <a:t>   - name: /</a:t>
+            </a:r>
+            <a:r>
+              <a:rPr lang="en-US" sz="1600" dirty="0" err="1" smtClean="0">
+                <a:latin typeface="Consolas" panose="020B0609020204030204" pitchFamily="49" charset="0"/>
+              </a:rPr>
+              <a:t>etc</a:t>
+            </a:r>
+            <a:r>
+              <a:rPr lang="en-US" sz="1600" dirty="0" smtClean="0">
+                <a:latin typeface="Consolas" panose="020B0609020204030204" pitchFamily="49" charset="0"/>
+              </a:rPr>
+              <a:t>/</a:t>
+            </a:r>
+            <a:r>
+              <a:rPr lang="en-US" sz="1600" dirty="0" err="1" smtClean="0">
+                <a:latin typeface="Consolas" panose="020B0609020204030204" pitchFamily="49" charset="0"/>
+              </a:rPr>
+              <a:t>motd</a:t>
+            </a:r>
+            <a:endParaRPr lang="en-US" sz="1600" dirty="0" smtClean="0">
+              <a:latin typeface="Consolas" panose="020B0609020204030204" pitchFamily="49" charset="0"/>
+            </a:endParaRPr>
+          </a:p>
+          <a:p>
+            <a:pPr marL="109728" indent="0">
+              <a:buNone/>
+            </a:pPr>
+            <a:r>
+              <a:rPr lang="en-US" sz="1600" dirty="0">
+                <a:latin typeface="Consolas" panose="020B0609020204030204" pitchFamily="49" charset="0"/>
+              </a:rPr>
+              <a:t> </a:t>
+            </a:r>
+            <a:r>
+              <a:rPr lang="en-US" sz="1600" dirty="0" smtClean="0">
+                <a:latin typeface="Consolas" panose="020B0609020204030204" pitchFamily="49" charset="0"/>
+              </a:rPr>
+              <a:t>   - contents: “Hello from my machine!”</a:t>
+            </a:r>
+            <a:endParaRPr lang="nl-NL" sz="1600" dirty="0">
+              <a:latin typeface="Consolas" panose="020B0609020204030204" pitchFamily="49" charset="0"/>
+            </a:endParaRPr>
           </a:p>
         </p:txBody>
       </p:sp>
     </p:spTree>
     <p:extLst>
       <p:ext uri="{BB962C8B-B14F-4D97-AF65-F5344CB8AC3E}">
-        <p14:creationId xmlns:p14="http://schemas.microsoft.com/office/powerpoint/2010/main" val="4237039325"/>
+        <p14:creationId xmlns:p14="http://schemas.microsoft.com/office/powerpoint/2010/main" val="1160381725"/>
       </p:ext>
     </p:extLst>
   </p:cSld>
@@ -7000,6 +6461,13 @@
       </p:transition>
     </mc:Fallback>
   </mc:AlternateContent>
+  <p:timing>
+    <p:tnLst>
+      <p:par>
+        <p:cTn id="1" dur="indefinite" restart="never" nodeType="tmRoot"/>
+      </p:par>
+    </p:tnLst>
+  </p:timing>
 </p:sld>
 </file>
 
@@ -7032,43 +6500,186 @@
         </p:nvSpPr>
         <p:spPr/>
         <p:txBody>
-          <a:bodyPr rtlCol="0"/>
+          <a:bodyPr/>
           <a:lstStyle/>
           <a:p>
-            <a:pPr rtl="0"/>
+            <a:r>
+              <a:rPr lang="en-US" dirty="0" smtClean="0"/>
+              <a:t>Lab 01 – </a:t>
+            </a:r>
+            <a:r>
+              <a:rPr lang="en-US" dirty="0" err="1" smtClean="0"/>
+              <a:t>Lokale</a:t>
+            </a:r>
+            <a:r>
+              <a:rPr lang="en-US" dirty="0" smtClean="0"/>
+              <a:t> State (~ 5 </a:t>
+            </a:r>
+            <a:r>
+              <a:rPr lang="en-US" dirty="0" err="1" smtClean="0"/>
+              <a:t>minuten</a:t>
+            </a:r>
+            <a:r>
+              <a:rPr lang="en-US" dirty="0" smtClean="0"/>
+              <a:t>)</a:t>
+            </a:r>
+            <a:endParaRPr lang="nl-NL" dirty="0"/>
+          </a:p>
+        </p:txBody>
+      </p:sp>
+      <p:sp>
+        <p:nvSpPr>
+          <p:cNvPr id="3" name="Tijdelijke aanduiding voor inhoud 2"/>
+          <p:cNvSpPr>
+            <a:spLocks noGrp="1"/>
+          </p:cNvSpPr>
+          <p:nvPr>
+            <p:ph idx="1"/>
+          </p:nvPr>
+        </p:nvSpPr>
+        <p:spPr/>
+        <p:txBody>
+          <a:bodyPr/>
+          <a:lstStyle/>
+          <a:p>
+            <a:r>
+              <a:rPr lang="en-US" dirty="0" err="1" smtClean="0"/>
+              <a:t>Lijst</a:t>
+            </a:r>
+            <a:r>
+              <a:rPr lang="en-US" dirty="0" smtClean="0"/>
+              <a:t> met states </a:t>
+            </a:r>
+            <a:r>
+              <a:rPr lang="en-US" dirty="0" err="1" smtClean="0"/>
+              <a:t>bekijken</a:t>
+            </a:r>
+            <a:endParaRPr lang="nl-NL" dirty="0" smtClean="0"/>
+          </a:p>
+          <a:p>
+            <a:pPr lvl="1"/>
+            <a:r>
+              <a:rPr lang="nl-NL" dirty="0" err="1" smtClean="0"/>
+              <a:t>salt</a:t>
+            </a:r>
+            <a:r>
+              <a:rPr lang="nl-NL" dirty="0" smtClean="0"/>
+              <a:t>-call </a:t>
+            </a:r>
             <a:r>
               <a:rPr lang="nl-NL" dirty="0"/>
-              <a:t>Les 1: Afronding</a:t>
-            </a:r>
-          </a:p>
-        </p:txBody>
-      </p:sp>
-      <p:sp>
-        <p:nvSpPr>
-          <p:cNvPr id="3" name="Tijdelijke aanduiding voor inhoud 2"/>
-          <p:cNvSpPr>
-            <a:spLocks noGrp="1"/>
-          </p:cNvSpPr>
-          <p:nvPr>
-            <p:ph idx="1"/>
-          </p:nvPr>
-        </p:nvSpPr>
-        <p:spPr/>
-        <p:txBody>
-          <a:bodyPr rtlCol="0"/>
-          <a:lstStyle/>
-          <a:p>
-            <a:pPr rtl="0"/>
+              <a:t>--</a:t>
+            </a:r>
+            <a:r>
+              <a:rPr lang="nl-NL" dirty="0" err="1"/>
+              <a:t>local</a:t>
+            </a:r>
             <a:r>
               <a:rPr lang="nl-NL" dirty="0"/>
-              <a:t>Vat de hoofdpunten samen.</a:t>
-            </a:r>
-          </a:p>
-          <a:p>
-            <a:pPr rtl="0"/>
+              <a:t> </a:t>
+            </a:r>
+            <a:r>
+              <a:rPr lang="nl-NL" dirty="0" err="1"/>
+              <a:t>state.show_sls</a:t>
+            </a:r>
             <a:r>
               <a:rPr lang="nl-NL" dirty="0"/>
-              <a:t>Ruim tijd in voor vragen.</a:t>
+              <a:t> </a:t>
+            </a:r>
+            <a:r>
+              <a:rPr lang="nl-NL" dirty="0" smtClean="0"/>
+              <a:t>\*</a:t>
+            </a:r>
+          </a:p>
+          <a:p>
+            <a:r>
+              <a:rPr lang="en-US" dirty="0" err="1" smtClean="0"/>
+              <a:t>Lokale</a:t>
+            </a:r>
+            <a:r>
+              <a:rPr lang="en-US" dirty="0" smtClean="0"/>
+              <a:t> state </a:t>
+            </a:r>
+            <a:r>
+              <a:rPr lang="en-US" dirty="0" err="1" smtClean="0"/>
+              <a:t>uitvoeren</a:t>
+            </a:r>
+            <a:endParaRPr lang="nl-NL" dirty="0" smtClean="0"/>
+          </a:p>
+          <a:p>
+            <a:pPr lvl="1"/>
+            <a:r>
+              <a:rPr lang="nl-NL" dirty="0" err="1"/>
+              <a:t>salt</a:t>
+            </a:r>
+            <a:r>
+              <a:rPr lang="nl-NL" dirty="0"/>
+              <a:t>-call --</a:t>
+            </a:r>
+            <a:r>
+              <a:rPr lang="nl-NL" dirty="0" err="1"/>
+              <a:t>local</a:t>
+            </a:r>
+            <a:r>
+              <a:rPr lang="nl-NL" dirty="0"/>
+              <a:t> </a:t>
+            </a:r>
+            <a:r>
+              <a:rPr lang="nl-NL" dirty="0" err="1" smtClean="0"/>
+              <a:t>state.apply</a:t>
+            </a:r>
+            <a:r>
+              <a:rPr lang="nl-NL" dirty="0" smtClean="0"/>
+              <a:t> &lt;state naam&gt;</a:t>
+            </a:r>
+          </a:p>
+          <a:p>
+            <a:pPr lvl="1"/>
+            <a:endParaRPr lang="en-US" dirty="0"/>
+          </a:p>
+          <a:p>
+            <a:r>
+              <a:rPr lang="en-US" dirty="0" err="1" smtClean="0"/>
+              <a:t>Voorbeeld</a:t>
+            </a:r>
+            <a:r>
+              <a:rPr lang="en-US" dirty="0" smtClean="0"/>
+              <a:t>:</a:t>
+            </a:r>
+          </a:p>
+          <a:p>
+            <a:pPr lvl="1"/>
+            <a:r>
+              <a:rPr lang="nl-NL" dirty="0" err="1"/>
+              <a:t>salt</a:t>
+            </a:r>
+            <a:r>
+              <a:rPr lang="nl-NL" dirty="0"/>
+              <a:t>-call --</a:t>
+            </a:r>
+            <a:r>
+              <a:rPr lang="nl-NL" dirty="0" err="1"/>
+              <a:t>local</a:t>
+            </a:r>
+            <a:r>
+              <a:rPr lang="nl-NL" dirty="0"/>
+              <a:t> </a:t>
+            </a:r>
+            <a:r>
+              <a:rPr lang="nl-NL" dirty="0" err="1"/>
+              <a:t>state.apply</a:t>
+            </a:r>
+            <a:r>
+              <a:rPr lang="nl-NL" dirty="0"/>
+              <a:t> </a:t>
+            </a:r>
+            <a:r>
+              <a:rPr lang="nl-NL" dirty="0" err="1"/>
+              <a:t>my</a:t>
+            </a:r>
+            <a:r>
+              <a:rPr lang="nl-NL" dirty="0"/>
+              <a:t>-first-state</a:t>
             </a:r>
           </a:p>
         </p:txBody>
@@ -7076,7 +6687,7 @@
     </p:spTree>
     <p:extLst>
       <p:ext uri="{BB962C8B-B14F-4D97-AF65-F5344CB8AC3E}">
-        <p14:creationId xmlns:p14="http://schemas.microsoft.com/office/powerpoint/2010/main" val="3514341159"/>
+        <p14:creationId xmlns:p14="http://schemas.microsoft.com/office/powerpoint/2010/main" val="2594138897"/>
       </p:ext>
     </p:extLst>
   </p:cSld>
@@ -7095,6 +6706,13 @@
       </p:transition>
     </mc:Fallback>
   </mc:AlternateContent>
+  <p:timing>
+    <p:tnLst>
+      <p:par>
+        <p:cTn id="1" dur="indefinite" restart="never" nodeType="tmRoot"/>
+      </p:par>
+    </p:tnLst>
+  </p:timing>
 </p:sld>
 </file>
 
@@ -7127,14 +6745,14 @@
         </p:nvSpPr>
         <p:spPr/>
         <p:txBody>
-          <a:bodyPr rtlCol="0"/>
+          <a:bodyPr/>
           <a:lstStyle/>
           <a:p>
-            <a:pPr rtl="0"/>
-            <a:r>
-              <a:rPr lang="nl-NL" dirty="0"/>
-              <a:t>Les 2: Doelstellingen</a:t>
-            </a:r>
+            <a:r>
+              <a:rPr lang="en-US" dirty="0" smtClean="0"/>
+              <a:t>Top File</a:t>
+            </a:r>
+            <a:endParaRPr lang="nl-NL" dirty="0"/>
           </a:p>
         </p:txBody>
       </p:sp>
@@ -7150,28 +6768,174 @@
         </p:nvSpPr>
         <p:spPr/>
         <p:txBody>
-          <a:bodyPr rtlCol="0"/>
+          <a:bodyPr>
+            <a:normAutofit fontScale="92500" lnSpcReduction="10000"/>
+          </a:bodyPr>
           <a:lstStyle/>
           <a:p>
-            <a:pPr rtl="0"/>
-            <a:r>
-              <a:rPr lang="nl-NL" dirty="0"/>
-              <a:t>Vermeld de beoogde resultaten van deze trainingssessie.</a:t>
-            </a:r>
-          </a:p>
-          <a:p>
-            <a:pPr rtl="0"/>
-            <a:r>
-              <a:rPr lang="nl-NL" dirty="0"/>
-              <a:t>Elke doelstelling moet beknopt zijn, een werkwoord bevatten en een meetbaar resultaat hebben.</a:t>
-            </a:r>
+            <a:r>
+              <a:rPr lang="en-US" dirty="0" err="1" smtClean="0"/>
+              <a:t>Verzameling</a:t>
+            </a:r>
+            <a:r>
+              <a:rPr lang="en-US" dirty="0" smtClean="0"/>
+              <a:t> van State files per “Environment”</a:t>
+            </a:r>
+          </a:p>
+          <a:p>
+            <a:endParaRPr lang="en-US" dirty="0"/>
+          </a:p>
+          <a:p>
+            <a:r>
+              <a:rPr lang="en-US" dirty="0" smtClean="0"/>
+              <a:t>Syntax:</a:t>
+            </a:r>
+            <a:endParaRPr lang="en-US" dirty="0"/>
+          </a:p>
+          <a:p>
+            <a:pPr marL="109728" indent="0">
+              <a:buNone/>
+            </a:pPr>
+            <a:r>
+              <a:rPr lang="en-US" sz="1800" dirty="0" smtClean="0">
+                <a:latin typeface="Consolas" panose="020B0609020204030204" pitchFamily="49" charset="0"/>
+              </a:rPr>
+              <a:t>---</a:t>
+            </a:r>
+          </a:p>
+          <a:p>
+            <a:pPr marL="109728" indent="0">
+              <a:buNone/>
+            </a:pPr>
+            <a:r>
+              <a:rPr lang="en-US" sz="1800" dirty="0" smtClean="0">
+                <a:latin typeface="Consolas" panose="020B0609020204030204" pitchFamily="49" charset="0"/>
+              </a:rPr>
+              <a:t>&lt;environment&gt;:</a:t>
+            </a:r>
+          </a:p>
+          <a:p>
+            <a:pPr marL="109728" indent="0">
+              <a:buNone/>
+            </a:pPr>
+            <a:r>
+              <a:rPr lang="en-US" sz="1800" dirty="0">
+                <a:latin typeface="Consolas" panose="020B0609020204030204" pitchFamily="49" charset="0"/>
+              </a:rPr>
+              <a:t> </a:t>
+            </a:r>
+            <a:r>
+              <a:rPr lang="en-US" sz="1800" dirty="0" smtClean="0">
+                <a:latin typeface="Consolas" panose="020B0609020204030204" pitchFamily="49" charset="0"/>
+              </a:rPr>
+              <a:t> ‘&lt;wildcard&gt;’:</a:t>
+            </a:r>
+          </a:p>
+          <a:p>
+            <a:pPr marL="109728" indent="0">
+              <a:buNone/>
+            </a:pPr>
+            <a:r>
+              <a:rPr lang="en-US" sz="1800" dirty="0">
+                <a:latin typeface="Consolas" panose="020B0609020204030204" pitchFamily="49" charset="0"/>
+              </a:rPr>
+              <a:t> </a:t>
+            </a:r>
+            <a:r>
+              <a:rPr lang="en-US" sz="1800" dirty="0" smtClean="0">
+                <a:latin typeface="Consolas" panose="020B0609020204030204" pitchFamily="49" charset="0"/>
+              </a:rPr>
+              <a:t>   - &lt;state&gt;</a:t>
+            </a:r>
+          </a:p>
+          <a:p>
+            <a:endParaRPr lang="en-US" dirty="0" smtClean="0"/>
+          </a:p>
+          <a:p>
+            <a:r>
+              <a:rPr lang="en-US" dirty="0" err="1" smtClean="0"/>
+              <a:t>Voorbeeld</a:t>
+            </a:r>
+            <a:r>
+              <a:rPr lang="en-US" dirty="0" smtClean="0"/>
+              <a:t>:</a:t>
+            </a:r>
+            <a:endParaRPr lang="en-US" dirty="0"/>
+          </a:p>
+          <a:p>
+            <a:pPr marL="109728" indent="0">
+              <a:buNone/>
+            </a:pPr>
+            <a:r>
+              <a:rPr lang="en-US" sz="1900" dirty="0">
+                <a:latin typeface="Consolas" panose="020B0609020204030204" pitchFamily="49" charset="0"/>
+              </a:rPr>
+              <a:t>---</a:t>
+            </a:r>
+          </a:p>
+          <a:p>
+            <a:pPr marL="109728" indent="0">
+              <a:buNone/>
+            </a:pPr>
+            <a:r>
+              <a:rPr lang="en-US" sz="1900" dirty="0" smtClean="0">
+                <a:latin typeface="Consolas" panose="020B0609020204030204" pitchFamily="49" charset="0"/>
+              </a:rPr>
+              <a:t>base:</a:t>
+            </a:r>
+            <a:endParaRPr lang="en-US" sz="1900" dirty="0">
+              <a:latin typeface="Consolas" panose="020B0609020204030204" pitchFamily="49" charset="0"/>
+            </a:endParaRPr>
+          </a:p>
+          <a:p>
+            <a:pPr marL="109728" indent="0">
+              <a:buNone/>
+            </a:pPr>
+            <a:r>
+              <a:rPr lang="en-US" sz="1900" dirty="0">
+                <a:latin typeface="Consolas" panose="020B0609020204030204" pitchFamily="49" charset="0"/>
+              </a:rPr>
+              <a:t>  </a:t>
+            </a:r>
+            <a:r>
+              <a:rPr lang="en-US" sz="1900" dirty="0" smtClean="0">
+                <a:latin typeface="Consolas" panose="020B0609020204030204" pitchFamily="49" charset="0"/>
+              </a:rPr>
+              <a:t>‘*’:</a:t>
+            </a:r>
+            <a:endParaRPr lang="en-US" sz="1900" dirty="0">
+              <a:latin typeface="Consolas" panose="020B0609020204030204" pitchFamily="49" charset="0"/>
+            </a:endParaRPr>
+          </a:p>
+          <a:p>
+            <a:pPr marL="109728" indent="0">
+              <a:buNone/>
+            </a:pPr>
+            <a:r>
+              <a:rPr lang="en-US" sz="1900" dirty="0">
+                <a:latin typeface="Consolas" panose="020B0609020204030204" pitchFamily="49" charset="0"/>
+              </a:rPr>
+              <a:t>    - </a:t>
+            </a:r>
+            <a:r>
+              <a:rPr lang="en-US" sz="1900" dirty="0" smtClean="0">
+                <a:latin typeface="Consolas" panose="020B0609020204030204" pitchFamily="49" charset="0"/>
+              </a:rPr>
+              <a:t>my-first-state</a:t>
+            </a:r>
+            <a:endParaRPr lang="en-US" sz="1900" dirty="0">
+              <a:latin typeface="Consolas" panose="020B0609020204030204" pitchFamily="49" charset="0"/>
+            </a:endParaRPr>
+          </a:p>
+          <a:p>
+            <a:endParaRPr lang="nl-NL" dirty="0"/>
           </a:p>
         </p:txBody>
       </p:sp>
     </p:spTree>
     <p:extLst>
       <p:ext uri="{BB962C8B-B14F-4D97-AF65-F5344CB8AC3E}">
-        <p14:creationId xmlns:p14="http://schemas.microsoft.com/office/powerpoint/2010/main" val="3046085847"/>
+        <p14:creationId xmlns:p14="http://schemas.microsoft.com/office/powerpoint/2010/main" val="327470050"/>
       </p:ext>
     </p:extLst>
   </p:cSld>
@@ -7190,6 +6954,13 @@
       </p:transition>
     </mc:Fallback>
   </mc:AlternateContent>
+  <p:timing>
+    <p:tnLst>
+      <p:par>
+        <p:cTn id="1" dur="indefinite" restart="never" nodeType="tmRoot"/>
+      </p:par>
+    </p:tnLst>
+  </p:timing>
 </p:sld>
 </file>
 
@@ -7222,82 +6993,568 @@
         </p:nvSpPr>
         <p:spPr/>
         <p:txBody>
-          <a:bodyPr rtlCol="0"/>
+          <a:bodyPr/>
           <a:lstStyle/>
           <a:p>
-            <a:pPr rtl="0"/>
-            <a:r>
-              <a:rPr lang="nl-NL" dirty="0"/>
-              <a:t>Les 2: Inhoud</a:t>
-            </a:r>
-          </a:p>
-        </p:txBody>
-      </p:sp>
-      <p:sp>
-        <p:nvSpPr>
-          <p:cNvPr id="4" name="Tijdelijke aanduiding voor tekst 3"/>
-          <p:cNvSpPr>
-            <a:spLocks noGrp="1"/>
-          </p:cNvSpPr>
-          <p:nvPr>
-            <p:ph sz="half" idx="1"/>
+            <a:r>
+              <a:rPr lang="en-US" dirty="0" smtClean="0"/>
+              <a:t>Top File - </a:t>
+            </a:r>
+            <a:r>
+              <a:rPr lang="en-US" dirty="0" err="1" smtClean="0"/>
+              <a:t>Vervolg</a:t>
+            </a:r>
+            <a:endParaRPr lang="nl-NL" dirty="0"/>
+          </a:p>
+        </p:txBody>
+      </p:sp>
+      <p:sp>
+        <p:nvSpPr>
+          <p:cNvPr id="3" name="Tijdelijke aanduiding voor inhoud 2"/>
+          <p:cNvSpPr>
+            <a:spLocks noGrp="1"/>
+          </p:cNvSpPr>
+          <p:nvPr>
+            <p:ph idx="1"/>
           </p:nvPr>
         </p:nvSpPr>
         <p:spPr/>
         <p:txBody>
-          <a:bodyPr rtlCol="0"/>
+          <a:bodyPr>
+            <a:normAutofit fontScale="25000" lnSpcReduction="20000"/>
+          </a:bodyPr>
           <a:lstStyle/>
           <a:p>
-            <a:pPr rtl="0"/>
-            <a:r>
-              <a:rPr lang="nl-NL" dirty="0"/>
-              <a:t>Voeg uw tekst hier toe. </a:t>
-            </a:r>
-          </a:p>
-          <a:p>
-            <a:pPr rtl="0"/>
-            <a:r>
-              <a:rPr lang="nl-NL" dirty="0"/>
-              <a:t>Als u een afbeelding, een diagram of andere inhoud aan de rechterkolom wilt toevoegen, klikt u op het bijbehorende pictogram.</a:t>
-            </a:r>
-          </a:p>
-          <a:p>
-            <a:pPr rtl="0"/>
-            <a:r>
-              <a:rPr lang="nl-NL" dirty="0"/>
-              <a:t>Als u een dia wilt toevoegen, klikt u in het menu Invoegen op Nieuwe dia of drukt u op </a:t>
-            </a:r>
-            <a:r>
-              <a:rPr lang="nl-NL" dirty="0" err="1"/>
-              <a:t>Ctrl+M</a:t>
-            </a:r>
-            <a:r>
-              <a:rPr lang="nl-NL" dirty="0"/>
-              <a:t>.</a:t>
-            </a:r>
-          </a:p>
-          <a:p>
-            <a:pPr rtl="0"/>
-            <a:endParaRPr lang="nl-NL" dirty="0"/>
-          </a:p>
-        </p:txBody>
-      </p:sp>
-      <p:sp>
-        <p:nvSpPr>
-          <p:cNvPr id="5" name="Tijdelijke aanduiding voor inhoud 4"/>
-          <p:cNvSpPr>
-            <a:spLocks noGrp="1"/>
-          </p:cNvSpPr>
-          <p:nvPr>
-            <p:ph sz="half" idx="2"/>
-          </p:nvPr>
-        </p:nvSpPr>
-        <p:spPr/>
-        <p:txBody>
-          <a:bodyPr rtlCol="0"/>
-          <a:lstStyle/>
-          <a:p>
-            <a:pPr rtl="0"/>
+            <a:r>
+              <a:rPr lang="en-US" sz="7200" dirty="0" err="1" smtClean="0"/>
+              <a:t>Uitgebreid</a:t>
+            </a:r>
+            <a:r>
+              <a:rPr lang="en-US" sz="7200" dirty="0" smtClean="0"/>
+              <a:t> </a:t>
+            </a:r>
+            <a:r>
+              <a:rPr lang="en-US" sz="7200" dirty="0" err="1"/>
+              <a:t>v</a:t>
+            </a:r>
+            <a:r>
+              <a:rPr lang="en-US" sz="7200" dirty="0" err="1" smtClean="0"/>
+              <a:t>oorbeeld</a:t>
+            </a:r>
+            <a:r>
+              <a:rPr lang="en-US" sz="7200" dirty="0" smtClean="0"/>
+              <a:t>:</a:t>
+            </a:r>
+            <a:endParaRPr lang="en-US" sz="7200" dirty="0"/>
+          </a:p>
+          <a:p>
+            <a:pPr marL="109728" indent="0">
+              <a:buNone/>
+            </a:pPr>
+            <a:r>
+              <a:rPr lang="en-US" sz="3600" dirty="0">
+                <a:latin typeface="Consolas" panose="020B0609020204030204" pitchFamily="49" charset="0"/>
+              </a:rPr>
+              <a:t>---</a:t>
+            </a:r>
+          </a:p>
+          <a:p>
+            <a:pPr marL="109728" indent="0">
+              <a:buNone/>
+            </a:pPr>
+            <a:r>
+              <a:rPr lang="en-US" sz="3600" dirty="0" smtClean="0">
+                <a:latin typeface="Consolas" panose="020B0609020204030204" pitchFamily="49" charset="0"/>
+              </a:rPr>
+              <a:t>base:</a:t>
+            </a:r>
+          </a:p>
+          <a:p>
+            <a:pPr marL="109728" indent="0">
+              <a:buNone/>
+            </a:pPr>
+            <a:r>
+              <a:rPr lang="en-US" sz="3600" dirty="0">
+                <a:latin typeface="Consolas" panose="020B0609020204030204" pitchFamily="49" charset="0"/>
+              </a:rPr>
+              <a:t> </a:t>
+            </a:r>
+            <a:r>
+              <a:rPr lang="en-US" sz="3600" dirty="0" smtClean="0">
+                <a:latin typeface="Consolas" panose="020B0609020204030204" pitchFamily="49" charset="0"/>
+              </a:rPr>
+              <a:t> ‘*’:</a:t>
+            </a:r>
+          </a:p>
+          <a:p>
+            <a:pPr marL="109728" indent="0">
+              <a:buNone/>
+            </a:pPr>
+            <a:r>
+              <a:rPr lang="en-US" sz="3600" dirty="0">
+                <a:latin typeface="Consolas" panose="020B0609020204030204" pitchFamily="49" charset="0"/>
+              </a:rPr>
+              <a:t> </a:t>
+            </a:r>
+            <a:r>
+              <a:rPr lang="en-US" sz="3600" dirty="0" smtClean="0">
+                <a:latin typeface="Consolas" panose="020B0609020204030204" pitchFamily="49" charset="0"/>
+              </a:rPr>
+              <a:t>   - users</a:t>
+            </a:r>
+            <a:endParaRPr lang="en-US" sz="3600" dirty="0">
+              <a:latin typeface="Consolas" panose="020B0609020204030204" pitchFamily="49" charset="0"/>
+            </a:endParaRPr>
+          </a:p>
+          <a:p>
+            <a:pPr marL="109728" indent="0">
+              <a:buNone/>
+            </a:pPr>
+            <a:r>
+              <a:rPr lang="en-US" sz="3600" dirty="0">
+                <a:latin typeface="Consolas" panose="020B0609020204030204" pitchFamily="49" charset="0"/>
+              </a:rPr>
+              <a:t>  </a:t>
+            </a:r>
+            <a:r>
+              <a:rPr lang="en-US" sz="3600" dirty="0" smtClean="0">
+                <a:latin typeface="Consolas" panose="020B0609020204030204" pitchFamily="49" charset="0"/>
+              </a:rPr>
+              <a:t>‘web-*’:</a:t>
+            </a:r>
+            <a:endParaRPr lang="en-US" sz="3600" dirty="0">
+              <a:latin typeface="Consolas" panose="020B0609020204030204" pitchFamily="49" charset="0"/>
+            </a:endParaRPr>
+          </a:p>
+          <a:p>
+            <a:pPr marL="109728" indent="0">
+              <a:buNone/>
+            </a:pPr>
+            <a:r>
+              <a:rPr lang="en-US" sz="3600" dirty="0">
+                <a:latin typeface="Consolas" panose="020B0609020204030204" pitchFamily="49" charset="0"/>
+              </a:rPr>
+              <a:t>    - </a:t>
+            </a:r>
+            <a:r>
+              <a:rPr lang="en-US" sz="3600" dirty="0" smtClean="0">
+                <a:latin typeface="Consolas" panose="020B0609020204030204" pitchFamily="49" charset="0"/>
+              </a:rPr>
+              <a:t>webserver</a:t>
+            </a:r>
+          </a:p>
+          <a:p>
+            <a:pPr marL="109728" indent="0">
+              <a:buNone/>
+            </a:pPr>
+            <a:r>
+              <a:rPr lang="en-US" sz="3600" dirty="0">
+                <a:latin typeface="Consolas" panose="020B0609020204030204" pitchFamily="49" charset="0"/>
+              </a:rPr>
+              <a:t> </a:t>
+            </a:r>
+            <a:r>
+              <a:rPr lang="en-US" sz="3600" dirty="0" smtClean="0">
+                <a:latin typeface="Consolas" panose="020B0609020204030204" pitchFamily="49" charset="0"/>
+              </a:rPr>
+              <a:t> ‘</a:t>
+            </a:r>
+            <a:r>
+              <a:rPr lang="en-US" sz="3600" dirty="0" err="1" smtClean="0">
+                <a:latin typeface="Consolas" panose="020B0609020204030204" pitchFamily="49" charset="0"/>
+              </a:rPr>
+              <a:t>db</a:t>
+            </a:r>
+            <a:r>
+              <a:rPr lang="en-US" sz="3600" dirty="0" smtClean="0">
+                <a:latin typeface="Consolas" panose="020B0609020204030204" pitchFamily="49" charset="0"/>
+              </a:rPr>
+              <a:t>-*’:</a:t>
+            </a:r>
+          </a:p>
+          <a:p>
+            <a:pPr marL="109728" indent="0">
+              <a:buNone/>
+            </a:pPr>
+            <a:r>
+              <a:rPr lang="en-US" sz="3600" dirty="0">
+                <a:latin typeface="Consolas" panose="020B0609020204030204" pitchFamily="49" charset="0"/>
+              </a:rPr>
+              <a:t> </a:t>
+            </a:r>
+            <a:r>
+              <a:rPr lang="en-US" sz="3600" dirty="0" smtClean="0">
+                <a:latin typeface="Consolas" panose="020B0609020204030204" pitchFamily="49" charset="0"/>
+              </a:rPr>
+              <a:t>   - </a:t>
+            </a:r>
+            <a:r>
+              <a:rPr lang="en-US" sz="3600" dirty="0" err="1" smtClean="0">
+                <a:latin typeface="Consolas" panose="020B0609020204030204" pitchFamily="49" charset="0"/>
+              </a:rPr>
+              <a:t>databaseserver</a:t>
+            </a:r>
+            <a:endParaRPr lang="en-US" sz="3600" dirty="0" smtClean="0">
+              <a:latin typeface="Consolas" panose="020B0609020204030204" pitchFamily="49" charset="0"/>
+            </a:endParaRPr>
+          </a:p>
+          <a:p>
+            <a:pPr marL="109728" indent="0">
+              <a:buNone/>
+            </a:pPr>
+            <a:r>
+              <a:rPr lang="en-US" sz="3600" dirty="0">
+                <a:latin typeface="Consolas" panose="020B0609020204030204" pitchFamily="49" charset="0"/>
+              </a:rPr>
+              <a:t> </a:t>
+            </a:r>
+            <a:r>
+              <a:rPr lang="en-US" sz="3600" dirty="0" smtClean="0">
+                <a:latin typeface="Consolas" panose="020B0609020204030204" pitchFamily="49" charset="0"/>
+              </a:rPr>
+              <a:t> ‘file-*’:</a:t>
+            </a:r>
+          </a:p>
+          <a:p>
+            <a:pPr marL="109728" indent="0">
+              <a:buNone/>
+            </a:pPr>
+            <a:r>
+              <a:rPr lang="en-US" sz="3600" dirty="0">
+                <a:latin typeface="Consolas" panose="020B0609020204030204" pitchFamily="49" charset="0"/>
+              </a:rPr>
+              <a:t> </a:t>
+            </a:r>
+            <a:r>
+              <a:rPr lang="en-US" sz="3600" dirty="0" smtClean="0">
+                <a:latin typeface="Consolas" panose="020B0609020204030204" pitchFamily="49" charset="0"/>
+              </a:rPr>
+              <a:t>   - fileserver</a:t>
+            </a:r>
+          </a:p>
+          <a:p>
+            <a:pPr marL="109728" indent="0">
+              <a:buNone/>
+            </a:pPr>
+            <a:r>
+              <a:rPr lang="en-US" sz="3600" dirty="0" smtClean="0">
+                <a:latin typeface="Consolas" panose="020B0609020204030204" pitchFamily="49" charset="0"/>
+              </a:rPr>
+              <a:t>test:</a:t>
+            </a:r>
+          </a:p>
+          <a:p>
+            <a:pPr marL="109728" indent="0">
+              <a:buNone/>
+            </a:pPr>
+            <a:r>
+              <a:rPr lang="en-US" sz="3600" dirty="0">
+                <a:latin typeface="Consolas" panose="020B0609020204030204" pitchFamily="49" charset="0"/>
+              </a:rPr>
+              <a:t> </a:t>
+            </a:r>
+            <a:r>
+              <a:rPr lang="en-US" sz="3600" dirty="0" smtClean="0">
+                <a:latin typeface="Consolas" panose="020B0609020204030204" pitchFamily="49" charset="0"/>
+              </a:rPr>
+              <a:t> ‘*’:</a:t>
+            </a:r>
+          </a:p>
+          <a:p>
+            <a:pPr marL="109728" indent="0">
+              <a:buNone/>
+            </a:pPr>
+            <a:r>
+              <a:rPr lang="en-US" sz="3600" dirty="0">
+                <a:latin typeface="Consolas" panose="020B0609020204030204" pitchFamily="49" charset="0"/>
+              </a:rPr>
+              <a:t> </a:t>
+            </a:r>
+            <a:r>
+              <a:rPr lang="en-US" sz="3600" dirty="0" smtClean="0">
+                <a:latin typeface="Consolas" panose="020B0609020204030204" pitchFamily="49" charset="0"/>
+              </a:rPr>
+              <a:t>   - </a:t>
+            </a:r>
+            <a:r>
+              <a:rPr lang="en-US" sz="3600" dirty="0" err="1" smtClean="0">
+                <a:latin typeface="Consolas" panose="020B0609020204030204" pitchFamily="49" charset="0"/>
+              </a:rPr>
+              <a:t>testusers</a:t>
+            </a:r>
+            <a:endParaRPr lang="en-US" sz="3600" dirty="0" smtClean="0">
+              <a:latin typeface="Consolas" panose="020B0609020204030204" pitchFamily="49" charset="0"/>
+            </a:endParaRPr>
+          </a:p>
+          <a:p>
+            <a:pPr marL="109728" indent="0">
+              <a:buNone/>
+            </a:pPr>
+            <a:r>
+              <a:rPr lang="en-US" sz="3600" dirty="0">
+                <a:latin typeface="Consolas" panose="020B0609020204030204" pitchFamily="49" charset="0"/>
+              </a:rPr>
+              <a:t> </a:t>
+            </a:r>
+            <a:r>
+              <a:rPr lang="en-US" sz="3600" dirty="0" smtClean="0">
+                <a:latin typeface="Consolas" panose="020B0609020204030204" pitchFamily="49" charset="0"/>
+              </a:rPr>
+              <a:t> ‘</a:t>
+            </a:r>
+            <a:r>
+              <a:rPr lang="en-US" sz="3600" dirty="0">
+                <a:latin typeface="Consolas" panose="020B0609020204030204" pitchFamily="49" charset="0"/>
+              </a:rPr>
+              <a:t>web-*’:</a:t>
+            </a:r>
+          </a:p>
+          <a:p>
+            <a:pPr marL="109728" indent="0">
+              <a:buNone/>
+            </a:pPr>
+            <a:r>
+              <a:rPr lang="en-US" sz="3600" dirty="0">
+                <a:latin typeface="Consolas" panose="020B0609020204030204" pitchFamily="49" charset="0"/>
+              </a:rPr>
+              <a:t>    - webserver</a:t>
+            </a:r>
+          </a:p>
+          <a:p>
+            <a:pPr marL="109728" indent="0">
+              <a:buNone/>
+            </a:pPr>
+            <a:r>
+              <a:rPr lang="en-US" sz="3600" dirty="0">
+                <a:latin typeface="Consolas" panose="020B0609020204030204" pitchFamily="49" charset="0"/>
+              </a:rPr>
+              <a:t>  ‘</a:t>
+            </a:r>
+            <a:r>
+              <a:rPr lang="en-US" sz="3600" dirty="0" err="1">
+                <a:latin typeface="Consolas" panose="020B0609020204030204" pitchFamily="49" charset="0"/>
+              </a:rPr>
+              <a:t>db</a:t>
+            </a:r>
+            <a:r>
+              <a:rPr lang="en-US" sz="3600" dirty="0">
+                <a:latin typeface="Consolas" panose="020B0609020204030204" pitchFamily="49" charset="0"/>
+              </a:rPr>
+              <a:t>-*’:</a:t>
+            </a:r>
+          </a:p>
+          <a:p>
+            <a:pPr marL="109728" indent="0">
+              <a:buNone/>
+            </a:pPr>
+            <a:r>
+              <a:rPr lang="en-US" sz="3600" dirty="0">
+                <a:latin typeface="Consolas" panose="020B0609020204030204" pitchFamily="49" charset="0"/>
+              </a:rPr>
+              <a:t>    - </a:t>
+            </a:r>
+            <a:r>
+              <a:rPr lang="en-US" sz="3600" dirty="0" err="1">
+                <a:latin typeface="Consolas" panose="020B0609020204030204" pitchFamily="49" charset="0"/>
+              </a:rPr>
+              <a:t>databaseserver</a:t>
+            </a:r>
+            <a:endParaRPr lang="en-US" sz="3600" dirty="0">
+              <a:latin typeface="Consolas" panose="020B0609020204030204" pitchFamily="49" charset="0"/>
+            </a:endParaRPr>
+          </a:p>
+          <a:p>
+            <a:pPr marL="109728" indent="0">
+              <a:buNone/>
+            </a:pPr>
+            <a:r>
+              <a:rPr lang="en-US" sz="3600" dirty="0">
+                <a:latin typeface="Consolas" panose="020B0609020204030204" pitchFamily="49" charset="0"/>
+              </a:rPr>
+              <a:t>  ‘file-*’:</a:t>
+            </a:r>
+          </a:p>
+          <a:p>
+            <a:pPr marL="109728" indent="0">
+              <a:buNone/>
+            </a:pPr>
+            <a:r>
+              <a:rPr lang="en-US" sz="3600" dirty="0">
+                <a:latin typeface="Consolas" panose="020B0609020204030204" pitchFamily="49" charset="0"/>
+              </a:rPr>
+              <a:t>    - </a:t>
+            </a:r>
+            <a:r>
+              <a:rPr lang="en-US" sz="3600" dirty="0" smtClean="0">
+                <a:latin typeface="Consolas" panose="020B0609020204030204" pitchFamily="49" charset="0"/>
+              </a:rPr>
+              <a:t>fileserver</a:t>
+            </a:r>
+          </a:p>
+          <a:p>
+            <a:pPr marL="109728" indent="0">
+              <a:buNone/>
+            </a:pPr>
+            <a:r>
+              <a:rPr lang="en-US" sz="3600" dirty="0" smtClean="0">
+                <a:latin typeface="Consolas" panose="020B0609020204030204" pitchFamily="49" charset="0"/>
+              </a:rPr>
+              <a:t>prod:</a:t>
+            </a:r>
+            <a:endParaRPr lang="en-US" sz="3600" dirty="0">
+              <a:latin typeface="Consolas" panose="020B0609020204030204" pitchFamily="49" charset="0"/>
+            </a:endParaRPr>
+          </a:p>
+          <a:p>
+            <a:pPr marL="109728" indent="0">
+              <a:buNone/>
+            </a:pPr>
+            <a:r>
+              <a:rPr lang="en-US" sz="3600" dirty="0">
+                <a:latin typeface="Consolas" panose="020B0609020204030204" pitchFamily="49" charset="0"/>
+              </a:rPr>
+              <a:t>  ‘*’:</a:t>
+            </a:r>
+          </a:p>
+          <a:p>
+            <a:pPr marL="109728" indent="0">
+              <a:buNone/>
+            </a:pPr>
+            <a:r>
+              <a:rPr lang="en-US" sz="3600" dirty="0">
+                <a:latin typeface="Consolas" panose="020B0609020204030204" pitchFamily="49" charset="0"/>
+              </a:rPr>
+              <a:t>    - </a:t>
+            </a:r>
+            <a:r>
+              <a:rPr lang="en-US" sz="3600" dirty="0" err="1" smtClean="0">
+                <a:latin typeface="Consolas" panose="020B0609020204030204" pitchFamily="49" charset="0"/>
+              </a:rPr>
+              <a:t>produsers</a:t>
+            </a:r>
+            <a:endParaRPr lang="en-US" sz="3600" dirty="0">
+              <a:latin typeface="Consolas" panose="020B0609020204030204" pitchFamily="49" charset="0"/>
+            </a:endParaRPr>
+          </a:p>
+          <a:p>
+            <a:pPr marL="109728" indent="0">
+              <a:buNone/>
+            </a:pPr>
+            <a:r>
+              <a:rPr lang="en-US" sz="3600" dirty="0">
+                <a:latin typeface="Consolas" panose="020B0609020204030204" pitchFamily="49" charset="0"/>
+              </a:rPr>
+              <a:t>  ‘web-*’:</a:t>
+            </a:r>
+          </a:p>
+          <a:p>
+            <a:pPr marL="109728" indent="0">
+              <a:buNone/>
+            </a:pPr>
+            <a:r>
+              <a:rPr lang="en-US" sz="3600" dirty="0">
+                <a:latin typeface="Consolas" panose="020B0609020204030204" pitchFamily="49" charset="0"/>
+              </a:rPr>
+              <a:t>    - webserver</a:t>
+            </a:r>
+          </a:p>
+          <a:p>
+            <a:pPr marL="109728" indent="0">
+              <a:buNone/>
+            </a:pPr>
+            <a:r>
+              <a:rPr lang="en-US" sz="3600" dirty="0">
+                <a:latin typeface="Consolas" panose="020B0609020204030204" pitchFamily="49" charset="0"/>
+              </a:rPr>
+              <a:t>  ‘</a:t>
+            </a:r>
+            <a:r>
+              <a:rPr lang="en-US" sz="3600" dirty="0" err="1">
+                <a:latin typeface="Consolas" panose="020B0609020204030204" pitchFamily="49" charset="0"/>
+              </a:rPr>
+              <a:t>db</a:t>
+            </a:r>
+            <a:r>
+              <a:rPr lang="en-US" sz="3600" dirty="0">
+                <a:latin typeface="Consolas" panose="020B0609020204030204" pitchFamily="49" charset="0"/>
+              </a:rPr>
+              <a:t>-*’:</a:t>
+            </a:r>
+          </a:p>
+          <a:p>
+            <a:pPr marL="109728" indent="0">
+              <a:buNone/>
+            </a:pPr>
+            <a:r>
+              <a:rPr lang="en-US" sz="3600" dirty="0">
+                <a:latin typeface="Consolas" panose="020B0609020204030204" pitchFamily="49" charset="0"/>
+              </a:rPr>
+              <a:t>    - </a:t>
+            </a:r>
+            <a:r>
+              <a:rPr lang="en-US" sz="3600" dirty="0" err="1" smtClean="0">
+                <a:latin typeface="Consolas" panose="020B0609020204030204" pitchFamily="49" charset="0"/>
+              </a:rPr>
+              <a:t>databaseserver</a:t>
+            </a:r>
+            <a:endParaRPr lang="en-US" sz="3600" dirty="0" smtClean="0">
+              <a:latin typeface="Consolas" panose="020B0609020204030204" pitchFamily="49" charset="0"/>
+            </a:endParaRPr>
+          </a:p>
+          <a:p>
+            <a:pPr marL="109728" indent="0">
+              <a:buNone/>
+            </a:pPr>
+            <a:r>
+              <a:rPr lang="en-US" sz="3600" dirty="0">
+                <a:latin typeface="Consolas" panose="020B0609020204030204" pitchFamily="49" charset="0"/>
+              </a:rPr>
+              <a:t> </a:t>
+            </a:r>
+            <a:r>
+              <a:rPr lang="en-US" sz="3600" dirty="0" smtClean="0">
+                <a:latin typeface="Consolas" panose="020B0609020204030204" pitchFamily="49" charset="0"/>
+              </a:rPr>
+              <a:t>   - hardening</a:t>
+            </a:r>
+            <a:endParaRPr lang="en-US" sz="3600" dirty="0">
+              <a:latin typeface="Consolas" panose="020B0609020204030204" pitchFamily="49" charset="0"/>
+            </a:endParaRPr>
+          </a:p>
+          <a:p>
+            <a:pPr marL="109728" indent="0">
+              <a:buNone/>
+            </a:pPr>
+            <a:r>
+              <a:rPr lang="en-US" sz="3600" dirty="0">
+                <a:latin typeface="Consolas" panose="020B0609020204030204" pitchFamily="49" charset="0"/>
+              </a:rPr>
+              <a:t>  ‘file-*’:</a:t>
+            </a:r>
+          </a:p>
+          <a:p>
+            <a:pPr marL="109728" indent="0">
+              <a:buNone/>
+            </a:pPr>
+            <a:r>
+              <a:rPr lang="en-US" sz="3600" dirty="0">
+                <a:latin typeface="Consolas" panose="020B0609020204030204" pitchFamily="49" charset="0"/>
+              </a:rPr>
+              <a:t>    - fileserver</a:t>
+            </a:r>
+            <a:endParaRPr lang="en-US" sz="3600" dirty="0" smtClean="0">
+              <a:latin typeface="Consolas" panose="020B0609020204030204" pitchFamily="49" charset="0"/>
+            </a:endParaRPr>
+          </a:p>
+          <a:p>
+            <a:pPr marL="109728" indent="0">
+              <a:buNone/>
+            </a:pPr>
+            <a:endParaRPr lang="en-US" dirty="0">
+              <a:latin typeface="Consolas" panose="020B0609020204030204" pitchFamily="49" charset="0"/>
+            </a:endParaRPr>
+          </a:p>
+          <a:p>
             <a:endParaRPr lang="nl-NL" dirty="0"/>
           </a:p>
         </p:txBody>
@@ -7305,7 +7562,7 @@
     </p:spTree>
     <p:extLst>
       <p:ext uri="{BB962C8B-B14F-4D97-AF65-F5344CB8AC3E}">
-        <p14:creationId xmlns:p14="http://schemas.microsoft.com/office/powerpoint/2010/main" val="411993636"/>
+        <p14:creationId xmlns:p14="http://schemas.microsoft.com/office/powerpoint/2010/main" val="2472523468"/>
       </p:ext>
     </p:extLst>
   </p:cSld>
@@ -7324,6 +7581,13 @@
       </p:transition>
     </mc:Fallback>
   </mc:AlternateContent>
+  <p:timing>
+    <p:tnLst>
+      <p:par>
+        <p:cTn id="1" dur="indefinite" restart="never" nodeType="tmRoot"/>
+      </p:par>
+    </p:tnLst>
+  </p:timing>
 </p:sld>
 </file>
 
@@ -7356,20 +7620,36 @@
         </p:nvSpPr>
         <p:spPr/>
         <p:txBody>
-          <a:bodyPr rtlCol="0"/>
+          <a:bodyPr/>
           <a:lstStyle/>
           <a:p>
-            <a:pPr rtl="0"/>
-            <a:r>
-              <a:rPr lang="nl-NL" dirty="0"/>
-              <a:t>Les 2: Afronding</a:t>
-            </a:r>
-          </a:p>
-        </p:txBody>
-      </p:sp>
-      <p:sp>
-        <p:nvSpPr>
-          <p:cNvPr id="3" name="Tijdelijke aanduiding voor tekst 2"/>
+            <a:r>
+              <a:rPr lang="en-US" dirty="0" smtClean="0"/>
+              <a:t>Lab 02 – </a:t>
+            </a:r>
+            <a:r>
+              <a:rPr lang="en-US" dirty="0" err="1" smtClean="0"/>
+              <a:t>Lokale</a:t>
+            </a:r>
+            <a:r>
+              <a:rPr lang="en-US" dirty="0" smtClean="0"/>
+              <a:t> State &amp; Top (~ 10 </a:t>
+            </a:r>
+            <a:r>
+              <a:rPr lang="en-US" dirty="0" err="1" smtClean="0"/>
+              <a:t>minuten</a:t>
+            </a:r>
+            <a:r>
+              <a:rPr lang="en-US" dirty="0" smtClean="0"/>
+              <a:t>)</a:t>
+            </a:r>
+            <a:endParaRPr lang="nl-NL" dirty="0"/>
+          </a:p>
+        </p:txBody>
+      </p:sp>
+      <p:sp>
+        <p:nvSpPr>
+          <p:cNvPr id="3" name="Tijdelijke aanduiding voor inhoud 2"/>
           <p:cNvSpPr>
             <a:spLocks noGrp="1"/>
           </p:cNvSpPr>
@@ -7379,28 +7659,279 @@
         </p:nvSpPr>
         <p:spPr/>
         <p:txBody>
-          <a:bodyPr rtlCol="0"/>
+          <a:bodyPr/>
           <a:lstStyle/>
           <a:p>
-            <a:pPr rtl="0"/>
-            <a:r>
-              <a:rPr lang="nl-NL" dirty="0"/>
-              <a:t>Vat de hoofdpunten samen.</a:t>
-            </a:r>
-          </a:p>
-          <a:p>
-            <a:pPr rtl="0"/>
-            <a:r>
-              <a:rPr lang="nl-NL" dirty="0"/>
-              <a:t>Ruim tijd in voor vragen.</a:t>
-            </a:r>
+            <a:r>
+              <a:rPr lang="en-US" dirty="0" err="1" smtClean="0"/>
+              <a:t>Maak</a:t>
+            </a:r>
+            <a:r>
+              <a:rPr lang="en-US" dirty="0" smtClean="0"/>
+              <a:t> </a:t>
+            </a:r>
+            <a:r>
+              <a:rPr lang="en-US" dirty="0" err="1" smtClean="0"/>
+              <a:t>een</a:t>
+            </a:r>
+            <a:r>
+              <a:rPr lang="en-US" dirty="0" smtClean="0"/>
+              <a:t> state </a:t>
+            </a:r>
+            <a:r>
+              <a:rPr lang="en-US" dirty="0" err="1" smtClean="0"/>
+              <a:t>waarin</a:t>
+            </a:r>
+            <a:r>
+              <a:rPr lang="en-US" dirty="0" smtClean="0"/>
+              <a:t> je:</a:t>
+            </a:r>
+          </a:p>
+          <a:p>
+            <a:pPr lvl="1"/>
+            <a:r>
+              <a:rPr lang="en-US" dirty="0" err="1" smtClean="0"/>
+              <a:t>Een</a:t>
+            </a:r>
+            <a:r>
+              <a:rPr lang="en-US" dirty="0" smtClean="0"/>
+              <a:t> directory “workshop” </a:t>
+            </a:r>
+            <a:r>
+              <a:rPr lang="en-US" dirty="0" err="1" smtClean="0"/>
+              <a:t>aanmaakt</a:t>
+            </a:r>
+            <a:r>
+              <a:rPr lang="en-US" dirty="0" smtClean="0"/>
+              <a:t> in /root</a:t>
+            </a:r>
+          </a:p>
+          <a:p>
+            <a:pPr lvl="1"/>
+            <a:r>
+              <a:rPr lang="en-US" dirty="0" err="1" smtClean="0"/>
+              <a:t>Een</a:t>
+            </a:r>
+            <a:r>
+              <a:rPr lang="en-US" dirty="0" smtClean="0"/>
+              <a:t> file in </a:t>
+            </a:r>
+            <a:r>
+              <a:rPr lang="en-US" dirty="0" err="1" smtClean="0"/>
+              <a:t>deze</a:t>
+            </a:r>
+            <a:r>
+              <a:rPr lang="en-US" dirty="0" smtClean="0"/>
+              <a:t> directory </a:t>
+            </a:r>
+            <a:r>
+              <a:rPr lang="en-US" dirty="0" err="1" smtClean="0"/>
+              <a:t>aanmaakt</a:t>
+            </a:r>
+            <a:r>
+              <a:rPr lang="en-US" dirty="0" smtClean="0"/>
+              <a:t> met de </a:t>
+            </a:r>
+            <a:r>
+              <a:rPr lang="en-US" dirty="0" err="1" smtClean="0"/>
+              <a:t>naam</a:t>
+            </a:r>
+            <a:r>
+              <a:rPr lang="en-US" dirty="0" smtClean="0"/>
+              <a:t> “lab01”</a:t>
+            </a:r>
+          </a:p>
+          <a:p>
+            <a:pPr lvl="1"/>
+            <a:r>
+              <a:rPr lang="en-US" dirty="0" err="1" smtClean="0"/>
+              <a:t>Zorg</a:t>
+            </a:r>
+            <a:r>
+              <a:rPr lang="en-US" dirty="0" smtClean="0"/>
+              <a:t> </a:t>
+            </a:r>
+            <a:r>
+              <a:rPr lang="en-US" dirty="0" err="1" smtClean="0"/>
+              <a:t>dat</a:t>
+            </a:r>
+            <a:r>
+              <a:rPr lang="en-US" dirty="0" smtClean="0"/>
+              <a:t> in </a:t>
+            </a:r>
+            <a:r>
+              <a:rPr lang="en-US" dirty="0" err="1" smtClean="0"/>
+              <a:t>deze</a:t>
+            </a:r>
+            <a:r>
+              <a:rPr lang="en-US" dirty="0" smtClean="0"/>
+              <a:t> file de </a:t>
+            </a:r>
+            <a:r>
+              <a:rPr lang="en-US" dirty="0" err="1" smtClean="0"/>
+              <a:t>tekst</a:t>
+            </a:r>
+            <a:r>
+              <a:rPr lang="en-US" dirty="0" smtClean="0"/>
+              <a:t>: “</a:t>
+            </a:r>
+            <a:r>
+              <a:rPr lang="en-US" dirty="0" err="1" smtClean="0"/>
+              <a:t>SaltStack</a:t>
+            </a:r>
+            <a:r>
+              <a:rPr lang="en-US" dirty="0" smtClean="0"/>
+              <a:t> Workshop 2019” </a:t>
+            </a:r>
+            <a:r>
+              <a:rPr lang="en-US" dirty="0" err="1" smtClean="0"/>
+              <a:t>staat</a:t>
+            </a:r>
+            <a:endParaRPr lang="en-US" dirty="0"/>
+          </a:p>
+          <a:p>
+            <a:pPr lvl="1"/>
+            <a:r>
+              <a:rPr lang="en-US" dirty="0" err="1" smtClean="0"/>
+              <a:t>Voer</a:t>
+            </a:r>
+            <a:r>
+              <a:rPr lang="en-US" dirty="0" smtClean="0"/>
+              <a:t> de state </a:t>
+            </a:r>
+            <a:r>
+              <a:rPr lang="en-US" dirty="0" err="1" smtClean="0"/>
+              <a:t>uit</a:t>
+            </a:r>
+            <a:endParaRPr lang="en-US" dirty="0" smtClean="0"/>
+          </a:p>
+          <a:p>
+            <a:pPr lvl="1"/>
+            <a:r>
+              <a:rPr lang="en-US" dirty="0" smtClean="0"/>
+              <a:t>Koppel de state in de top file</a:t>
+            </a:r>
+          </a:p>
+          <a:p>
+            <a:pPr lvl="1"/>
+            <a:r>
+              <a:rPr lang="en-US" dirty="0" err="1" smtClean="0"/>
+              <a:t>Controleer</a:t>
+            </a:r>
+            <a:r>
+              <a:rPr lang="en-US" dirty="0" smtClean="0"/>
+              <a:t> of de state </a:t>
+            </a:r>
+            <a:r>
+              <a:rPr lang="en-US" dirty="0" err="1" smtClean="0"/>
+              <a:t>automatisch</a:t>
+            </a:r>
+            <a:r>
+              <a:rPr lang="en-US" dirty="0" smtClean="0"/>
+              <a:t> </a:t>
+            </a:r>
+            <a:r>
+              <a:rPr lang="en-US" dirty="0" err="1" smtClean="0"/>
+              <a:t>gevonden</a:t>
+            </a:r>
+            <a:r>
+              <a:rPr lang="en-US" dirty="0" smtClean="0"/>
+              <a:t> </a:t>
+            </a:r>
+            <a:r>
+              <a:rPr lang="en-US" dirty="0" err="1" smtClean="0"/>
+              <a:t>wordt</a:t>
+            </a:r>
+            <a:endParaRPr lang="en-US" dirty="0" smtClean="0"/>
+          </a:p>
+          <a:p>
+            <a:pPr lvl="1"/>
+            <a:r>
+              <a:rPr lang="en-US" dirty="0" smtClean="0"/>
+              <a:t>Pas de top file </a:t>
+            </a:r>
+            <a:r>
+              <a:rPr lang="en-US" dirty="0" err="1" smtClean="0"/>
+              <a:t>zo</a:t>
+            </a:r>
+            <a:r>
+              <a:rPr lang="en-US" dirty="0" smtClean="0"/>
+              <a:t> </a:t>
+            </a:r>
+            <a:r>
+              <a:rPr lang="en-US" dirty="0" err="1" smtClean="0"/>
+              <a:t>aan</a:t>
+            </a:r>
+            <a:r>
+              <a:rPr lang="en-US" dirty="0" smtClean="0"/>
+              <a:t> </a:t>
+            </a:r>
+            <a:r>
+              <a:rPr lang="en-US" dirty="0" err="1" smtClean="0"/>
+              <a:t>dat</a:t>
+            </a:r>
+            <a:r>
+              <a:rPr lang="en-US" dirty="0" smtClean="0"/>
+              <a:t> de </a:t>
+            </a:r>
+            <a:r>
+              <a:rPr lang="en-US" dirty="0" err="1" smtClean="0"/>
+              <a:t>oude</a:t>
+            </a:r>
+            <a:r>
+              <a:rPr lang="en-US" dirty="0" smtClean="0"/>
+              <a:t> state </a:t>
+            </a:r>
+            <a:r>
+              <a:rPr lang="en-US" dirty="0" err="1" smtClean="0"/>
+              <a:t>niet</a:t>
+            </a:r>
+            <a:r>
+              <a:rPr lang="en-US" dirty="0" smtClean="0"/>
+              <a:t> </a:t>
+            </a:r>
+            <a:r>
+              <a:rPr lang="en-US" dirty="0" err="1" smtClean="0"/>
+              <a:t>meer</a:t>
+            </a:r>
+            <a:r>
+              <a:rPr lang="en-US" dirty="0" smtClean="0"/>
+              <a:t> </a:t>
+            </a:r>
+            <a:r>
+              <a:rPr lang="en-US" dirty="0" err="1" smtClean="0"/>
+              <a:t>geldt</a:t>
+            </a:r>
+            <a:r>
+              <a:rPr lang="en-US" dirty="0" smtClean="0"/>
+              <a:t> </a:t>
+            </a:r>
+            <a:r>
+              <a:rPr lang="en-US" dirty="0" err="1" smtClean="0"/>
+              <a:t>voor</a:t>
+            </a:r>
+            <a:r>
+              <a:rPr lang="en-US" dirty="0" smtClean="0"/>
+              <a:t> </a:t>
+            </a:r>
+            <a:r>
+              <a:rPr lang="en-US" dirty="0" err="1" smtClean="0"/>
+              <a:t>deze</a:t>
+            </a:r>
+            <a:r>
+              <a:rPr lang="en-US" dirty="0" smtClean="0"/>
+              <a:t> minion!</a:t>
+            </a:r>
+          </a:p>
+          <a:p>
+            <a:endParaRPr lang="en-US" dirty="0" smtClean="0"/>
           </a:p>
         </p:txBody>
       </p:sp>
     </p:spTree>
     <p:extLst>
       <p:ext uri="{BB962C8B-B14F-4D97-AF65-F5344CB8AC3E}">
-        <p14:creationId xmlns:p14="http://schemas.microsoft.com/office/powerpoint/2010/main" val="2822598965"/>
+        <p14:creationId xmlns:p14="http://schemas.microsoft.com/office/powerpoint/2010/main" val="3626086106"/>
       </p:ext>
     </p:extLst>
   </p:cSld>
@@ -7451,14 +7982,22 @@
         </p:nvSpPr>
         <p:spPr/>
         <p:txBody>
-          <a:bodyPr rtlCol="0"/>
+          <a:bodyPr/>
           <a:lstStyle/>
           <a:p>
-            <a:pPr rtl="0"/>
-            <a:r>
-              <a:rPr lang="nl-NL" dirty="0"/>
-              <a:t>Les 3: Doelstellingen</a:t>
-            </a:r>
+            <a:r>
+              <a:rPr lang="en-US" dirty="0" smtClean="0"/>
+              <a:t>Salt Master </a:t>
+            </a:r>
+            <a:r>
+              <a:rPr lang="en-US" dirty="0" err="1" smtClean="0"/>
+              <a:t>gestuurde</a:t>
+            </a:r>
+            <a:r>
+              <a:rPr lang="en-US" dirty="0" smtClean="0"/>
+              <a:t> State</a:t>
+            </a:r>
+            <a:endParaRPr lang="nl-NL" dirty="0"/>
           </a:p>
         </p:txBody>
       </p:sp>
@@ -7474,28 +8013,57 @@
         </p:nvSpPr>
         <p:spPr/>
         <p:txBody>
-          <a:bodyPr rtlCol="0"/>
+          <a:bodyPr/>
           <a:lstStyle/>
           <a:p>
-            <a:pPr rtl="0"/>
-            <a:r>
-              <a:rPr lang="nl-NL" dirty="0"/>
-              <a:t>Vermeld de beoogde resultaten van deze trainingssessie.</a:t>
-            </a:r>
-          </a:p>
-          <a:p>
-            <a:pPr rtl="0"/>
-            <a:r>
-              <a:rPr lang="nl-NL" dirty="0"/>
-              <a:t>Elke doelstelling moet beknopt zijn, een werkwoord bevatten en een meetbaar resultaat hebben.</a:t>
-            </a:r>
+            <a:r>
+              <a:rPr lang="nl-NL" dirty="0" smtClean="0"/>
+              <a:t>Vrijwel gelijk aan </a:t>
+            </a:r>
+            <a:r>
+              <a:rPr lang="nl-NL" dirty="0" err="1" smtClean="0"/>
+              <a:t>Minion</a:t>
+            </a:r>
+            <a:endParaRPr lang="nl-NL" dirty="0" smtClean="0"/>
+          </a:p>
+          <a:p>
+            <a:r>
+              <a:rPr lang="nl-NL" dirty="0" smtClean="0"/>
+              <a:t>Via Fileserver</a:t>
+            </a:r>
+          </a:p>
+          <a:p>
+            <a:r>
+              <a:rPr lang="nl-NL" dirty="0" err="1" smtClean="0"/>
+              <a:t>Top.sls</a:t>
+            </a:r>
+            <a:r>
+              <a:rPr lang="nl-NL" dirty="0" smtClean="0"/>
+              <a:t> wordt gebruikt voor matchen </a:t>
+            </a:r>
+            <a:r>
+              <a:rPr lang="nl-NL" dirty="0" err="1" smtClean="0"/>
+              <a:t>nodes</a:t>
+            </a:r>
+            <a:r>
+              <a:rPr lang="nl-NL" dirty="0" smtClean="0"/>
+              <a:t> &lt;-&gt; </a:t>
+            </a:r>
+            <a:r>
+              <a:rPr lang="nl-NL" dirty="0" err="1" smtClean="0"/>
+              <a:t>states</a:t>
+            </a:r>
+            <a:endParaRPr lang="nl-NL" dirty="0" smtClean="0"/>
+          </a:p>
+          <a:p>
+            <a:endParaRPr lang="nl-NL" dirty="0"/>
           </a:p>
         </p:txBody>
       </p:sp>
     </p:spTree>
     <p:extLst>
       <p:ext uri="{BB962C8B-B14F-4D97-AF65-F5344CB8AC3E}">
-        <p14:creationId xmlns:p14="http://schemas.microsoft.com/office/powerpoint/2010/main" val="4155348868"/>
+        <p14:creationId xmlns:p14="http://schemas.microsoft.com/office/powerpoint/2010/main" val="2085440223"/>
       </p:ext>
     </p:extLst>
   </p:cSld>
@@ -7546,78 +8114,157 @@
         </p:nvSpPr>
         <p:spPr/>
         <p:txBody>
-          <a:bodyPr rtlCol="0"/>
+          <a:bodyPr/>
           <a:lstStyle/>
           <a:p>
-            <a:pPr rtl="0"/>
-            <a:r>
-              <a:rPr lang="nl-NL" dirty="0"/>
-              <a:t>Les 3: Inhoud</a:t>
-            </a:r>
-          </a:p>
-        </p:txBody>
-      </p:sp>
-      <p:sp>
-        <p:nvSpPr>
-          <p:cNvPr id="4" name="Tijdelijke aanduiding voor tekst 3"/>
-          <p:cNvSpPr>
-            <a:spLocks noGrp="1"/>
-          </p:cNvSpPr>
-          <p:nvPr>
-            <p:ph sz="half" idx="1"/>
+            <a:r>
+              <a:rPr lang="en-US" dirty="0" smtClean="0"/>
+              <a:t>Lab 03 – Minion(s) </a:t>
+            </a:r>
+            <a:r>
+              <a:rPr lang="en-US" dirty="0" err="1" smtClean="0"/>
+              <a:t>koppelen</a:t>
+            </a:r>
+            <a:endParaRPr lang="nl-NL" dirty="0"/>
+          </a:p>
+        </p:txBody>
+      </p:sp>
+      <p:sp>
+        <p:nvSpPr>
+          <p:cNvPr id="3" name="Tijdelijke aanduiding voor inhoud 2"/>
+          <p:cNvSpPr>
+            <a:spLocks noGrp="1"/>
+          </p:cNvSpPr>
+          <p:nvPr>
+            <p:ph idx="1"/>
           </p:nvPr>
         </p:nvSpPr>
         <p:spPr/>
         <p:txBody>
-          <a:bodyPr rtlCol="0"/>
+          <a:bodyPr/>
           <a:lstStyle/>
           <a:p>
-            <a:pPr rtl="0"/>
-            <a:r>
-              <a:rPr lang="nl-NL" dirty="0"/>
-              <a:t>Voeg uw tekst hier toe. </a:t>
-            </a:r>
-          </a:p>
-          <a:p>
-            <a:pPr rtl="0"/>
-            <a:r>
-              <a:rPr lang="nl-NL" dirty="0"/>
-              <a:t>Als u een afbeelding, een diagram of andere inhoud aan de rechterkolom wilt toevoegen, klikt u op het bijbehorende pictogram.</a:t>
-            </a:r>
-          </a:p>
-          <a:p>
-            <a:pPr rtl="0"/>
-            <a:r>
-              <a:rPr lang="nl-NL" dirty="0"/>
-              <a:t>Als u een dia wilt toevoegen, klikt u in het menu Invoegen op Nieuwe dia of drukt u op </a:t>
-            </a:r>
-            <a:r>
-              <a:rPr lang="nl-NL" dirty="0" err="1"/>
-              <a:t>Ctrl+M</a:t>
-            </a:r>
-            <a:r>
-              <a:rPr lang="nl-NL" dirty="0"/>
+            <a:r>
+              <a:rPr lang="en-US" dirty="0" err="1" smtClean="0"/>
+              <a:t>Zorg</a:t>
+            </a:r>
+            <a:r>
+              <a:rPr lang="en-US" dirty="0" smtClean="0"/>
+              <a:t> </a:t>
+            </a:r>
+            <a:r>
+              <a:rPr lang="en-US" dirty="0" err="1" smtClean="0"/>
+              <a:t>dat</a:t>
+            </a:r>
+            <a:r>
+              <a:rPr lang="en-US" dirty="0" smtClean="0"/>
+              <a:t> je op de Salt Master </a:t>
+            </a:r>
+            <a:r>
+              <a:rPr lang="en-US" dirty="0" err="1" smtClean="0"/>
+              <a:t>dmv</a:t>
+            </a:r>
+            <a:r>
+              <a:rPr lang="en-US" dirty="0" smtClean="0"/>
+              <a:t> salt-key je minion </a:t>
+            </a:r>
+            <a:r>
+              <a:rPr lang="en-US" dirty="0" err="1" smtClean="0"/>
+              <a:t>koppelt</a:t>
+            </a:r>
+            <a:r>
+              <a:rPr lang="en-US" dirty="0" smtClean="0"/>
               <a:t>.</a:t>
             </a:r>
           </a:p>
-        </p:txBody>
-      </p:sp>
-      <p:sp>
-        <p:nvSpPr>
-          <p:cNvPr id="5" name="Tijdelijke aanduiding voor inhoud 4"/>
-          <p:cNvSpPr>
-            <a:spLocks noGrp="1"/>
-          </p:cNvSpPr>
-          <p:nvPr>
-            <p:ph sz="half" idx="2"/>
-          </p:nvPr>
-        </p:nvSpPr>
-        <p:spPr/>
-        <p:txBody>
-          <a:bodyPr rtlCol="0"/>
-          <a:lstStyle/>
-          <a:p>
-            <a:pPr rtl="0"/>
+          <a:p>
+            <a:r>
+              <a:rPr lang="en-US" dirty="0" smtClean="0"/>
+              <a:t>Check de </a:t>
+            </a:r>
+            <a:r>
+              <a:rPr lang="en-US" dirty="0" err="1" smtClean="0"/>
+              <a:t>beschikbare</a:t>
+            </a:r>
+            <a:r>
+              <a:rPr lang="en-US" dirty="0" smtClean="0"/>
+              <a:t> states </a:t>
+            </a:r>
+            <a:r>
+              <a:rPr lang="en-US" dirty="0" err="1" smtClean="0"/>
+              <a:t>voor</a:t>
+            </a:r>
+            <a:r>
+              <a:rPr lang="en-US" dirty="0" smtClean="0"/>
+              <a:t> de minion</a:t>
+            </a:r>
+          </a:p>
+          <a:p>
+            <a:pPr lvl="1"/>
+            <a:r>
+              <a:rPr lang="en-US" dirty="0" smtClean="0"/>
+              <a:t>Op de minion </a:t>
+            </a:r>
+            <a:r>
+              <a:rPr lang="en-US" dirty="0" err="1" smtClean="0"/>
+              <a:t>dmv</a:t>
+            </a:r>
+            <a:r>
+              <a:rPr lang="en-US" dirty="0" smtClean="0"/>
+              <a:t> ‘salt-call’</a:t>
+            </a:r>
+          </a:p>
+          <a:p>
+            <a:pPr lvl="1"/>
+            <a:r>
+              <a:rPr lang="en-US" dirty="0" smtClean="0"/>
+              <a:t>Op de master </a:t>
+            </a:r>
+            <a:r>
+              <a:rPr lang="en-US" dirty="0" err="1" smtClean="0"/>
+              <a:t>dmv</a:t>
+            </a:r>
+            <a:r>
+              <a:rPr lang="en-US" dirty="0" smtClean="0"/>
+              <a:t> ‘salt’</a:t>
+            </a:r>
+          </a:p>
+          <a:p>
+            <a:r>
+              <a:rPr lang="en-US" dirty="0" err="1"/>
+              <a:t>Voer</a:t>
+            </a:r>
+            <a:r>
+              <a:rPr lang="en-US" dirty="0"/>
+              <a:t> op de minion </a:t>
+            </a:r>
+            <a:r>
+              <a:rPr lang="en-US" dirty="0" err="1"/>
+              <a:t>een</a:t>
+            </a:r>
+            <a:r>
+              <a:rPr lang="en-US" dirty="0"/>
+              <a:t> </a:t>
+            </a:r>
+            <a:r>
+              <a:rPr lang="en-US" dirty="0" err="1"/>
+              <a:t>state.apply</a:t>
+            </a:r>
+            <a:r>
+              <a:rPr lang="en-US" dirty="0"/>
+              <a:t> </a:t>
+            </a:r>
+            <a:r>
+              <a:rPr lang="en-US" dirty="0" err="1"/>
+              <a:t>uit</a:t>
+            </a:r>
+            <a:endParaRPr lang="en-US" dirty="0"/>
+          </a:p>
+          <a:p>
+            <a:endParaRPr lang="en-US" dirty="0" smtClean="0"/>
+          </a:p>
+          <a:p>
+            <a:pPr lvl="1"/>
             <a:endParaRPr lang="nl-NL" dirty="0"/>
           </a:p>
         </p:txBody>
@@ -7625,7 +8272,7 @@
     </p:spTree>
     <p:extLst>
       <p:ext uri="{BB962C8B-B14F-4D97-AF65-F5344CB8AC3E}">
-        <p14:creationId xmlns:p14="http://schemas.microsoft.com/office/powerpoint/2010/main" val="3389132344"/>
+        <p14:creationId xmlns:p14="http://schemas.microsoft.com/office/powerpoint/2010/main" val="4258555002"/>
       </p:ext>
     </p:extLst>
   </p:cSld>
@@ -7676,20 +8323,20 @@
         </p:nvSpPr>
         <p:spPr/>
         <p:txBody>
-          <a:bodyPr rtlCol="0"/>
+          <a:bodyPr/>
           <a:lstStyle/>
           <a:p>
-            <a:pPr rtl="0"/>
-            <a:r>
-              <a:rPr lang="nl-NL" dirty="0"/>
-              <a:t>Les 3: Afronding</a:t>
-            </a:r>
-          </a:p>
-        </p:txBody>
-      </p:sp>
-      <p:sp>
-        <p:nvSpPr>
-          <p:cNvPr id="3" name="Tijdelijke aanduiding voor tekst 2"/>
+            <a:r>
+              <a:rPr lang="en-US" dirty="0" smtClean="0"/>
+              <a:t>Lab 04 – States Evolved</a:t>
+            </a:r>
+            <a:endParaRPr lang="nl-NL" dirty="0"/>
+          </a:p>
+        </p:txBody>
+      </p:sp>
+      <p:sp>
+        <p:nvSpPr>
+          <p:cNvPr id="3" name="Tijdelijke aanduiding voor inhoud 2"/>
           <p:cNvSpPr>
             <a:spLocks noGrp="1"/>
           </p:cNvSpPr>
@@ -7699,28 +8346,180 @@
         </p:nvSpPr>
         <p:spPr/>
         <p:txBody>
-          <a:bodyPr rtlCol="0"/>
+          <a:bodyPr>
+            <a:normAutofit fontScale="85000" lnSpcReduction="20000"/>
+          </a:bodyPr>
           <a:lstStyle/>
           <a:p>
-            <a:pPr rtl="0"/>
-            <a:r>
-              <a:rPr lang="nl-NL" dirty="0"/>
-              <a:t>Vat de hoofdpunten samen.</a:t>
-            </a:r>
-          </a:p>
-          <a:p>
-            <a:pPr rtl="0"/>
-            <a:r>
-              <a:rPr lang="nl-NL" dirty="0"/>
-              <a:t>Ruim tijd in voor vragen.</a:t>
-            </a:r>
+            <a:r>
+              <a:rPr lang="nl-NL" dirty="0" smtClean="0"/>
+              <a:t>Koppel een tweede </a:t>
+            </a:r>
+            <a:r>
+              <a:rPr lang="nl-NL" dirty="0" err="1" smtClean="0"/>
+              <a:t>minion</a:t>
+            </a:r>
+            <a:endParaRPr lang="nl-NL" dirty="0" smtClean="0"/>
+          </a:p>
+          <a:p>
+            <a:r>
+              <a:rPr lang="nl-NL" dirty="0" smtClean="0"/>
+              <a:t>Maak 2 </a:t>
+            </a:r>
+            <a:r>
+              <a:rPr lang="nl-NL" dirty="0" err="1" smtClean="0"/>
+              <a:t>States</a:t>
+            </a:r>
+            <a:r>
+              <a:rPr lang="nl-NL" dirty="0" smtClean="0"/>
+              <a:t>:</a:t>
+            </a:r>
+          </a:p>
+          <a:p>
+            <a:pPr lvl="1"/>
+            <a:r>
+              <a:rPr lang="nl-NL" dirty="0" smtClean="0"/>
+              <a:t>Users</a:t>
+            </a:r>
+          </a:p>
+          <a:p>
+            <a:pPr lvl="2"/>
+            <a:r>
+              <a:rPr lang="nl-NL" dirty="0" smtClean="0"/>
+              <a:t>Maak een gebruiker </a:t>
+            </a:r>
+            <a:r>
+              <a:rPr lang="nl-NL" dirty="0" err="1" smtClean="0"/>
+              <a:t>admin</a:t>
+            </a:r>
+            <a:r>
+              <a:rPr lang="nl-NL" dirty="0" smtClean="0"/>
+              <a:t> aan.</a:t>
+            </a:r>
+          </a:p>
+          <a:p>
+            <a:pPr lvl="1"/>
+            <a:r>
+              <a:rPr lang="nl-NL" dirty="0" smtClean="0"/>
+              <a:t>Webserver</a:t>
+            </a:r>
+          </a:p>
+          <a:p>
+            <a:pPr lvl="2"/>
+            <a:r>
+              <a:rPr lang="nl-NL" dirty="0" smtClean="0"/>
+              <a:t>Installeer </a:t>
+            </a:r>
+            <a:r>
+              <a:rPr lang="nl-NL" dirty="0" err="1" smtClean="0"/>
+              <a:t>nginx</a:t>
+            </a:r>
+            <a:endParaRPr lang="nl-NL" dirty="0" smtClean="0"/>
+          </a:p>
+          <a:p>
+            <a:pPr lvl="2"/>
+            <a:r>
+              <a:rPr lang="nl-NL" dirty="0" smtClean="0"/>
+              <a:t>Maak een index.html met daarin een </a:t>
+            </a:r>
+            <a:r>
+              <a:rPr lang="nl-NL" dirty="0" err="1" smtClean="0"/>
+              <a:t>welkomsttext</a:t>
+            </a:r>
+            <a:r>
+              <a:rPr lang="nl-NL" dirty="0" smtClean="0"/>
+              <a:t> in de </a:t>
+            </a:r>
+            <a:r>
+              <a:rPr lang="nl-NL" dirty="0" err="1" smtClean="0"/>
+              <a:t>webroot</a:t>
+            </a:r>
+            <a:endParaRPr lang="nl-NL" dirty="0" smtClean="0"/>
+          </a:p>
+          <a:p>
+            <a:pPr lvl="1"/>
+            <a:r>
+              <a:rPr lang="nl-NL" dirty="0" smtClean="0"/>
+              <a:t>Databaseserver</a:t>
+            </a:r>
+          </a:p>
+          <a:p>
+            <a:pPr lvl="2"/>
+            <a:r>
+              <a:rPr lang="nl-NL" dirty="0" smtClean="0"/>
+              <a:t>Installeer </a:t>
+            </a:r>
+            <a:r>
+              <a:rPr lang="nl-NL" dirty="0" err="1" smtClean="0"/>
+              <a:t>mariadb</a:t>
+            </a:r>
+            <a:endParaRPr lang="nl-NL" dirty="0" smtClean="0"/>
+          </a:p>
+          <a:p>
+            <a:pPr lvl="2"/>
+            <a:endParaRPr lang="nl-NL" dirty="0" smtClean="0"/>
+          </a:p>
+          <a:p>
+            <a:r>
+              <a:rPr lang="nl-NL" dirty="0" smtClean="0"/>
+              <a:t>Maak een </a:t>
+            </a:r>
+            <a:r>
+              <a:rPr lang="nl-NL" dirty="0" err="1" smtClean="0"/>
+              <a:t>Top.sls</a:t>
+            </a:r>
+            <a:r>
+              <a:rPr lang="nl-NL" dirty="0" smtClean="0"/>
+              <a:t> aan welke:</a:t>
+            </a:r>
+          </a:p>
+          <a:p>
+            <a:pPr lvl="1"/>
+            <a:r>
+              <a:rPr lang="nl-NL" dirty="0" smtClean="0"/>
+              <a:t>Altijd de “users” state uitvoert</a:t>
+            </a:r>
+          </a:p>
+          <a:p>
+            <a:pPr lvl="1"/>
+            <a:r>
+              <a:rPr lang="nl-NL" dirty="0" smtClean="0"/>
+              <a:t>Op de 1e </a:t>
+            </a:r>
+            <a:r>
+              <a:rPr lang="nl-NL" dirty="0" err="1" smtClean="0"/>
+              <a:t>minion</a:t>
+            </a:r>
+            <a:r>
+              <a:rPr lang="nl-NL" dirty="0" smtClean="0"/>
+              <a:t> de “webserver” state uitvoert</a:t>
+            </a:r>
+          </a:p>
+          <a:p>
+            <a:pPr lvl="1"/>
+            <a:r>
+              <a:rPr lang="nl-NL" dirty="0" smtClean="0"/>
+              <a:t>Op de 2e </a:t>
+            </a:r>
+            <a:r>
+              <a:rPr lang="nl-NL" dirty="0" err="1" smtClean="0"/>
+              <a:t>minion</a:t>
+            </a:r>
+            <a:r>
+              <a:rPr lang="nl-NL" dirty="0" smtClean="0"/>
+              <a:t> de “databaseserver” state uitvoert</a:t>
+            </a:r>
+          </a:p>
+          <a:p>
+            <a:pPr lvl="1"/>
+            <a:endParaRPr lang="nl-NL" dirty="0"/>
           </a:p>
         </p:txBody>
       </p:sp>
     </p:spTree>
     <p:extLst>
       <p:ext uri="{BB962C8B-B14F-4D97-AF65-F5344CB8AC3E}">
-        <p14:creationId xmlns:p14="http://schemas.microsoft.com/office/powerpoint/2010/main" val="1531528155"/>
+        <p14:creationId xmlns:p14="http://schemas.microsoft.com/office/powerpoint/2010/main" val="2978377402"/>
       </p:ext>
     </p:extLst>
   </p:cSld>
@@ -7883,6 +8682,13 @@
       </p:transition>
     </mc:Fallback>
   </mc:AlternateContent>
+  <p:timing>
+    <p:tnLst>
+      <p:par>
+        <p:cTn id="1" dur="indefinite" restart="never" nodeType="tmRoot"/>
+      </p:par>
+    </p:tnLst>
+  </p:timing>
 </p:sld>
 </file>
 
@@ -7915,14 +8721,14 @@
         </p:nvSpPr>
         <p:spPr/>
         <p:txBody>
-          <a:bodyPr rtlCol="0"/>
+          <a:bodyPr/>
           <a:lstStyle/>
           <a:p>
-            <a:pPr rtl="0"/>
-            <a:r>
-              <a:rPr lang="nl-NL" dirty="0"/>
-              <a:t>Overzicht van training</a:t>
-            </a:r>
+            <a:r>
+              <a:rPr lang="en-US" dirty="0" smtClean="0"/>
+              <a:t>Pillar</a:t>
+            </a:r>
+            <a:endParaRPr lang="nl-NL" dirty="0"/>
           </a:p>
         </p:txBody>
       </p:sp>
@@ -7938,42 +8744,185 @@
         </p:nvSpPr>
         <p:spPr/>
         <p:txBody>
-          <a:bodyPr rtlCol="0"/>
+          <a:bodyPr/>
           <a:lstStyle/>
           <a:p>
-            <a:pPr rtl="0"/>
-            <a:r>
-              <a:rPr lang="nl-NL" dirty="0"/>
-              <a:t>Vermeld de hoofdpunten uit elke les.</a:t>
-            </a:r>
-          </a:p>
-          <a:p>
-            <a:pPr rtl="0"/>
-            <a:r>
-              <a:rPr lang="nl-NL" dirty="0"/>
-              <a:t>Geef de bronnen op voor meer informatie over het onderwerp.</a:t>
-            </a:r>
-          </a:p>
-          <a:p>
-            <a:pPr lvl="1" rtl="0"/>
-            <a:r>
-              <a:rPr lang="nl-NL" dirty="0"/>
-              <a:t>Vermeld bronnen op deze dia.</a:t>
-            </a:r>
-          </a:p>
-          <a:p>
-            <a:pPr lvl="1" rtl="0"/>
-            <a:r>
-              <a:rPr lang="nl-NL" dirty="0"/>
-              <a:t>Deel hand-outs uit met extra bronnenmateriaal.</a:t>
-            </a:r>
+            <a:r>
+              <a:rPr lang="nl-NL" dirty="0" smtClean="0"/>
+              <a:t>Vergelijkbaar met </a:t>
+            </a:r>
+            <a:r>
+              <a:rPr lang="nl-NL" dirty="0" err="1" smtClean="0"/>
+              <a:t>Hiera</a:t>
+            </a:r>
+            <a:r>
+              <a:rPr lang="nl-NL" dirty="0" smtClean="0"/>
+              <a:t> (</a:t>
+            </a:r>
+            <a:r>
+              <a:rPr lang="nl-NL" dirty="0" err="1" smtClean="0"/>
+              <a:t>puppet</a:t>
+            </a:r>
+            <a:r>
+              <a:rPr lang="nl-NL" dirty="0" smtClean="0"/>
+              <a:t>)</a:t>
+            </a:r>
+          </a:p>
+          <a:p>
+            <a:r>
+              <a:rPr lang="en-US" dirty="0" err="1" smtClean="0"/>
+              <a:t>Bron</a:t>
+            </a:r>
+            <a:r>
+              <a:rPr lang="en-US" dirty="0" smtClean="0"/>
+              <a:t> van ‘</a:t>
+            </a:r>
+            <a:r>
+              <a:rPr lang="en-US" dirty="0" err="1" smtClean="0"/>
+              <a:t>variabelen</a:t>
+            </a:r>
+            <a:r>
+              <a:rPr lang="en-US" dirty="0" smtClean="0"/>
+              <a:t>’</a:t>
+            </a:r>
+          </a:p>
+          <a:p>
+            <a:r>
+              <a:rPr lang="en-US" dirty="0" err="1" smtClean="0"/>
+              <a:t>Standaard</a:t>
+            </a:r>
+            <a:r>
+              <a:rPr lang="en-US" dirty="0" smtClean="0"/>
+              <a:t> </a:t>
+            </a:r>
+            <a:r>
+              <a:rPr lang="en-US" dirty="0" err="1" smtClean="0"/>
+              <a:t>lokatie</a:t>
+            </a:r>
+            <a:r>
+              <a:rPr lang="en-US" dirty="0" smtClean="0"/>
+              <a:t>: /</a:t>
+            </a:r>
+            <a:r>
+              <a:rPr lang="en-US" dirty="0" err="1" smtClean="0"/>
+              <a:t>srv</a:t>
+            </a:r>
+            <a:r>
+              <a:rPr lang="en-US" dirty="0" smtClean="0"/>
+              <a:t>/pillar</a:t>
+            </a:r>
+            <a:endParaRPr lang="nl-NL" dirty="0" smtClean="0"/>
+          </a:p>
+          <a:p>
+            <a:r>
+              <a:rPr lang="nl-NL" dirty="0" err="1" smtClean="0"/>
+              <a:t>Targeted</a:t>
+            </a:r>
+            <a:r>
+              <a:rPr lang="nl-NL" dirty="0" smtClean="0"/>
+              <a:t>:</a:t>
+            </a:r>
+            <a:endParaRPr lang="nl-NL" dirty="0"/>
+          </a:p>
+          <a:p>
+            <a:pPr lvl="1"/>
+            <a:r>
+              <a:rPr lang="en-US" dirty="0" smtClean="0"/>
+              <a:t>Matching op basis van </a:t>
+            </a:r>
+            <a:r>
+              <a:rPr lang="en-US" dirty="0" err="1" smtClean="0"/>
+              <a:t>dezelfde</a:t>
+            </a:r>
+            <a:r>
+              <a:rPr lang="en-US" dirty="0" smtClean="0"/>
+              <a:t> wildcard matching </a:t>
+            </a:r>
+            <a:r>
+              <a:rPr lang="en-US" dirty="0" err="1" smtClean="0"/>
+              <a:t>strategie</a:t>
+            </a:r>
+            <a:r>
+              <a:rPr lang="en-US" dirty="0" smtClean="0"/>
+              <a:t> </a:t>
+            </a:r>
+            <a:r>
+              <a:rPr lang="en-US" dirty="0" err="1" smtClean="0"/>
+              <a:t>als</a:t>
+            </a:r>
+            <a:r>
+              <a:rPr lang="en-US" dirty="0" smtClean="0"/>
+              <a:t> </a:t>
+            </a:r>
+            <a:r>
+              <a:rPr lang="en-US" dirty="0" err="1" smtClean="0"/>
+              <a:t>Top.sls</a:t>
+            </a:r>
+            <a:endParaRPr lang="nl-NL" dirty="0" smtClean="0"/>
+          </a:p>
+          <a:p>
+            <a:r>
+              <a:rPr lang="nl-NL" dirty="0" smtClean="0"/>
+              <a:t>Berekend op de Master, daarom veilig</a:t>
+            </a:r>
+          </a:p>
+          <a:p>
+            <a:r>
+              <a:rPr lang="en-US" dirty="0" err="1" smtClean="0"/>
+              <a:t>Mogelijkheden</a:t>
+            </a:r>
+            <a:r>
+              <a:rPr lang="en-US" dirty="0" smtClean="0"/>
+              <a:t> </a:t>
+            </a:r>
+            <a:r>
+              <a:rPr lang="en-US" dirty="0" err="1" smtClean="0"/>
+              <a:t>voor</a:t>
+            </a:r>
+            <a:r>
+              <a:rPr lang="en-US" dirty="0" smtClean="0"/>
+              <a:t> </a:t>
+            </a:r>
+            <a:r>
+              <a:rPr lang="en-US" dirty="0" err="1" smtClean="0"/>
+              <a:t>externe</a:t>
+            </a:r>
+            <a:r>
+              <a:rPr lang="en-US" dirty="0" smtClean="0"/>
+              <a:t> </a:t>
+            </a:r>
+            <a:r>
+              <a:rPr lang="en-US" dirty="0" err="1" smtClean="0"/>
+              <a:t>backends</a:t>
+            </a:r>
+            <a:r>
+              <a:rPr lang="en-US" dirty="0" smtClean="0"/>
+              <a:t> (</a:t>
+            </a:r>
+            <a:r>
+              <a:rPr lang="en-US" dirty="0" err="1" smtClean="0"/>
+              <a:t>o.a</a:t>
+            </a:r>
+            <a:r>
+              <a:rPr lang="en-US" dirty="0" smtClean="0"/>
+              <a:t>. Consul, </a:t>
+            </a:r>
+            <a:r>
+              <a:rPr lang="en-US" dirty="0" err="1" smtClean="0"/>
+              <a:t>Git</a:t>
+            </a:r>
+            <a:r>
+              <a:rPr lang="en-US" dirty="0" smtClean="0"/>
+              <a:t>)</a:t>
+            </a:r>
+            <a:endParaRPr lang="nl-NL" dirty="0" smtClean="0"/>
           </a:p>
         </p:txBody>
       </p:sp>
     </p:spTree>
     <p:extLst>
       <p:ext uri="{BB962C8B-B14F-4D97-AF65-F5344CB8AC3E}">
-        <p14:creationId xmlns:p14="http://schemas.microsoft.com/office/powerpoint/2010/main" val="3809512885"/>
+        <p14:creationId xmlns:p14="http://schemas.microsoft.com/office/powerpoint/2010/main" val="3775435225"/>
       </p:ext>
     </p:extLst>
   </p:cSld>
@@ -8024,43 +8973,49 @@
         </p:nvSpPr>
         <p:spPr/>
         <p:txBody>
-          <a:bodyPr rtlCol="0"/>
+          <a:bodyPr/>
           <a:lstStyle/>
           <a:p>
-            <a:pPr rtl="0"/>
+            <a:r>
+              <a:rPr lang="en-US" dirty="0" smtClean="0"/>
+              <a:t>Demo - Pillar</a:t>
+            </a:r>
+            <a:endParaRPr lang="nl-NL" dirty="0"/>
+          </a:p>
+        </p:txBody>
+      </p:sp>
+      <p:sp>
+        <p:nvSpPr>
+          <p:cNvPr id="3" name="Tijdelijke aanduiding voor inhoud 2"/>
+          <p:cNvSpPr>
+            <a:spLocks noGrp="1"/>
+          </p:cNvSpPr>
+          <p:nvPr>
+            <p:ph idx="1"/>
+          </p:nvPr>
+        </p:nvSpPr>
+        <p:spPr/>
+        <p:txBody>
+          <a:bodyPr/>
+          <a:lstStyle/>
+          <a:p>
+            <a:r>
+              <a:rPr lang="en-US" dirty="0"/>
+              <a:t>salt-call </a:t>
+            </a:r>
+            <a:r>
+              <a:rPr lang="en-US" dirty="0" smtClean="0"/>
+              <a:t>pillar.ls</a:t>
+            </a:r>
+          </a:p>
+          <a:p>
+            <a:r>
+              <a:rPr lang="nl-NL" dirty="0" err="1"/>
+              <a:t>salt</a:t>
+            </a:r>
             <a:r>
               <a:rPr lang="nl-NL" dirty="0"/>
-              <a:t>Beoordeling en evaluatie</a:t>
-            </a:r>
-          </a:p>
-        </p:txBody>
-      </p:sp>
-      <p:sp>
-        <p:nvSpPr>
-          <p:cNvPr id="3" name="Tijdelijke aanduiding voor inhoud 2"/>
-          <p:cNvSpPr>
-            <a:spLocks noGrp="1"/>
-          </p:cNvSpPr>
-          <p:nvPr>
-            <p:ph idx="1"/>
-          </p:nvPr>
-        </p:nvSpPr>
-        <p:spPr/>
-        <p:txBody>
-          <a:bodyPr rtlCol="0"/>
-          <a:lstStyle/>
-          <a:p>
-            <a:pPr rtl="0"/>
-            <a:r>
-              <a:rPr lang="nl-NL" dirty="0"/>
-              <a:t>Bereid een quiz of test voor om te bepalen hoeveel de deelnemers hebben geleerd.</a:t>
-            </a:r>
-          </a:p>
-          <a:p>
-            <a:pPr rtl="0"/>
-            <a:r>
-              <a:rPr lang="nl-NL" dirty="0"/>
-              <a:t>Ondervraag de deelnemers om te zien of ze de training nuttig vonden.</a:t>
+              <a:t> '*' pillar.ls</a:t>
             </a:r>
           </a:p>
         </p:txBody>
@@ -8068,7 +9023,362 @@
     </p:spTree>
     <p:extLst>
       <p:ext uri="{BB962C8B-B14F-4D97-AF65-F5344CB8AC3E}">
-        <p14:creationId xmlns:p14="http://schemas.microsoft.com/office/powerpoint/2010/main" val="687654895"/>
+        <p14:creationId xmlns:p14="http://schemas.microsoft.com/office/powerpoint/2010/main" val="62555181"/>
+      </p:ext>
+    </p:extLst>
+  </p:cSld>
+  <p:clrMapOvr>
+    <a:masterClrMapping/>
+  </p:clrMapOvr>
+  <mc:AlternateContent xmlns:mc="http://schemas.openxmlformats.org/markup-compatibility/2006" xmlns:p14="http://schemas.microsoft.com/office/powerpoint/2010/main">
+    <mc:Choice Requires="p14">
+      <p:transition spd="med" p14:dur="700">
+        <p:fade/>
+      </p:transition>
+    </mc:Choice>
+    <mc:Fallback xmlns="">
+      <p:transition spd="med">
+        <p:fade/>
+      </p:transition>
+    </mc:Fallback>
+  </mc:AlternateContent>
+</p:sld>
+</file>
+
+<file path=ppt/slides/slide22.xml><?xml version="1.0" encoding="utf-8"?>
+<p:sld xmlns:a="http://schemas.openxmlformats.org/drawingml/2006/main" xmlns:r="http://schemas.openxmlformats.org/officeDocument/2006/relationships" xmlns:p="http://schemas.openxmlformats.org/presentationml/2006/main">
+  <p:cSld>
+    <p:spTree>
+      <p:nvGrpSpPr>
+        <p:cNvPr id="1" name=""/>
+        <p:cNvGrpSpPr/>
+        <p:nvPr/>
+      </p:nvGrpSpPr>
+      <p:grpSpPr>
+        <a:xfrm>
+          <a:off x="0" y="0"/>
+          <a:ext cx="0" cy="0"/>
+          <a:chOff x="0" y="0"/>
+          <a:chExt cx="0" cy="0"/>
+        </a:xfrm>
+      </p:grpSpPr>
+      <p:sp>
+        <p:nvSpPr>
+          <p:cNvPr id="2" name="Titel 1"/>
+          <p:cNvSpPr>
+            <a:spLocks noGrp="1"/>
+          </p:cNvSpPr>
+          <p:nvPr>
+            <p:ph type="title"/>
+          </p:nvPr>
+        </p:nvSpPr>
+        <p:spPr/>
+        <p:txBody>
+          <a:bodyPr/>
+          <a:lstStyle/>
+          <a:p>
+            <a:r>
+              <a:rPr lang="en-US" dirty="0" smtClean="0"/>
+              <a:t>Extra’s </a:t>
+            </a:r>
+            <a:r>
+              <a:rPr lang="en-US" dirty="0"/>
+              <a:t>o</a:t>
+            </a:r>
+            <a:r>
+              <a:rPr lang="en-US" dirty="0" smtClean="0"/>
+              <a:t>ver Salt:</a:t>
+            </a:r>
+            <a:endParaRPr lang="nl-NL" dirty="0"/>
+          </a:p>
+        </p:txBody>
+      </p:sp>
+      <p:sp>
+        <p:nvSpPr>
+          <p:cNvPr id="3" name="Tijdelijke aanduiding voor inhoud 2"/>
+          <p:cNvSpPr>
+            <a:spLocks noGrp="1"/>
+          </p:cNvSpPr>
+          <p:nvPr>
+            <p:ph idx="1"/>
+          </p:nvPr>
+        </p:nvSpPr>
+        <p:spPr/>
+        <p:txBody>
+          <a:bodyPr>
+            <a:normAutofit fontScale="92500" lnSpcReduction="20000"/>
+          </a:bodyPr>
+          <a:lstStyle/>
+          <a:p>
+            <a:r>
+              <a:rPr lang="en-US" dirty="0" err="1"/>
+              <a:t>Wat</a:t>
+            </a:r>
+            <a:r>
+              <a:rPr lang="en-US" dirty="0"/>
+              <a:t> </a:t>
+            </a:r>
+            <a:r>
+              <a:rPr lang="en-US" dirty="0" err="1"/>
+              <a:t>kost</a:t>
+            </a:r>
+            <a:r>
+              <a:rPr lang="en-US" dirty="0"/>
+              <a:t> het?</a:t>
+            </a:r>
+          </a:p>
+          <a:p>
+            <a:pPr lvl="1"/>
+            <a:r>
+              <a:rPr lang="en-US" dirty="0"/>
+              <a:t>(in de basis) </a:t>
+            </a:r>
+            <a:r>
+              <a:rPr lang="en-US" dirty="0" err="1"/>
+              <a:t>Niets</a:t>
+            </a:r>
+            <a:r>
+              <a:rPr lang="en-US" dirty="0"/>
+              <a:t>! (Apache 2.0 License)</a:t>
+            </a:r>
+          </a:p>
+          <a:p>
+            <a:pPr lvl="1"/>
+            <a:r>
+              <a:rPr lang="en-US" dirty="0" err="1"/>
+              <a:t>Betaalde</a:t>
+            </a:r>
+            <a:r>
+              <a:rPr lang="en-US" dirty="0"/>
+              <a:t> </a:t>
+            </a:r>
+            <a:r>
+              <a:rPr lang="en-US" dirty="0" err="1"/>
+              <a:t>Webbased</a:t>
+            </a:r>
+            <a:r>
+              <a:rPr lang="en-US" dirty="0"/>
+              <a:t> GUI (</a:t>
+            </a:r>
+            <a:r>
+              <a:rPr lang="en-US" dirty="0" err="1"/>
+              <a:t>vergelijkbaar</a:t>
+            </a:r>
+            <a:r>
+              <a:rPr lang="en-US" dirty="0"/>
+              <a:t> met </a:t>
+            </a:r>
+            <a:r>
+              <a:rPr lang="en-US" dirty="0" err="1"/>
+              <a:t>Ansible</a:t>
+            </a:r>
+            <a:r>
+              <a:rPr lang="en-US" dirty="0"/>
+              <a:t> Tower</a:t>
+            </a:r>
+            <a:r>
+              <a:rPr lang="en-US" dirty="0" smtClean="0"/>
+              <a:t>)</a:t>
+            </a:r>
+          </a:p>
+          <a:p>
+            <a:pPr lvl="1"/>
+            <a:r>
+              <a:rPr lang="en-US" dirty="0" err="1" smtClean="0"/>
+              <a:t>Betaalde</a:t>
+            </a:r>
+            <a:r>
+              <a:rPr lang="en-US" dirty="0" smtClean="0"/>
+              <a:t> Support </a:t>
+            </a:r>
+            <a:r>
+              <a:rPr lang="en-US" dirty="0" err="1" smtClean="0"/>
+              <a:t>Contracten</a:t>
+            </a:r>
+            <a:r>
+              <a:rPr lang="en-US" dirty="0" smtClean="0"/>
+              <a:t/>
+            </a:r>
+            <a:br>
+              <a:rPr lang="en-US" dirty="0" smtClean="0"/>
+            </a:br>
+            <a:endParaRPr lang="en-US" dirty="0"/>
+          </a:p>
+          <a:p>
+            <a:r>
+              <a:rPr lang="en-US" dirty="0" err="1"/>
+              <a:t>Vergelijking</a:t>
+            </a:r>
+            <a:r>
+              <a:rPr lang="en-US" dirty="0"/>
+              <a:t> met </a:t>
+            </a:r>
+            <a:r>
+              <a:rPr lang="en-US" dirty="0" err="1"/>
+              <a:t>andere</a:t>
+            </a:r>
+            <a:r>
+              <a:rPr lang="en-US" dirty="0"/>
+              <a:t> </a:t>
+            </a:r>
+            <a:r>
+              <a:rPr lang="en-US" dirty="0" err="1"/>
+              <a:t>Configuratie</a:t>
+            </a:r>
+            <a:r>
+              <a:rPr lang="en-US" dirty="0"/>
+              <a:t> Managements </a:t>
+            </a:r>
+            <a:r>
+              <a:rPr lang="en-US" dirty="0" err="1"/>
+              <a:t>Systemen</a:t>
+            </a:r>
+            <a:r>
+              <a:rPr lang="en-US" dirty="0"/>
+              <a:t>:</a:t>
+            </a:r>
+          </a:p>
+          <a:p>
+            <a:pPr lvl="1"/>
+            <a:r>
+              <a:rPr lang="en-US" dirty="0" err="1"/>
+              <a:t>Overeenkomsten</a:t>
+            </a:r>
+            <a:r>
+              <a:rPr lang="en-US" dirty="0"/>
+              <a:t>:</a:t>
+            </a:r>
+          </a:p>
+          <a:p>
+            <a:pPr lvl="2"/>
+            <a:r>
+              <a:rPr lang="en-US" dirty="0"/>
+              <a:t>Python net </a:t>
+            </a:r>
+            <a:r>
+              <a:rPr lang="en-US" dirty="0" err="1"/>
+              <a:t>als</a:t>
+            </a:r>
+            <a:r>
+              <a:rPr lang="en-US" dirty="0"/>
+              <a:t> </a:t>
+            </a:r>
+            <a:r>
+              <a:rPr lang="en-US" dirty="0" err="1"/>
+              <a:t>Ansible</a:t>
+            </a:r>
+            <a:endParaRPr lang="en-US" dirty="0"/>
+          </a:p>
+          <a:p>
+            <a:pPr lvl="2"/>
+            <a:r>
+              <a:rPr lang="en-US" dirty="0"/>
+              <a:t>Client-Server net </a:t>
+            </a:r>
+            <a:r>
+              <a:rPr lang="en-US" dirty="0" err="1"/>
+              <a:t>als</a:t>
+            </a:r>
+            <a:r>
+              <a:rPr lang="en-US" dirty="0"/>
+              <a:t> Chef en Puppet</a:t>
+            </a:r>
+          </a:p>
+          <a:p>
+            <a:pPr lvl="1"/>
+            <a:r>
+              <a:rPr lang="en-US" dirty="0" err="1"/>
+              <a:t>Verschillen</a:t>
+            </a:r>
+            <a:r>
+              <a:rPr lang="en-US" dirty="0"/>
+              <a:t>:</a:t>
+            </a:r>
+          </a:p>
+          <a:p>
+            <a:pPr lvl="2"/>
+            <a:r>
+              <a:rPr lang="en-US" dirty="0" err="1"/>
+              <a:t>Als</a:t>
+            </a:r>
+            <a:r>
+              <a:rPr lang="en-US" dirty="0"/>
+              <a:t> </a:t>
+            </a:r>
+            <a:r>
+              <a:rPr lang="en-US" dirty="0" err="1"/>
+              <a:t>enige</a:t>
+            </a:r>
+            <a:r>
+              <a:rPr lang="en-US" dirty="0"/>
+              <a:t> Event Driven</a:t>
+            </a:r>
+          </a:p>
+          <a:p>
+            <a:pPr lvl="2"/>
+            <a:r>
+              <a:rPr lang="en-US" dirty="0" err="1"/>
+              <a:t>Enige</a:t>
+            </a:r>
+            <a:r>
+              <a:rPr lang="en-US" dirty="0"/>
+              <a:t> met </a:t>
+            </a:r>
+            <a:r>
+              <a:rPr lang="en-US" dirty="0" err="1"/>
+              <a:t>een</a:t>
+            </a:r>
+            <a:r>
+              <a:rPr lang="en-US" dirty="0"/>
+              <a:t> </a:t>
+            </a:r>
+            <a:r>
+              <a:rPr lang="en-US" dirty="0" err="1"/>
+              <a:t>ingebouwde</a:t>
+            </a:r>
+            <a:r>
+              <a:rPr lang="en-US" dirty="0"/>
+              <a:t> Message Bus</a:t>
+            </a:r>
+          </a:p>
+          <a:p>
+            <a:pPr lvl="2"/>
+            <a:r>
+              <a:rPr lang="en-US" dirty="0" err="1"/>
+              <a:t>Enige</a:t>
+            </a:r>
+            <a:r>
+              <a:rPr lang="en-US" dirty="0"/>
+              <a:t> met (out of the box) </a:t>
+            </a:r>
+            <a:r>
+              <a:rPr lang="en-US" dirty="0" err="1"/>
+              <a:t>zowel</a:t>
+            </a:r>
+            <a:r>
+              <a:rPr lang="en-US" dirty="0"/>
+              <a:t> clientless </a:t>
+            </a:r>
+            <a:r>
+              <a:rPr lang="en-US" dirty="0" err="1"/>
+              <a:t>als</a:t>
+            </a:r>
+            <a:r>
+              <a:rPr lang="en-US" dirty="0"/>
+              <a:t> client-server </a:t>
+            </a:r>
+            <a:r>
+              <a:rPr lang="en-US" dirty="0" err="1"/>
+              <a:t>mogelijkheden</a:t>
+            </a:r>
+            <a:endParaRPr lang="nl-NL" dirty="0"/>
+          </a:p>
+        </p:txBody>
+      </p:sp>
+    </p:spTree>
+    <p:extLst>
+      <p:ext uri="{BB962C8B-B14F-4D97-AF65-F5344CB8AC3E}">
+        <p14:creationId xmlns:p14="http://schemas.microsoft.com/office/powerpoint/2010/main" val="4023446859"/>
       </p:ext>
     </p:extLst>
   </p:cSld>
@@ -8158,6 +9468,13 @@
       </p:transition>
     </mc:Fallback>
   </mc:AlternateContent>
+  <p:timing>
+    <p:tnLst>
+      <p:par>
+        <p:cTn id="1" dur="indefinite" restart="never" nodeType="tmRoot"/>
+      </p:par>
+    </p:tnLst>
+  </p:timing>
 </p:sld>
 </file>
 
@@ -8341,6 +9658,13 @@
       </p:transition>
     </mc:Fallback>
   </mc:AlternateContent>
+  <p:timing>
+    <p:tnLst>
+      <p:par>
+        <p:cTn id="1" dur="indefinite" restart="never" nodeType="tmRoot"/>
+      </p:par>
+    </p:tnLst>
+  </p:timing>
 </p:sld>
 </file>
 
@@ -8410,21 +9734,29 @@
             <a:pPr lvl="1"/>
             <a:r>
               <a:rPr lang="en-US" dirty="0" smtClean="0"/>
-              <a:t>Salt-minion</a:t>
+              <a:t>salt-minion</a:t>
             </a:r>
           </a:p>
           <a:p>
             <a:pPr lvl="1"/>
             <a:r>
-              <a:rPr lang="en-US" dirty="0" smtClean="0"/>
-              <a:t>Salt-call</a:t>
+              <a:rPr lang="en-US" dirty="0"/>
+              <a:t>s</a:t>
+            </a:r>
+            <a:r>
+              <a:rPr lang="en-US" dirty="0" smtClean="0"/>
+              <a:t>alt-call</a:t>
             </a:r>
           </a:p>
           <a:p>
             <a:pPr lvl="1"/>
             <a:r>
-              <a:rPr lang="en-US" dirty="0" smtClean="0"/>
-              <a:t>Salt-proxy (</a:t>
+              <a:rPr lang="en-US" dirty="0"/>
+              <a:t>s</a:t>
+            </a:r>
+            <a:r>
+              <a:rPr lang="en-US" dirty="0" smtClean="0"/>
+              <a:t>alt-proxy (</a:t>
             </a:r>
             <a:r>
               <a:rPr lang="en-US" dirty="0" err="1" smtClean="0"/>
@@ -8607,6 +9939,13 @@
       </p:transition>
     </mc:Fallback>
   </mc:AlternateContent>
+  <p:timing>
+    <p:tnLst>
+      <p:par>
+        <p:cTn id="1" dur="indefinite" restart="never" nodeType="tmRoot"/>
+      </p:par>
+    </p:tnLst>
+  </p:timing>
 </p:sld>
 </file>
 
@@ -8761,6 +10100,13 @@
       </p:transition>
     </mc:Fallback>
   </mc:AlternateContent>
+  <p:timing>
+    <p:tnLst>
+      <p:par>
+        <p:cTn id="1" dur="indefinite" restart="never" nodeType="tmRoot"/>
+      </p:par>
+    </p:tnLst>
+  </p:timing>
 </p:sld>
 </file>
 
@@ -9022,6 +10368,13 @@
       </p:transition>
     </mc:Fallback>
   </mc:AlternateContent>
+  <p:timing>
+    <p:tnLst>
+      <p:par>
+        <p:cTn id="1" dur="indefinite" restart="never" nodeType="tmRoot"/>
+      </p:par>
+    </p:tnLst>
+  </p:timing>
 </p:sld>
 </file>
 
@@ -9201,6 +10554,13 @@
       </p:transition>
     </mc:Fallback>
   </mc:AlternateContent>
+  <p:timing>
+    <p:tnLst>
+      <p:par>
+        <p:cTn id="1" dur="indefinite" restart="never" nodeType="tmRoot"/>
+      </p:par>
+    </p:tnLst>
+  </p:timing>
 </p:sld>
 </file>
 
@@ -9238,15 +10598,7 @@
           <a:p>
             <a:r>
               <a:rPr lang="en-US" dirty="0" smtClean="0"/>
-              <a:t>Extra’s </a:t>
-            </a:r>
-            <a:r>
-              <a:rPr lang="en-US" dirty="0"/>
-              <a:t>o</a:t>
-            </a:r>
-            <a:r>
-              <a:rPr lang="en-US" dirty="0" smtClean="0"/>
-              <a:t>ver Salt:</a:t>
+              <a:t>Demo - Master</a:t>
             </a:r>
             <a:endParaRPr lang="nl-NL" dirty="0"/>
           </a:p>
@@ -9262,282 +10614,235 @@
             <p:ph idx="1"/>
           </p:nvPr>
         </p:nvSpPr>
-        <p:spPr/>
+        <p:spPr>
+          <a:xfrm>
+            <a:off x="609600" y="2249424"/>
+            <a:ext cx="6187126" cy="4325112"/>
+          </a:xfrm>
+        </p:spPr>
         <p:txBody>
           <a:bodyPr>
-            <a:normAutofit fontScale="92500" lnSpcReduction="20000"/>
+            <a:normAutofit fontScale="62500" lnSpcReduction="20000"/>
           </a:bodyPr>
           <a:lstStyle/>
           <a:p>
             <a:r>
+              <a:rPr lang="en-US" dirty="0" smtClean="0"/>
+              <a:t>Executables:</a:t>
+            </a:r>
+          </a:p>
+          <a:p>
+            <a:pPr lvl="1"/>
+            <a:r>
+              <a:rPr lang="en-US" dirty="0" smtClean="0"/>
+              <a:t>salt-master</a:t>
+            </a:r>
+          </a:p>
+          <a:p>
+            <a:pPr lvl="2"/>
+            <a:r>
+              <a:rPr lang="en-US" dirty="0" smtClean="0"/>
+              <a:t>Master Process</a:t>
+            </a:r>
+          </a:p>
+          <a:p>
+            <a:pPr lvl="1"/>
+            <a:r>
+              <a:rPr lang="en-US" dirty="0"/>
+              <a:t>salt</a:t>
+            </a:r>
+          </a:p>
+          <a:p>
+            <a:pPr lvl="2"/>
+            <a:r>
+              <a:rPr lang="en-US" dirty="0"/>
+              <a:t>“main” control </a:t>
+            </a:r>
+            <a:r>
+              <a:rPr lang="en-US" dirty="0" smtClean="0"/>
+              <a:t>commando</a:t>
+            </a:r>
+          </a:p>
+          <a:p>
+            <a:pPr lvl="1"/>
+            <a:r>
+              <a:rPr lang="en-US" dirty="0"/>
+              <a:t>s</a:t>
+            </a:r>
+            <a:r>
+              <a:rPr lang="en-US" dirty="0" smtClean="0"/>
+              <a:t>alt-key</a:t>
+            </a:r>
+          </a:p>
+          <a:p>
+            <a:pPr lvl="2"/>
+            <a:r>
+              <a:rPr lang="en-US" dirty="0" err="1" smtClean="0"/>
+              <a:t>Authenticatie</a:t>
+            </a:r>
+            <a:r>
+              <a:rPr lang="en-US" dirty="0" smtClean="0"/>
+              <a:t> Minion(s)</a:t>
+            </a:r>
+          </a:p>
+          <a:p>
+            <a:pPr lvl="2"/>
+            <a:r>
+              <a:rPr lang="en-US" dirty="0" smtClean="0"/>
+              <a:t>Approve, Deny, Revoke</a:t>
+            </a:r>
+          </a:p>
+          <a:p>
+            <a:pPr lvl="1"/>
+            <a:r>
+              <a:rPr lang="en-US" dirty="0" smtClean="0"/>
+              <a:t>salt-call</a:t>
+            </a:r>
+          </a:p>
+          <a:p>
+            <a:pPr lvl="2"/>
+            <a:r>
+              <a:rPr lang="en-US" dirty="0" smtClean="0"/>
+              <a:t>Direct modules </a:t>
+            </a:r>
+            <a:r>
+              <a:rPr lang="en-US" dirty="0" err="1" smtClean="0"/>
+              <a:t>uitvoeren</a:t>
+            </a:r>
+            <a:r>
+              <a:rPr lang="en-US" dirty="0" smtClean="0"/>
+              <a:t> (net </a:t>
+            </a:r>
+            <a:r>
+              <a:rPr lang="en-US" dirty="0" err="1" smtClean="0"/>
+              <a:t>als</a:t>
+            </a:r>
+            <a:r>
+              <a:rPr lang="en-US" dirty="0" smtClean="0"/>
+              <a:t> op Minion, maar </a:t>
+            </a:r>
+            <a:r>
+              <a:rPr lang="en-US" dirty="0" err="1" smtClean="0"/>
+              <a:t>wel</a:t>
+            </a:r>
+            <a:r>
+              <a:rPr lang="en-US" dirty="0" smtClean="0"/>
+              <a:t> in het Master Process!)</a:t>
+            </a:r>
+          </a:p>
+          <a:p>
+            <a:pPr lvl="2"/>
+            <a:endParaRPr lang="en-US" dirty="0" smtClean="0"/>
+          </a:p>
+          <a:p>
+            <a:pPr lvl="1"/>
+            <a:r>
+              <a:rPr lang="en-US" dirty="0" smtClean="0"/>
+              <a:t>salt-run (</a:t>
+            </a:r>
+            <a:r>
+              <a:rPr lang="en-US" dirty="0" err="1" smtClean="0"/>
+              <a:t>buiten</a:t>
+            </a:r>
+            <a:r>
+              <a:rPr lang="en-US" dirty="0" smtClean="0"/>
+              <a:t> scope)</a:t>
+            </a:r>
+          </a:p>
+          <a:p>
+            <a:pPr lvl="2"/>
+            <a:r>
+              <a:rPr lang="en-US" dirty="0" err="1" smtClean="0"/>
+              <a:t>Uitvoeren</a:t>
+            </a:r>
+            <a:r>
+              <a:rPr lang="en-US" dirty="0" smtClean="0"/>
+              <a:t> van Runner(s)</a:t>
+            </a:r>
+          </a:p>
+          <a:p>
+            <a:pPr lvl="1"/>
+            <a:r>
+              <a:rPr lang="en-US" dirty="0" smtClean="0"/>
+              <a:t>salt-</a:t>
+            </a:r>
+            <a:r>
+              <a:rPr lang="en-US" dirty="0" err="1" smtClean="0"/>
+              <a:t>ssh</a:t>
+            </a:r>
+            <a:r>
+              <a:rPr lang="en-US" dirty="0" smtClean="0"/>
+              <a:t> (</a:t>
+            </a:r>
+            <a:r>
+              <a:rPr lang="en-US" dirty="0" err="1" smtClean="0"/>
+              <a:t>buiten</a:t>
+            </a:r>
+            <a:r>
+              <a:rPr lang="en-US" dirty="0" smtClean="0"/>
+              <a:t> scope)</a:t>
+            </a:r>
+          </a:p>
+          <a:p>
+            <a:pPr lvl="2"/>
+            <a:r>
+              <a:rPr lang="en-US" dirty="0" err="1" smtClean="0"/>
+              <a:t>Uitvoeren</a:t>
+            </a:r>
+            <a:r>
+              <a:rPr lang="en-US" dirty="0" smtClean="0"/>
+              <a:t> van Salt Minion “runs” op remote servers</a:t>
+            </a:r>
+          </a:p>
+          <a:p>
+            <a:pPr lvl="1"/>
+            <a:r>
+              <a:rPr lang="en-US" dirty="0"/>
+              <a:t>salt-cloud (</a:t>
+            </a:r>
+            <a:r>
               <a:rPr lang="en-US" dirty="0" err="1"/>
-              <a:t>Wat</a:t>
+              <a:t>buiten</a:t>
             </a:r>
             <a:r>
               <a:rPr lang="en-US" dirty="0"/>
-              <a:t> </a:t>
-            </a:r>
+              <a:t> scope)</a:t>
+            </a:r>
+          </a:p>
+          <a:p>
+            <a:pPr lvl="2"/>
             <a:r>
               <a:rPr lang="en-US" dirty="0" err="1"/>
-              <a:t>kost</a:t>
+              <a:t>Uitvoeren</a:t>
             </a:r>
             <a:r>
               <a:rPr lang="en-US" dirty="0"/>
-              <a:t> het?</a:t>
-            </a:r>
+              <a:t> van salt-cloud </a:t>
+            </a:r>
+            <a:r>
+              <a:rPr lang="en-US" dirty="0" err="1"/>
+              <a:t>operaties</a:t>
+            </a:r>
+            <a:endParaRPr lang="en-US" dirty="0" smtClean="0"/>
           </a:p>
           <a:p>
             <a:pPr lvl="1"/>
-            <a:r>
-              <a:rPr lang="en-US" dirty="0"/>
-              <a:t>(in de basis) </a:t>
-            </a:r>
-            <a:r>
-              <a:rPr lang="en-US" dirty="0" err="1"/>
-              <a:t>Niets</a:t>
-            </a:r>
-            <a:r>
-              <a:rPr lang="en-US" dirty="0"/>
-              <a:t>! (Apache 2.0 License)</a:t>
-            </a:r>
+            <a:endParaRPr lang="en-US" dirty="0"/>
           </a:p>
           <a:p>
             <a:pPr lvl="1"/>
-            <a:r>
-              <a:rPr lang="en-US" dirty="0" err="1"/>
-              <a:t>Betaalde</a:t>
-            </a:r>
-            <a:r>
-              <a:rPr lang="en-US" dirty="0"/>
-              <a:t> </a:t>
-            </a:r>
-            <a:r>
-              <a:rPr lang="en-US" dirty="0" err="1"/>
-              <a:t>Webbased</a:t>
-            </a:r>
-            <a:r>
-              <a:rPr lang="en-US" dirty="0"/>
-              <a:t> GUI (</a:t>
-            </a:r>
-            <a:r>
-              <a:rPr lang="en-US" dirty="0" err="1"/>
-              <a:t>vergelijkbaar</a:t>
-            </a:r>
-            <a:r>
-              <a:rPr lang="en-US" dirty="0"/>
-              <a:t> met </a:t>
-            </a:r>
-            <a:r>
-              <a:rPr lang="en-US" dirty="0" err="1"/>
-              <a:t>Ansible</a:t>
-            </a:r>
-            <a:r>
-              <a:rPr lang="en-US" dirty="0"/>
-              <a:t> Tower</a:t>
-            </a:r>
-            <a:r>
-              <a:rPr lang="en-US" dirty="0" smtClean="0"/>
-              <a:t>)</a:t>
-            </a:r>
-          </a:p>
-          <a:p>
-            <a:pPr lvl="1"/>
-            <a:r>
-              <a:rPr lang="en-US" dirty="0" err="1" smtClean="0"/>
-              <a:t>Betaalde</a:t>
-            </a:r>
-            <a:r>
-              <a:rPr lang="en-US" dirty="0" smtClean="0"/>
-              <a:t> Support </a:t>
-            </a:r>
-            <a:r>
-              <a:rPr lang="en-US" dirty="0" err="1" smtClean="0"/>
-              <a:t>Contracten</a:t>
-            </a:r>
-            <a:r>
-              <a:rPr lang="en-US" dirty="0" smtClean="0"/>
-              <a:t/>
-            </a:r>
-            <a:br>
-              <a:rPr lang="en-US" dirty="0" smtClean="0"/>
-            </a:br>
-            <a:endParaRPr lang="en-US" dirty="0"/>
-          </a:p>
-          <a:p>
-            <a:r>
-              <a:rPr lang="en-US" dirty="0" err="1"/>
-              <a:t>Vergelijking</a:t>
-            </a:r>
-            <a:r>
-              <a:rPr lang="en-US" dirty="0"/>
-              <a:t> met </a:t>
-            </a:r>
-            <a:r>
-              <a:rPr lang="en-US" dirty="0" err="1"/>
-              <a:t>andere</a:t>
-            </a:r>
-            <a:r>
-              <a:rPr lang="en-US" dirty="0"/>
-              <a:t> </a:t>
-            </a:r>
-            <a:r>
-              <a:rPr lang="en-US" dirty="0" err="1"/>
-              <a:t>Configuratie</a:t>
-            </a:r>
-            <a:r>
-              <a:rPr lang="en-US" dirty="0"/>
-              <a:t> Managements </a:t>
-            </a:r>
-            <a:r>
-              <a:rPr lang="en-US" dirty="0" err="1"/>
-              <a:t>Systemen</a:t>
-            </a:r>
-            <a:r>
-              <a:rPr lang="en-US" dirty="0"/>
-              <a:t>:</a:t>
-            </a:r>
-          </a:p>
-          <a:p>
-            <a:pPr lvl="1"/>
-            <a:r>
-              <a:rPr lang="en-US" dirty="0" err="1"/>
-              <a:t>Overeenkomsten</a:t>
-            </a:r>
-            <a:r>
-              <a:rPr lang="en-US" dirty="0"/>
-              <a:t>:</a:t>
-            </a:r>
+            <a:endParaRPr lang="en-US" dirty="0" smtClean="0"/>
           </a:p>
           <a:p>
             <a:pPr lvl="2"/>
-            <a:r>
-              <a:rPr lang="en-US" dirty="0"/>
-              <a:t>Python net </a:t>
-            </a:r>
-            <a:r>
-              <a:rPr lang="en-US" dirty="0" err="1"/>
-              <a:t>als</a:t>
-            </a:r>
-            <a:r>
-              <a:rPr lang="en-US" dirty="0"/>
-              <a:t> </a:t>
-            </a:r>
-            <a:r>
-              <a:rPr lang="en-US" dirty="0" err="1"/>
-              <a:t>Ansible</a:t>
-            </a:r>
-            <a:endParaRPr lang="en-US" dirty="0"/>
-          </a:p>
-          <a:p>
-            <a:pPr lvl="2"/>
-            <a:r>
-              <a:rPr lang="en-US" dirty="0"/>
-              <a:t>Client-Server net </a:t>
-            </a:r>
-            <a:r>
-              <a:rPr lang="en-US" dirty="0" err="1"/>
-              <a:t>als</a:t>
-            </a:r>
-            <a:r>
-              <a:rPr lang="en-US" dirty="0"/>
-              <a:t> Chef en Puppet</a:t>
-            </a:r>
-          </a:p>
-          <a:p>
-            <a:pPr lvl="1"/>
-            <a:r>
-              <a:rPr lang="en-US" dirty="0" err="1"/>
-              <a:t>Verschillen</a:t>
-            </a:r>
-            <a:r>
-              <a:rPr lang="en-US" dirty="0"/>
-              <a:t>:</a:t>
-            </a:r>
-          </a:p>
-          <a:p>
-            <a:pPr lvl="2"/>
-            <a:r>
-              <a:rPr lang="en-US" dirty="0" err="1"/>
-              <a:t>Als</a:t>
-            </a:r>
-            <a:r>
-              <a:rPr lang="en-US" dirty="0"/>
-              <a:t> </a:t>
-            </a:r>
-            <a:r>
-              <a:rPr lang="en-US" dirty="0" err="1"/>
-              <a:t>enige</a:t>
-            </a:r>
-            <a:r>
-              <a:rPr lang="en-US" dirty="0"/>
-              <a:t> Event Driven</a:t>
-            </a:r>
-          </a:p>
-          <a:p>
-            <a:pPr lvl="2"/>
-            <a:r>
-              <a:rPr lang="en-US" dirty="0" err="1"/>
-              <a:t>Enige</a:t>
-            </a:r>
-            <a:r>
-              <a:rPr lang="en-US" dirty="0"/>
-              <a:t> met </a:t>
-            </a:r>
-            <a:r>
-              <a:rPr lang="en-US" dirty="0" err="1"/>
-              <a:t>een</a:t>
-            </a:r>
-            <a:r>
-              <a:rPr lang="en-US" dirty="0"/>
-              <a:t> </a:t>
-            </a:r>
-            <a:r>
-              <a:rPr lang="en-US" dirty="0" err="1"/>
-              <a:t>ingebouwde</a:t>
-            </a:r>
-            <a:r>
-              <a:rPr lang="en-US" dirty="0"/>
-              <a:t> Message Bus</a:t>
-            </a:r>
-          </a:p>
-          <a:p>
-            <a:pPr lvl="2"/>
-            <a:r>
-              <a:rPr lang="en-US" dirty="0" err="1"/>
-              <a:t>Enige</a:t>
-            </a:r>
-            <a:r>
-              <a:rPr lang="en-US" dirty="0"/>
-              <a:t> met (out of the box) </a:t>
-            </a:r>
-            <a:r>
-              <a:rPr lang="en-US" dirty="0" err="1"/>
-              <a:t>zowel</a:t>
-            </a:r>
-            <a:r>
-              <a:rPr lang="en-US" dirty="0"/>
-              <a:t> clientless </a:t>
-            </a:r>
-            <a:r>
-              <a:rPr lang="en-US" dirty="0" err="1"/>
-              <a:t>als</a:t>
-            </a:r>
-            <a:r>
-              <a:rPr lang="en-US" dirty="0"/>
-              <a:t> client-server </a:t>
-            </a:r>
-            <a:r>
-              <a:rPr lang="en-US" dirty="0" err="1"/>
-              <a:t>mogelijkheden</a:t>
-            </a:r>
-            <a:endParaRPr lang="nl-NL" dirty="0"/>
+            <a:endParaRPr lang="en-US" dirty="0" smtClean="0"/>
           </a:p>
         </p:txBody>
       </p:sp>
     </p:spTree>
     <p:extLst>
       <p:ext uri="{BB962C8B-B14F-4D97-AF65-F5344CB8AC3E}">
-        <p14:creationId xmlns:p14="http://schemas.microsoft.com/office/powerpoint/2010/main" val="4023446859"/>
+        <p14:creationId xmlns:p14="http://schemas.microsoft.com/office/powerpoint/2010/main" val="2417795833"/>
       </p:ext>
     </p:extLst>
   </p:cSld>
@@ -9556,6 +10861,13 @@
       </p:transition>
     </mc:Fallback>
   </mc:AlternateContent>
+  <p:timing>
+    <p:tnLst>
+      <p:par>
+        <p:cTn id="1" dur="indefinite" restart="never" nodeType="tmRoot"/>
+      </p:par>
+    </p:tnLst>
+  </p:timing>
 </p:sld>
 </file>
 

--- a/presentation.pptx
+++ b/presentation.pptx
@@ -5,10 +5,10 @@
     <p:sldMasterId id="2147483696" r:id="rId1"/>
   </p:sldMasterIdLst>
   <p:notesMasterIdLst>
-    <p:notesMasterId r:id="rId24"/>
+    <p:notesMasterId r:id="rId27"/>
   </p:notesMasterIdLst>
   <p:handoutMasterIdLst>
-    <p:handoutMasterId r:id="rId25"/>
+    <p:handoutMasterId r:id="rId28"/>
   </p:handoutMasterIdLst>
   <p:sldIdLst>
     <p:sldId id="257" r:id="rId2"/>
@@ -22,17 +22,20 @@
     <p:sldId id="278" r:id="rId10"/>
     <p:sldId id="280" r:id="rId11"/>
     <p:sldId id="279" r:id="rId12"/>
-    <p:sldId id="282" r:id="rId13"/>
-    <p:sldId id="281" r:id="rId14"/>
-    <p:sldId id="284" r:id="rId15"/>
-    <p:sldId id="285" r:id="rId16"/>
-    <p:sldId id="283" r:id="rId17"/>
-    <p:sldId id="286" r:id="rId18"/>
-    <p:sldId id="287" r:id="rId19"/>
+    <p:sldId id="291" r:id="rId13"/>
+    <p:sldId id="282" r:id="rId14"/>
+    <p:sldId id="281" r:id="rId15"/>
+    <p:sldId id="284" r:id="rId16"/>
+    <p:sldId id="285" r:id="rId17"/>
+    <p:sldId id="283" r:id="rId18"/>
+    <p:sldId id="286" r:id="rId19"/>
     <p:sldId id="288" r:id="rId20"/>
     <p:sldId id="289" r:id="rId21"/>
-    <p:sldId id="290" r:id="rId22"/>
-    <p:sldId id="271" r:id="rId23"/>
+    <p:sldId id="294" r:id="rId22"/>
+    <p:sldId id="290" r:id="rId23"/>
+    <p:sldId id="293" r:id="rId24"/>
+    <p:sldId id="292" r:id="rId25"/>
+    <p:sldId id="271" r:id="rId26"/>
   </p:sldIdLst>
   <p:sldSz cx="12192000" cy="6858000"/>
   <p:notesSz cx="6858000" cy="9144000"/>
@@ -247,7 +250,7 @@
             <a:pPr rtl="0"/>
             <a:fld id="{D28C9DC8-80D0-440C-B6DF-03CD5BC1BD7F}" type="datetime1">
               <a:rPr lang="nl-NL" smtClean="0"/>
-              <a:t>21-12-2018</a:t>
+              <a:t>3-1-2019</a:t>
             </a:fld>
             <a:endParaRPr lang="nl-NL" dirty="0"/>
           </a:p>
@@ -417,7 +420,7 @@
             <a:pPr rtl="0"/>
             <a:fld id="{E4E3010B-743B-4BB7-83BC-C455CF22D628}" type="datetime1">
               <a:rPr lang="nl-NL" noProof="0" smtClean="0"/>
-              <a:t>21-12-2018</a:t>
+              <a:t>3-1-2019</a:t>
             </a:fld>
             <a:endParaRPr lang="nl-NL" noProof="0" dirty="0"/>
           </a:p>
@@ -1811,7 +1814,7 @@
             <a:pPr rtl="0"/>
             <a:fld id="{50C1F332-881C-4CBA-AD90-EEDF0B4BF7DA}" type="datetime1">
               <a:rPr lang="nl-NL" noProof="0" smtClean="0"/>
-              <a:t>21-12-2018</a:t>
+              <a:t>3-1-2019</a:t>
             </a:fld>
             <a:endParaRPr lang="nl-NL" noProof="0" dirty="0"/>
           </a:p>
@@ -2020,7 +2023,7 @@
             <a:pPr rtl="0"/>
             <a:fld id="{89F24579-2DC7-4740-BB66-C7F570AA21D7}" type="datetime1">
               <a:rPr lang="nl-NL" noProof="0" smtClean="0"/>
-              <a:t>21-12-2018</a:t>
+              <a:t>3-1-2019</a:t>
             </a:fld>
             <a:endParaRPr lang="nl-NL" noProof="0" dirty="0"/>
           </a:p>
@@ -2226,7 +2229,7 @@
             <a:pPr rtl="0"/>
             <a:fld id="{45B5E7DD-667D-4A23-9A2F-48BA945A9952}" type="datetime1">
               <a:rPr lang="nl-NL" noProof="0" smtClean="0"/>
-              <a:t>21-12-2018</a:t>
+              <a:t>3-1-2019</a:t>
             </a:fld>
             <a:endParaRPr lang="nl-NL" noProof="0" dirty="0"/>
           </a:p>
@@ -2425,7 +2428,7 @@
             <a:pPr rtl="0"/>
             <a:fld id="{58ABC626-466B-4691-A422-291075234BB7}" type="datetime1">
               <a:rPr lang="nl-NL" noProof="0" smtClean="0"/>
-              <a:t>21-12-2018</a:t>
+              <a:t>3-1-2019</a:t>
             </a:fld>
             <a:endParaRPr lang="nl-NL" noProof="0" dirty="0"/>
           </a:p>
@@ -2664,7 +2667,7 @@
             <a:pPr rtl="0"/>
             <a:fld id="{38B9AA8D-7864-4226-8994-630C0BB2D7D9}" type="datetime1">
               <a:rPr lang="nl-NL" noProof="0" smtClean="0"/>
-              <a:t>21-12-2018</a:t>
+              <a:t>3-1-2019</a:t>
             </a:fld>
             <a:endParaRPr lang="nl-NL" noProof="0" dirty="0"/>
           </a:p>
@@ -2947,7 +2950,7 @@
             <a:pPr rtl="0"/>
             <a:fld id="{7546F41A-2D0F-4BBB-AF38-59959C791A62}" type="datetime1">
               <a:rPr lang="nl-NL" noProof="0" smtClean="0"/>
-              <a:t>21-12-2018</a:t>
+              <a:t>3-1-2019</a:t>
             </a:fld>
             <a:endParaRPr lang="nl-NL" noProof="0" dirty="0"/>
           </a:p>
@@ -3393,7 +3396,7 @@
             <a:pPr rtl="0"/>
             <a:fld id="{B03C9DA2-3351-41E7-B6F6-4417A9EA5B24}" type="datetime1">
               <a:rPr lang="nl-NL" noProof="0" smtClean="0"/>
-              <a:t>21-12-2018</a:t>
+              <a:t>3-1-2019</a:t>
             </a:fld>
             <a:endParaRPr lang="nl-NL" noProof="0" dirty="0"/>
           </a:p>
@@ -3553,7 +3556,7 @@
             <a:pPr rtl="0"/>
             <a:fld id="{39BFF286-C203-463D-8D94-A3E2D5ACB562}" type="datetime1">
               <a:rPr lang="nl-NL" noProof="0" smtClean="0"/>
-              <a:t>21-12-2018</a:t>
+              <a:t>3-1-2019</a:t>
             </a:fld>
             <a:endParaRPr lang="nl-NL" noProof="0" dirty="0"/>
           </a:p>
@@ -3671,7 +3674,7 @@
             <a:pPr rtl="0"/>
             <a:fld id="{263082B6-86B0-4DE1-8E01-65A27FB45F7A}" type="datetime1">
               <a:rPr lang="nl-NL" noProof="0" smtClean="0"/>
-              <a:t>21-12-2018</a:t>
+              <a:t>3-1-2019</a:t>
             </a:fld>
             <a:endParaRPr lang="nl-NL" noProof="0" dirty="0"/>
           </a:p>
@@ -3939,7 +3942,7 @@
             <a:pPr rtl="0"/>
             <a:fld id="{8D1586CB-974F-4A82-A297-BC5524B24357}" type="datetime1">
               <a:rPr lang="nl-NL" noProof="0" smtClean="0"/>
-              <a:t>21-12-2018</a:t>
+              <a:t>3-1-2019</a:t>
             </a:fld>
             <a:endParaRPr lang="nl-NL" noProof="0" dirty="0"/>
           </a:p>
@@ -4208,7 +4211,7 @@
             <a:pPr rtl="0"/>
             <a:fld id="{0E0AD16C-5FCB-4BEF-B14C-25099D4DC916}" type="datetime1">
               <a:rPr lang="nl-NL" noProof="0" smtClean="0"/>
-              <a:t>21-12-2018</a:t>
+              <a:t>3-1-2019</a:t>
             </a:fld>
             <a:endParaRPr lang="nl-NL" noProof="0" dirty="0"/>
           </a:p>
@@ -5074,7 +5077,7 @@
             <a:pPr rtl="0"/>
             <a:fld id="{714A83D9-DA8C-4F90-9F2A-2DA41120B4AD}" type="datetime1">
               <a:rPr lang="nl-NL" noProof="0" smtClean="0"/>
-              <a:t>21-12-2018</a:t>
+              <a:t>3-1-2019</a:t>
             </a:fld>
             <a:endParaRPr lang="nl-NL" noProof="0" dirty="0"/>
           </a:p>
@@ -6186,7 +6189,19 @@
           <a:p>
             <a:r>
               <a:rPr lang="en-US" dirty="0" smtClean="0"/>
-              <a:t>States</a:t>
+              <a:t>Lab 01: </a:t>
+            </a:r>
+            <a:r>
+              <a:rPr lang="en-US" dirty="0" err="1" smtClean="0"/>
+              <a:t>Lokale</a:t>
+            </a:r>
+            <a:r>
+              <a:rPr lang="en-US" dirty="0" smtClean="0"/>
+              <a:t> </a:t>
+            </a:r>
+            <a:r>
+              <a:rPr lang="en-US" dirty="0" err="1" smtClean="0"/>
+              <a:t>functies</a:t>
             </a:r>
             <a:endParaRPr lang="nl-NL" dirty="0"/>
           </a:p>
@@ -6204,33 +6219,12 @@
         </p:nvSpPr>
         <p:spPr/>
         <p:txBody>
-          <a:bodyPr>
-            <a:normAutofit lnSpcReduction="10000"/>
-          </a:bodyPr>
+          <a:bodyPr/>
           <a:lstStyle/>
           <a:p>
             <a:r>
-              <a:rPr lang="en-US" dirty="0" smtClean="0"/>
-              <a:t>State File (.</a:t>
-            </a:r>
-            <a:r>
-              <a:rPr lang="en-US" dirty="0" err="1" smtClean="0"/>
-              <a:t>sls</a:t>
-            </a:r>
-            <a:r>
-              <a:rPr lang="en-US" dirty="0" smtClean="0"/>
-              <a:t>):</a:t>
-            </a:r>
-          </a:p>
-          <a:p>
-            <a:pPr lvl="1"/>
-            <a:r>
-              <a:rPr lang="en-US" dirty="0" smtClean="0"/>
-              <a:t>YAML (JSON </a:t>
-            </a:r>
-            <a:r>
-              <a:rPr lang="en-US" dirty="0" err="1" smtClean="0"/>
-              <a:t>ook</a:t>
+              <a:rPr lang="en-US" dirty="0" err="1" smtClean="0"/>
+              <a:t>Probeer</a:t>
             </a:r>
             <a:r>
               <a:rPr lang="en-US" dirty="0" smtClean="0"/>
@@ -6238,29 +6232,15 @@
             </a:r>
             <a:r>
               <a:rPr lang="en-US" dirty="0" err="1" smtClean="0"/>
-              <a:t>mogelijk</a:t>
-            </a:r>
-            <a:r>
-              <a:rPr lang="en-US" dirty="0" smtClean="0"/>
-              <a:t>)</a:t>
-            </a:r>
-          </a:p>
-          <a:p>
-            <a:pPr lvl="1"/>
-            <a:r>
-              <a:rPr lang="en-US" dirty="0" err="1" smtClean="0"/>
-              <a:t>Verzameling</a:t>
-            </a:r>
-            <a:r>
-              <a:rPr lang="en-US" dirty="0" smtClean="0"/>
-              <a:t> State Modules</a:t>
-            </a:r>
-          </a:p>
-          <a:p>
-            <a:pPr lvl="1"/>
-            <a:r>
-              <a:rPr lang="en-US" dirty="0" err="1" smtClean="0"/>
-              <a:t>Sequentieel</a:t>
+              <a:t>een</a:t>
+            </a:r>
+            <a:r>
+              <a:rPr lang="en-US" dirty="0" smtClean="0"/>
+              <a:t> rapport op </a:t>
+            </a:r>
+            <a:r>
+              <a:rPr lang="en-US" dirty="0" err="1" smtClean="0"/>
+              <a:t>te</a:t>
             </a:r>
             <a:r>
               <a:rPr lang="en-US" dirty="0" smtClean="0"/>
@@ -6268,7 +6248,38 @@
             </a:r>
             <a:r>
               <a:rPr lang="en-US" dirty="0" err="1" smtClean="0"/>
-              <a:t>uitgevoerd</a:t>
+              <a:t>vragen</a:t>
+            </a:r>
+            <a:r>
+              <a:rPr lang="en-US" dirty="0" smtClean="0"/>
+              <a:t> over disk </a:t>
+            </a:r>
+            <a:r>
+              <a:rPr lang="en-US" dirty="0" err="1" smtClean="0"/>
+              <a:t>gebruik</a:t>
+            </a:r>
+            <a:endParaRPr lang="en-US" dirty="0" smtClean="0"/>
+          </a:p>
+          <a:p>
+            <a:r>
+              <a:rPr lang="en-US" dirty="0" err="1" smtClean="0"/>
+              <a:t>Probeer</a:t>
+            </a:r>
+            <a:r>
+              <a:rPr lang="en-US" dirty="0" smtClean="0"/>
+              <a:t> de </a:t>
+            </a:r>
+            <a:r>
+              <a:rPr lang="en-US" dirty="0" err="1" smtClean="0"/>
+              <a:t>grootte</a:t>
+            </a:r>
+            <a:r>
+              <a:rPr lang="en-US" dirty="0" smtClean="0"/>
+              <a:t> van de directory /</a:t>
+            </a:r>
+            <a:r>
+              <a:rPr lang="en-US" dirty="0" err="1" smtClean="0"/>
+              <a:t>usr</a:t>
             </a:r>
             <a:r>
               <a:rPr lang="en-US" dirty="0" smtClean="0"/>
@@ -6276,7 +6287,7 @@
             </a:r>
             <a:r>
               <a:rPr lang="en-US" dirty="0" err="1" smtClean="0"/>
-              <a:t>tenzij</a:t>
+              <a:t>te</a:t>
             </a:r>
             <a:r>
               <a:rPr lang="en-US" dirty="0" smtClean="0"/>
@@ -6284,7 +6295,14 @@
             </a:r>
             <a:r>
               <a:rPr lang="en-US" dirty="0" err="1" smtClean="0"/>
-              <a:t>anders</a:t>
+              <a:t>berekenen</a:t>
+            </a:r>
+            <a:endParaRPr lang="en-US" dirty="0" smtClean="0"/>
+          </a:p>
+          <a:p>
+            <a:r>
+              <a:rPr lang="en-US" dirty="0" err="1" smtClean="0"/>
+              <a:t>Probeer</a:t>
             </a:r>
             <a:r>
               <a:rPr lang="en-US" dirty="0" smtClean="0"/>
@@ -6292,157 +6310,43 @@
             </a:r>
             <a:r>
               <a:rPr lang="en-US" dirty="0" err="1" smtClean="0"/>
-              <a:t>aangegeven</a:t>
-            </a:r>
-            <a:r>
-              <a:rPr lang="en-US" dirty="0" smtClean="0"/>
-              <a:t> (dependencies)</a:t>
-            </a:r>
-          </a:p>
-          <a:p>
-            <a:pPr lvl="1"/>
+              <a:t>alle</a:t>
+            </a:r>
+            <a:r>
+              <a:rPr lang="en-US" dirty="0" smtClean="0"/>
+              <a:t> IP </a:t>
+            </a:r>
+            <a:r>
+              <a:rPr lang="en-US" dirty="0" err="1" smtClean="0"/>
+              <a:t>Adressen</a:t>
+            </a:r>
+            <a:r>
+              <a:rPr lang="en-US" dirty="0" smtClean="0"/>
+              <a:t> </a:t>
+            </a:r>
+            <a:r>
+              <a:rPr lang="en-US" dirty="0" err="1" smtClean="0"/>
+              <a:t>te</a:t>
+            </a:r>
+            <a:r>
+              <a:rPr lang="en-US" dirty="0" smtClean="0"/>
+              <a:t> </a:t>
+            </a:r>
+            <a:r>
+              <a:rPr lang="en-US" dirty="0" err="1" smtClean="0"/>
+              <a:t>achterhalen</a:t>
+            </a:r>
             <a:endParaRPr lang="en-US" dirty="0" smtClean="0"/>
           </a:p>
           <a:p>
-            <a:r>
-              <a:rPr lang="en-US" dirty="0" err="1" smtClean="0"/>
-              <a:t>Voorbeeld</a:t>
-            </a:r>
-            <a:r>
-              <a:rPr lang="en-US" dirty="0" smtClean="0"/>
-              <a:t>:</a:t>
-            </a:r>
-          </a:p>
-          <a:p>
-            <a:endParaRPr lang="en-US" dirty="0"/>
-          </a:p>
-          <a:p>
-            <a:pPr marL="109728" indent="0">
-              <a:buNone/>
-            </a:pPr>
-            <a:r>
-              <a:rPr lang="en-US" sz="1600" dirty="0" smtClean="0">
-                <a:latin typeface="Consolas" panose="020B0609020204030204" pitchFamily="49" charset="0"/>
-              </a:rPr>
-              <a:t>---</a:t>
-            </a:r>
-            <a:br>
-              <a:rPr lang="en-US" sz="1600" dirty="0" smtClean="0">
-                <a:latin typeface="Consolas" panose="020B0609020204030204" pitchFamily="49" charset="0"/>
-              </a:rPr>
-            </a:br>
-            <a:r>
-              <a:rPr lang="en-US" sz="1600" dirty="0" smtClean="0">
-                <a:latin typeface="Consolas" panose="020B0609020204030204" pitchFamily="49" charset="0"/>
-              </a:rPr>
-              <a:t>Setup </a:t>
-            </a:r>
-            <a:r>
-              <a:rPr lang="en-US" sz="1600" dirty="0" err="1" smtClean="0">
-                <a:latin typeface="Consolas" panose="020B0609020204030204" pitchFamily="49" charset="0"/>
-              </a:rPr>
-              <a:t>motd</a:t>
-            </a:r>
-            <a:r>
-              <a:rPr lang="en-US" sz="1600" dirty="0" smtClean="0">
-                <a:latin typeface="Consolas" panose="020B0609020204030204" pitchFamily="49" charset="0"/>
-              </a:rPr>
-              <a:t> file:</a:t>
-            </a:r>
-          </a:p>
-          <a:p>
-            <a:pPr marL="109728" indent="0">
-              <a:buNone/>
-            </a:pPr>
-            <a:r>
-              <a:rPr lang="en-US" sz="1600" dirty="0">
-                <a:latin typeface="Consolas" panose="020B0609020204030204" pitchFamily="49" charset="0"/>
-              </a:rPr>
-              <a:t> </a:t>
-            </a:r>
-            <a:r>
-              <a:rPr lang="en-US" sz="1600" dirty="0" smtClean="0">
-                <a:latin typeface="Consolas" panose="020B0609020204030204" pitchFamily="49" charset="0"/>
-              </a:rPr>
-              <a:t> </a:t>
-            </a:r>
-            <a:r>
-              <a:rPr lang="en-US" sz="1600" dirty="0" err="1" smtClean="0">
-                <a:latin typeface="Consolas" panose="020B0609020204030204" pitchFamily="49" charset="0"/>
-              </a:rPr>
-              <a:t>file.managed</a:t>
-            </a:r>
-            <a:r>
-              <a:rPr lang="en-US" sz="1600" dirty="0" smtClean="0">
-                <a:latin typeface="Consolas" panose="020B0609020204030204" pitchFamily="49" charset="0"/>
-              </a:rPr>
-              <a:t>:</a:t>
-            </a:r>
-          </a:p>
-          <a:p>
-            <a:pPr marL="109728" indent="0">
-              <a:buNone/>
-            </a:pPr>
-            <a:r>
-              <a:rPr lang="en-US" sz="1600" dirty="0">
-                <a:latin typeface="Consolas" panose="020B0609020204030204" pitchFamily="49" charset="0"/>
-              </a:rPr>
-              <a:t> </a:t>
-            </a:r>
-            <a:r>
-              <a:rPr lang="en-US" sz="1600" dirty="0" smtClean="0">
-                <a:latin typeface="Consolas" panose="020B0609020204030204" pitchFamily="49" charset="0"/>
-              </a:rPr>
-              <a:t>   - name: /</a:t>
-            </a:r>
-            <a:r>
-              <a:rPr lang="en-US" sz="1600" dirty="0" err="1" smtClean="0">
-                <a:latin typeface="Consolas" panose="020B0609020204030204" pitchFamily="49" charset="0"/>
-              </a:rPr>
-              <a:t>etc</a:t>
-            </a:r>
-            <a:r>
-              <a:rPr lang="en-US" sz="1600" dirty="0" smtClean="0">
-                <a:latin typeface="Consolas" panose="020B0609020204030204" pitchFamily="49" charset="0"/>
-              </a:rPr>
-              <a:t>/</a:t>
-            </a:r>
-            <a:r>
-              <a:rPr lang="en-US" sz="1600" dirty="0" err="1" smtClean="0">
-                <a:latin typeface="Consolas" panose="020B0609020204030204" pitchFamily="49" charset="0"/>
-              </a:rPr>
-              <a:t>motd</a:t>
-            </a:r>
-            <a:endParaRPr lang="en-US" sz="1600" dirty="0" smtClean="0">
-              <a:latin typeface="Consolas" panose="020B0609020204030204" pitchFamily="49" charset="0"/>
-            </a:endParaRPr>
-          </a:p>
-          <a:p>
-            <a:pPr marL="109728" indent="0">
-              <a:buNone/>
-            </a:pPr>
-            <a:r>
-              <a:rPr lang="en-US" sz="1600" dirty="0">
-                <a:latin typeface="Consolas" panose="020B0609020204030204" pitchFamily="49" charset="0"/>
-              </a:rPr>
-              <a:t> </a:t>
-            </a:r>
-            <a:r>
-              <a:rPr lang="en-US" sz="1600" dirty="0" smtClean="0">
-                <a:latin typeface="Consolas" panose="020B0609020204030204" pitchFamily="49" charset="0"/>
-              </a:rPr>
-              <a:t>   - contents: “Hello from my machine!”</a:t>
-            </a:r>
-            <a:endParaRPr lang="nl-NL" sz="1600" dirty="0">
-              <a:latin typeface="Consolas" panose="020B0609020204030204" pitchFamily="49" charset="0"/>
-            </a:endParaRPr>
+            <a:endParaRPr lang="en-US" dirty="0" smtClean="0"/>
           </a:p>
         </p:txBody>
       </p:sp>
     </p:spTree>
     <p:extLst>
       <p:ext uri="{BB962C8B-B14F-4D97-AF65-F5344CB8AC3E}">
-        <p14:creationId xmlns:p14="http://schemas.microsoft.com/office/powerpoint/2010/main" val="1160381725"/>
+        <p14:creationId xmlns:p14="http://schemas.microsoft.com/office/powerpoint/2010/main" val="4166585697"/>
       </p:ext>
     </p:extLst>
   </p:cSld>
@@ -6461,13 +6365,6 @@
       </p:transition>
     </mc:Fallback>
   </mc:AlternateContent>
-  <p:timing>
-    <p:tnLst>
-      <p:par>
-        <p:cTn id="1" dur="indefinite" restart="never" nodeType="tmRoot"/>
-      </p:par>
-    </p:tnLst>
-  </p:timing>
 </p:sld>
 </file>
 
@@ -6505,189 +6402,263 @@
           <a:p>
             <a:r>
               <a:rPr lang="en-US" dirty="0" smtClean="0"/>
-              <a:t>Lab 01 – </a:t>
-            </a:r>
-            <a:r>
-              <a:rPr lang="en-US" dirty="0" err="1" smtClean="0"/>
-              <a:t>Lokale</a:t>
-            </a:r>
-            <a:r>
-              <a:rPr lang="en-US" dirty="0" smtClean="0"/>
-              <a:t> State (~ 5 </a:t>
-            </a:r>
-            <a:r>
-              <a:rPr lang="en-US" dirty="0" err="1" smtClean="0"/>
-              <a:t>minuten</a:t>
+              <a:t>States</a:t>
+            </a:r>
+            <a:endParaRPr lang="nl-NL" dirty="0"/>
+          </a:p>
+        </p:txBody>
+      </p:sp>
+      <p:sp>
+        <p:nvSpPr>
+          <p:cNvPr id="3" name="Tijdelijke aanduiding voor inhoud 2"/>
+          <p:cNvSpPr>
+            <a:spLocks noGrp="1"/>
+          </p:cNvSpPr>
+          <p:nvPr>
+            <p:ph idx="1"/>
+          </p:nvPr>
+        </p:nvSpPr>
+        <p:spPr/>
+        <p:txBody>
+          <a:bodyPr>
+            <a:normAutofit lnSpcReduction="10000"/>
+          </a:bodyPr>
+          <a:lstStyle/>
+          <a:p>
+            <a:r>
+              <a:rPr lang="en-US" dirty="0" smtClean="0"/>
+              <a:t>State File (.</a:t>
+            </a:r>
+            <a:r>
+              <a:rPr lang="en-US" dirty="0" err="1" smtClean="0"/>
+              <a:t>sls</a:t>
+            </a:r>
+            <a:r>
+              <a:rPr lang="en-US" dirty="0" smtClean="0"/>
+              <a:t>):</a:t>
+            </a:r>
+          </a:p>
+          <a:p>
+            <a:pPr lvl="1"/>
+            <a:r>
+              <a:rPr lang="en-US" dirty="0" smtClean="0"/>
+              <a:t>YAML (JSON </a:t>
+            </a:r>
+            <a:r>
+              <a:rPr lang="en-US" dirty="0" err="1" smtClean="0"/>
+              <a:t>ook</a:t>
+            </a:r>
+            <a:r>
+              <a:rPr lang="en-US" dirty="0" smtClean="0"/>
+              <a:t> </a:t>
+            </a:r>
+            <a:r>
+              <a:rPr lang="en-US" dirty="0" err="1" smtClean="0"/>
+              <a:t>mogelijk</a:t>
             </a:r>
             <a:r>
               <a:rPr lang="en-US" dirty="0" smtClean="0"/>
               <a:t>)</a:t>
             </a:r>
-            <a:endParaRPr lang="nl-NL" dirty="0"/>
-          </a:p>
-        </p:txBody>
-      </p:sp>
-      <p:sp>
-        <p:nvSpPr>
-          <p:cNvPr id="3" name="Tijdelijke aanduiding voor inhoud 2"/>
-          <p:cNvSpPr>
-            <a:spLocks noGrp="1"/>
-          </p:cNvSpPr>
-          <p:nvPr>
-            <p:ph idx="1"/>
-          </p:nvPr>
-        </p:nvSpPr>
-        <p:spPr/>
-        <p:txBody>
-          <a:bodyPr/>
-          <a:lstStyle/>
-          <a:p>
-            <a:r>
-              <a:rPr lang="en-US" dirty="0" err="1" smtClean="0"/>
-              <a:t>Lijst</a:t>
-            </a:r>
-            <a:r>
-              <a:rPr lang="en-US" dirty="0" smtClean="0"/>
-              <a:t> met states </a:t>
-            </a:r>
-            <a:r>
-              <a:rPr lang="en-US" dirty="0" err="1" smtClean="0"/>
-              <a:t>bekijken</a:t>
-            </a:r>
-            <a:endParaRPr lang="nl-NL" dirty="0" smtClean="0"/>
           </a:p>
           <a:p>
             <a:pPr lvl="1"/>
             <a:r>
-              <a:rPr lang="nl-NL" dirty="0" err="1" smtClean="0"/>
-              <a:t>salt</a:t>
-            </a:r>
-            <a:r>
-              <a:rPr lang="nl-NL" dirty="0" smtClean="0"/>
-              <a:t>-call </a:t>
-            </a:r>
-            <a:r>
-              <a:rPr lang="nl-NL" dirty="0"/>
-              <a:t>--</a:t>
-            </a:r>
-            <a:r>
-              <a:rPr lang="nl-NL" dirty="0" err="1"/>
-              <a:t>local</a:t>
-            </a:r>
-            <a:r>
-              <a:rPr lang="nl-NL" dirty="0"/>
+              <a:rPr lang="en-US" dirty="0" err="1" smtClean="0"/>
+              <a:t>Verzameling</a:t>
+            </a:r>
+            <a:r>
+              <a:rPr lang="en-US" dirty="0" smtClean="0"/>
+              <a:t> State Modules</a:t>
+            </a:r>
+          </a:p>
+          <a:p>
+            <a:pPr lvl="1"/>
+            <a:r>
+              <a:rPr lang="en-US" dirty="0" err="1" smtClean="0"/>
+              <a:t>Sequentieel</a:t>
+            </a:r>
+            <a:r>
+              <a:rPr lang="en-US" dirty="0" smtClean="0"/>
               <a:t> </a:t>
             </a:r>
             <a:r>
-              <a:rPr lang="nl-NL" dirty="0" err="1"/>
-              <a:t>state.show_sls</a:t>
-            </a:r>
-            <a:r>
-              <a:rPr lang="nl-NL" dirty="0"/>
+              <a:rPr lang="en-US" dirty="0" err="1" smtClean="0"/>
+              <a:t>uitgevoerd</a:t>
+            </a:r>
+            <a:r>
+              <a:rPr lang="en-US" dirty="0" smtClean="0"/>
               <a:t> </a:t>
             </a:r>
             <a:r>
-              <a:rPr lang="nl-NL" dirty="0" smtClean="0"/>
-              <a:t>\*</a:t>
-            </a:r>
-          </a:p>
-          <a:p>
-            <a:r>
-              <a:rPr lang="en-US" dirty="0" err="1" smtClean="0"/>
-              <a:t>Lokale</a:t>
-            </a:r>
-            <a:r>
-              <a:rPr lang="en-US" dirty="0" smtClean="0"/>
-              <a:t> state </a:t>
-            </a:r>
-            <a:r>
-              <a:rPr lang="en-US" dirty="0" err="1" smtClean="0"/>
-              <a:t>uitvoeren</a:t>
-            </a:r>
-            <a:endParaRPr lang="nl-NL" dirty="0" smtClean="0"/>
+              <a:rPr lang="en-US" dirty="0" err="1" smtClean="0"/>
+              <a:t>tenzij</a:t>
+            </a:r>
+            <a:r>
+              <a:rPr lang="en-US" dirty="0" smtClean="0"/>
+              <a:t> </a:t>
+            </a:r>
+            <a:r>
+              <a:rPr lang="en-US" dirty="0" err="1" smtClean="0"/>
+              <a:t>anders</a:t>
+            </a:r>
+            <a:r>
+              <a:rPr lang="en-US" dirty="0" smtClean="0"/>
+              <a:t> </a:t>
+            </a:r>
+            <a:r>
+              <a:rPr lang="en-US" dirty="0" err="1" smtClean="0"/>
+              <a:t>aangegeven</a:t>
+            </a:r>
+            <a:r>
+              <a:rPr lang="en-US" dirty="0" smtClean="0"/>
+              <a:t> (dependencies)</a:t>
+            </a:r>
           </a:p>
           <a:p>
             <a:pPr lvl="1"/>
-            <a:r>
-              <a:rPr lang="nl-NL" dirty="0" err="1"/>
-              <a:t>salt</a:t>
-            </a:r>
-            <a:r>
-              <a:rPr lang="nl-NL" dirty="0"/>
-              <a:t>-call --</a:t>
-            </a:r>
-            <a:r>
-              <a:rPr lang="nl-NL" dirty="0" err="1"/>
-              <a:t>local</a:t>
-            </a:r>
-            <a:r>
-              <a:rPr lang="nl-NL" dirty="0"/>
+            <a:endParaRPr lang="en-US" dirty="0" smtClean="0"/>
+          </a:p>
+          <a:p>
+            <a:r>
+              <a:rPr lang="en-US" dirty="0" err="1" smtClean="0"/>
+              <a:t>Voorbeeld</a:t>
+            </a:r>
+            <a:r>
+              <a:rPr lang="en-US" dirty="0" smtClean="0"/>
+              <a:t>:</a:t>
+            </a:r>
+          </a:p>
+          <a:p>
+            <a:endParaRPr lang="en-US" dirty="0"/>
+          </a:p>
+          <a:p>
+            <a:pPr marL="109728" indent="0">
+              <a:buNone/>
+            </a:pPr>
+            <a:r>
+              <a:rPr lang="en-US" sz="1600" dirty="0" smtClean="0">
+                <a:latin typeface="Consolas" panose="020B0609020204030204" pitchFamily="49" charset="0"/>
+              </a:rPr>
+              <a:t>---</a:t>
+            </a:r>
+            <a:br>
+              <a:rPr lang="en-US" sz="1600" dirty="0" smtClean="0">
+                <a:latin typeface="Consolas" panose="020B0609020204030204" pitchFamily="49" charset="0"/>
+              </a:rPr>
+            </a:br>
+            <a:r>
+              <a:rPr lang="en-US" sz="1600" dirty="0" smtClean="0">
+                <a:latin typeface="Consolas" panose="020B0609020204030204" pitchFamily="49" charset="0"/>
+              </a:rPr>
+              <a:t>Setup </a:t>
+            </a:r>
+            <a:r>
+              <a:rPr lang="en-US" sz="1600" dirty="0" err="1" smtClean="0">
+                <a:latin typeface="Consolas" panose="020B0609020204030204" pitchFamily="49" charset="0"/>
+              </a:rPr>
+              <a:t>motd</a:t>
+            </a:r>
+            <a:r>
+              <a:rPr lang="en-US" sz="1600" dirty="0" smtClean="0">
+                <a:latin typeface="Consolas" panose="020B0609020204030204" pitchFamily="49" charset="0"/>
+              </a:rPr>
+              <a:t> file:</a:t>
+            </a:r>
+          </a:p>
+          <a:p>
+            <a:pPr marL="109728" indent="0">
+              <a:buNone/>
+            </a:pPr>
+            <a:r>
+              <a:rPr lang="en-US" sz="1600" dirty="0">
+                <a:latin typeface="Consolas" panose="020B0609020204030204" pitchFamily="49" charset="0"/>
+              </a:rPr>
               <a:t> </a:t>
             </a:r>
             <a:r>
-              <a:rPr lang="nl-NL" dirty="0" err="1" smtClean="0"/>
-              <a:t>state.apply</a:t>
-            </a:r>
-            <a:r>
-              <a:rPr lang="nl-NL" dirty="0" smtClean="0"/>
-              <a:t> &lt;state naam&gt;</a:t>
-            </a:r>
-          </a:p>
-          <a:p>
-            <a:pPr lvl="1"/>
-            <a:endParaRPr lang="en-US" dirty="0"/>
-          </a:p>
-          <a:p>
-            <a:r>
-              <a:rPr lang="en-US" dirty="0" err="1" smtClean="0"/>
-              <a:t>Voorbeeld</a:t>
-            </a:r>
-            <a:r>
-              <a:rPr lang="en-US" dirty="0" smtClean="0"/>
+              <a:rPr lang="en-US" sz="1600" dirty="0" smtClean="0">
+                <a:latin typeface="Consolas" panose="020B0609020204030204" pitchFamily="49" charset="0"/>
+              </a:rPr>
+              <a:t> </a:t>
+            </a:r>
+            <a:r>
+              <a:rPr lang="en-US" sz="1600" dirty="0" err="1" smtClean="0">
+                <a:latin typeface="Consolas" panose="020B0609020204030204" pitchFamily="49" charset="0"/>
+              </a:rPr>
+              <a:t>file.managed</a:t>
+            </a:r>
+            <a:r>
+              <a:rPr lang="en-US" sz="1600" dirty="0" smtClean="0">
+                <a:latin typeface="Consolas" panose="020B0609020204030204" pitchFamily="49" charset="0"/>
+              </a:rPr>
               <a:t>:</a:t>
             </a:r>
           </a:p>
           <a:p>
-            <a:pPr lvl="1"/>
-            <a:r>
-              <a:rPr lang="nl-NL" dirty="0" err="1"/>
-              <a:t>salt</a:t>
-            </a:r>
-            <a:r>
-              <a:rPr lang="nl-NL" dirty="0"/>
-              <a:t>-call --</a:t>
-            </a:r>
-            <a:r>
-              <a:rPr lang="nl-NL" dirty="0" err="1"/>
-              <a:t>local</a:t>
-            </a:r>
-            <a:r>
-              <a:rPr lang="nl-NL" dirty="0"/>
+            <a:pPr marL="109728" indent="0">
+              <a:buNone/>
+            </a:pPr>
+            <a:r>
+              <a:rPr lang="en-US" sz="1600" dirty="0">
+                <a:latin typeface="Consolas" panose="020B0609020204030204" pitchFamily="49" charset="0"/>
+              </a:rPr>
               <a:t> </a:t>
             </a:r>
             <a:r>
-              <a:rPr lang="nl-NL" dirty="0" err="1"/>
-              <a:t>state.apply</a:t>
-            </a:r>
-            <a:r>
-              <a:rPr lang="nl-NL" dirty="0"/>
+              <a:rPr lang="en-US" sz="1600" dirty="0" smtClean="0">
+                <a:latin typeface="Consolas" panose="020B0609020204030204" pitchFamily="49" charset="0"/>
+              </a:rPr>
+              <a:t>   - name: /</a:t>
+            </a:r>
+            <a:r>
+              <a:rPr lang="en-US" sz="1600" dirty="0" err="1" smtClean="0">
+                <a:latin typeface="Consolas" panose="020B0609020204030204" pitchFamily="49" charset="0"/>
+              </a:rPr>
+              <a:t>etc</a:t>
+            </a:r>
+            <a:r>
+              <a:rPr lang="en-US" sz="1600" dirty="0" smtClean="0">
+                <a:latin typeface="Consolas" panose="020B0609020204030204" pitchFamily="49" charset="0"/>
+              </a:rPr>
+              <a:t>/</a:t>
+            </a:r>
+            <a:r>
+              <a:rPr lang="en-US" sz="1600" dirty="0" err="1" smtClean="0">
+                <a:latin typeface="Consolas" panose="020B0609020204030204" pitchFamily="49" charset="0"/>
+              </a:rPr>
+              <a:t>motd</a:t>
+            </a:r>
+            <a:endParaRPr lang="en-US" sz="1600" dirty="0" smtClean="0">
+              <a:latin typeface="Consolas" panose="020B0609020204030204" pitchFamily="49" charset="0"/>
+            </a:endParaRPr>
+          </a:p>
+          <a:p>
+            <a:pPr marL="109728" indent="0">
+              <a:buNone/>
+            </a:pPr>
+            <a:r>
+              <a:rPr lang="en-US" sz="1600" dirty="0">
+                <a:latin typeface="Consolas" panose="020B0609020204030204" pitchFamily="49" charset="0"/>
+              </a:rPr>
               <a:t> </a:t>
             </a:r>
             <a:r>
-              <a:rPr lang="nl-NL" dirty="0" err="1"/>
-              <a:t>my</a:t>
-            </a:r>
-            <a:r>
-              <a:rPr lang="nl-NL" dirty="0"/>
-              <a:t>-first-state</a:t>
-            </a:r>
+              <a:rPr lang="en-US" sz="1600" dirty="0" smtClean="0">
+                <a:latin typeface="Consolas" panose="020B0609020204030204" pitchFamily="49" charset="0"/>
+              </a:rPr>
+              <a:t>   - contents: “Hello from my machine!”</a:t>
+            </a:r>
+            <a:endParaRPr lang="nl-NL" sz="1600" dirty="0">
+              <a:latin typeface="Consolas" panose="020B0609020204030204" pitchFamily="49" charset="0"/>
+            </a:endParaRPr>
           </a:p>
         </p:txBody>
       </p:sp>
     </p:spTree>
     <p:extLst>
       <p:ext uri="{BB962C8B-B14F-4D97-AF65-F5344CB8AC3E}">
-        <p14:creationId xmlns:p14="http://schemas.microsoft.com/office/powerpoint/2010/main" val="2594138897"/>
+        <p14:creationId xmlns:p14="http://schemas.microsoft.com/office/powerpoint/2010/main" val="1160381725"/>
       </p:ext>
     </p:extLst>
   </p:cSld>
@@ -6750,7 +6721,31 @@
           <a:p>
             <a:r>
               <a:rPr lang="en-US" dirty="0" smtClean="0"/>
-              <a:t>Top File</a:t>
+              <a:t>Lab </a:t>
+            </a:r>
+            <a:r>
+              <a:rPr lang="en-US" dirty="0" smtClean="0"/>
+              <a:t>02 </a:t>
+            </a:r>
+            <a:r>
+              <a:rPr lang="en-US" dirty="0" smtClean="0"/>
+              <a:t>– </a:t>
+            </a:r>
+            <a:r>
+              <a:rPr lang="en-US" dirty="0" err="1" smtClean="0"/>
+              <a:t>Lokale</a:t>
+            </a:r>
+            <a:r>
+              <a:rPr lang="en-US" dirty="0" smtClean="0"/>
+              <a:t> State (~ 5 </a:t>
+            </a:r>
+            <a:r>
+              <a:rPr lang="en-US" dirty="0" err="1" smtClean="0"/>
+              <a:t>minuten</a:t>
+            </a:r>
+            <a:r>
+              <a:rPr lang="en-US" dirty="0" smtClean="0"/>
+              <a:t>)</a:t>
             </a:r>
             <a:endParaRPr lang="nl-NL" dirty="0"/>
           </a:p>
@@ -6768,174 +6763,155 @@
         </p:nvSpPr>
         <p:spPr/>
         <p:txBody>
-          <a:bodyPr>
-            <a:normAutofit fontScale="92500" lnSpcReduction="10000"/>
-          </a:bodyPr>
+          <a:bodyPr/>
           <a:lstStyle/>
           <a:p>
             <a:r>
               <a:rPr lang="en-US" dirty="0" err="1" smtClean="0"/>
-              <a:t>Verzameling</a:t>
-            </a:r>
-            <a:r>
-              <a:rPr lang="en-US" dirty="0" smtClean="0"/>
-              <a:t> van State files per “Environment”</a:t>
-            </a:r>
-          </a:p>
-          <a:p>
+              <a:t>Lijst</a:t>
+            </a:r>
+            <a:r>
+              <a:rPr lang="en-US" dirty="0" smtClean="0"/>
+              <a:t> met states </a:t>
+            </a:r>
+            <a:r>
+              <a:rPr lang="en-US" dirty="0" err="1" smtClean="0"/>
+              <a:t>bekijken</a:t>
+            </a:r>
+            <a:endParaRPr lang="nl-NL" dirty="0" smtClean="0"/>
+          </a:p>
+          <a:p>
+            <a:pPr lvl="1"/>
+            <a:r>
+              <a:rPr lang="nl-NL" dirty="0" err="1" smtClean="0"/>
+              <a:t>salt</a:t>
+            </a:r>
+            <a:r>
+              <a:rPr lang="nl-NL" dirty="0" smtClean="0"/>
+              <a:t>-call </a:t>
+            </a:r>
+            <a:r>
+              <a:rPr lang="nl-NL" dirty="0"/>
+              <a:t>--</a:t>
+            </a:r>
+            <a:r>
+              <a:rPr lang="nl-NL" dirty="0" err="1"/>
+              <a:t>local</a:t>
+            </a:r>
+            <a:r>
+              <a:rPr lang="nl-NL" dirty="0"/>
+              <a:t> </a:t>
+            </a:r>
+            <a:r>
+              <a:rPr lang="nl-NL" dirty="0" err="1"/>
+              <a:t>state.show_sls</a:t>
+            </a:r>
+            <a:r>
+              <a:rPr lang="nl-NL" dirty="0"/>
+              <a:t> </a:t>
+            </a:r>
+            <a:r>
+              <a:rPr lang="nl-NL" dirty="0" smtClean="0"/>
+              <a:t>\*</a:t>
+            </a:r>
+          </a:p>
+          <a:p>
+            <a:r>
+              <a:rPr lang="en-US" dirty="0" err="1" smtClean="0"/>
+              <a:t>Lokale</a:t>
+            </a:r>
+            <a:r>
+              <a:rPr lang="en-US" dirty="0" smtClean="0"/>
+              <a:t> state </a:t>
+            </a:r>
+            <a:r>
+              <a:rPr lang="en-US" dirty="0" err="1" smtClean="0"/>
+              <a:t>uitvoeren</a:t>
+            </a:r>
+            <a:endParaRPr lang="nl-NL" dirty="0" smtClean="0"/>
+          </a:p>
+          <a:p>
+            <a:pPr lvl="1"/>
+            <a:r>
+              <a:rPr lang="nl-NL" dirty="0" err="1"/>
+              <a:t>salt</a:t>
+            </a:r>
+            <a:r>
+              <a:rPr lang="nl-NL" dirty="0"/>
+              <a:t>-call --</a:t>
+            </a:r>
+            <a:r>
+              <a:rPr lang="nl-NL" dirty="0" err="1"/>
+              <a:t>local</a:t>
+            </a:r>
+            <a:r>
+              <a:rPr lang="nl-NL" dirty="0"/>
+              <a:t> </a:t>
+            </a:r>
+            <a:r>
+              <a:rPr lang="nl-NL" dirty="0" err="1" smtClean="0"/>
+              <a:t>state.apply</a:t>
+            </a:r>
+            <a:r>
+              <a:rPr lang="nl-NL" dirty="0" smtClean="0"/>
+              <a:t> &lt;state naam&gt;</a:t>
+            </a:r>
+          </a:p>
+          <a:p>
+            <a:pPr lvl="1"/>
             <a:endParaRPr lang="en-US" dirty="0"/>
           </a:p>
           <a:p>
             <a:r>
-              <a:rPr lang="en-US" dirty="0" smtClean="0"/>
-              <a:t>Syntax:</a:t>
-            </a:r>
-            <a:endParaRPr lang="en-US" dirty="0"/>
-          </a:p>
-          <a:p>
-            <a:pPr marL="109728" indent="0">
-              <a:buNone/>
-            </a:pPr>
-            <a:r>
-              <a:rPr lang="en-US" sz="1800" dirty="0" smtClean="0">
-                <a:latin typeface="Consolas" panose="020B0609020204030204" pitchFamily="49" charset="0"/>
-              </a:rPr>
-              <a:t>---</a:t>
-            </a:r>
-          </a:p>
-          <a:p>
-            <a:pPr marL="109728" indent="0">
-              <a:buNone/>
-            </a:pPr>
-            <a:r>
-              <a:rPr lang="en-US" sz="1800" dirty="0" smtClean="0">
-                <a:latin typeface="Consolas" panose="020B0609020204030204" pitchFamily="49" charset="0"/>
-              </a:rPr>
-              <a:t>&lt;environment&gt;:</a:t>
-            </a:r>
-          </a:p>
-          <a:p>
-            <a:pPr marL="109728" indent="0">
-              <a:buNone/>
-            </a:pPr>
-            <a:r>
-              <a:rPr lang="en-US" sz="1800" dirty="0">
-                <a:latin typeface="Consolas" panose="020B0609020204030204" pitchFamily="49" charset="0"/>
-              </a:rPr>
+              <a:rPr lang="en-US" dirty="0" err="1" smtClean="0"/>
+              <a:t>Voorbeeld</a:t>
+            </a:r>
+            <a:r>
+              <a:rPr lang="en-US" dirty="0" smtClean="0"/>
+              <a:t>:</a:t>
+            </a:r>
+          </a:p>
+          <a:p>
+            <a:pPr lvl="1"/>
+            <a:r>
+              <a:rPr lang="nl-NL" dirty="0" err="1"/>
+              <a:t>salt</a:t>
+            </a:r>
+            <a:r>
+              <a:rPr lang="nl-NL" dirty="0"/>
+              <a:t>-call --</a:t>
+            </a:r>
+            <a:r>
+              <a:rPr lang="nl-NL" dirty="0" err="1"/>
+              <a:t>local</a:t>
+            </a:r>
+            <a:r>
+              <a:rPr lang="nl-NL" dirty="0"/>
               <a:t> </a:t>
             </a:r>
             <a:r>
-              <a:rPr lang="en-US" sz="1800" dirty="0" smtClean="0">
-                <a:latin typeface="Consolas" panose="020B0609020204030204" pitchFamily="49" charset="0"/>
-              </a:rPr>
-              <a:t> ‘&lt;wildcard&gt;’:</a:t>
-            </a:r>
-          </a:p>
-          <a:p>
-            <a:pPr marL="109728" indent="0">
-              <a:buNone/>
-            </a:pPr>
-            <a:r>
-              <a:rPr lang="en-US" sz="1800" dirty="0">
-                <a:latin typeface="Consolas" panose="020B0609020204030204" pitchFamily="49" charset="0"/>
-              </a:rPr>
+              <a:rPr lang="nl-NL" dirty="0" err="1"/>
+              <a:t>state.apply</a:t>
+            </a:r>
+            <a:r>
+              <a:rPr lang="nl-NL" dirty="0"/>
               <a:t> </a:t>
             </a:r>
             <a:r>
-              <a:rPr lang="en-US" sz="1800" dirty="0" smtClean="0">
-                <a:latin typeface="Consolas" panose="020B0609020204030204" pitchFamily="49" charset="0"/>
-              </a:rPr>
-              <a:t>   - &lt;state&gt;</a:t>
-            </a:r>
-          </a:p>
-          <a:p>
-            <a:endParaRPr lang="en-US" dirty="0" smtClean="0"/>
-          </a:p>
-          <a:p>
-            <a:r>
-              <a:rPr lang="en-US" dirty="0" err="1" smtClean="0"/>
-              <a:t>Voorbeeld</a:t>
-            </a:r>
-            <a:r>
-              <a:rPr lang="en-US" dirty="0" smtClean="0"/>
-              <a:t>:</a:t>
-            </a:r>
-            <a:endParaRPr lang="en-US" dirty="0"/>
-          </a:p>
-          <a:p>
-            <a:pPr marL="109728" indent="0">
-              <a:buNone/>
-            </a:pPr>
-            <a:r>
-              <a:rPr lang="en-US" sz="1900" dirty="0">
-                <a:latin typeface="Consolas" panose="020B0609020204030204" pitchFamily="49" charset="0"/>
-              </a:rPr>
-              <a:t>---</a:t>
-            </a:r>
-          </a:p>
-          <a:p>
-            <a:pPr marL="109728" indent="0">
-              <a:buNone/>
-            </a:pPr>
-            <a:r>
-              <a:rPr lang="en-US" sz="1900" dirty="0" smtClean="0">
-                <a:latin typeface="Consolas" panose="020B0609020204030204" pitchFamily="49" charset="0"/>
-              </a:rPr>
-              <a:t>base:</a:t>
-            </a:r>
-            <a:endParaRPr lang="en-US" sz="1900" dirty="0">
-              <a:latin typeface="Consolas" panose="020B0609020204030204" pitchFamily="49" charset="0"/>
-            </a:endParaRPr>
-          </a:p>
-          <a:p>
-            <a:pPr marL="109728" indent="0">
-              <a:buNone/>
-            </a:pPr>
-            <a:r>
-              <a:rPr lang="en-US" sz="1900" dirty="0">
-                <a:latin typeface="Consolas" panose="020B0609020204030204" pitchFamily="49" charset="0"/>
-              </a:rPr>
-              <a:t>  </a:t>
-            </a:r>
-            <a:r>
-              <a:rPr lang="en-US" sz="1900" dirty="0" smtClean="0">
-                <a:latin typeface="Consolas" panose="020B0609020204030204" pitchFamily="49" charset="0"/>
-              </a:rPr>
-              <a:t>‘*’:</a:t>
-            </a:r>
-            <a:endParaRPr lang="en-US" sz="1900" dirty="0">
-              <a:latin typeface="Consolas" panose="020B0609020204030204" pitchFamily="49" charset="0"/>
-            </a:endParaRPr>
-          </a:p>
-          <a:p>
-            <a:pPr marL="109728" indent="0">
-              <a:buNone/>
-            </a:pPr>
-            <a:r>
-              <a:rPr lang="en-US" sz="1900" dirty="0">
-                <a:latin typeface="Consolas" panose="020B0609020204030204" pitchFamily="49" charset="0"/>
-              </a:rPr>
-              <a:t>    - </a:t>
-            </a:r>
-            <a:r>
-              <a:rPr lang="en-US" sz="1900" dirty="0" smtClean="0">
-                <a:latin typeface="Consolas" panose="020B0609020204030204" pitchFamily="49" charset="0"/>
-              </a:rPr>
-              <a:t>my-first-state</a:t>
-            </a:r>
-            <a:endParaRPr lang="en-US" sz="1900" dirty="0">
-              <a:latin typeface="Consolas" panose="020B0609020204030204" pitchFamily="49" charset="0"/>
-            </a:endParaRPr>
-          </a:p>
-          <a:p>
-            <a:endParaRPr lang="nl-NL" dirty="0"/>
+              <a:rPr lang="nl-NL" dirty="0" err="1"/>
+              <a:t>my</a:t>
+            </a:r>
+            <a:r>
+              <a:rPr lang="nl-NL" dirty="0"/>
+              <a:t>-first-state</a:t>
+            </a:r>
           </a:p>
         </p:txBody>
       </p:sp>
     </p:spTree>
     <p:extLst>
       <p:ext uri="{BB962C8B-B14F-4D97-AF65-F5344CB8AC3E}">
-        <p14:creationId xmlns:p14="http://schemas.microsoft.com/office/powerpoint/2010/main" val="327470050"/>
+        <p14:creationId xmlns:p14="http://schemas.microsoft.com/office/powerpoint/2010/main" val="2594138897"/>
       </p:ext>
     </p:extLst>
   </p:cSld>
@@ -6998,11 +6974,7 @@
           <a:p>
             <a:r>
               <a:rPr lang="en-US" dirty="0" smtClean="0"/>
-              <a:t>Top File - </a:t>
-            </a:r>
-            <a:r>
-              <a:rPr lang="en-US" dirty="0" err="1" smtClean="0"/>
-              <a:t>Vervolg</a:t>
+              <a:t>Top File</a:t>
             </a:r>
             <a:endParaRPr lang="nl-NL" dirty="0"/>
           </a:p>
@@ -7021,38 +6993,35 @@
         <p:spPr/>
         <p:txBody>
           <a:bodyPr>
-            <a:normAutofit fontScale="25000" lnSpcReduction="20000"/>
+            <a:normAutofit fontScale="92500" lnSpcReduction="10000"/>
           </a:bodyPr>
           <a:lstStyle/>
           <a:p>
             <a:r>
-              <a:rPr lang="en-US" sz="7200" dirty="0" err="1" smtClean="0"/>
-              <a:t>Uitgebreid</a:t>
-            </a:r>
-            <a:r>
-              <a:rPr lang="en-US" sz="7200" dirty="0" smtClean="0"/>
-              <a:t> </a:t>
-            </a:r>
-            <a:r>
-              <a:rPr lang="en-US" sz="7200" dirty="0" err="1"/>
-              <a:t>v</a:t>
-            </a:r>
-            <a:r>
-              <a:rPr lang="en-US" sz="7200" dirty="0" err="1" smtClean="0"/>
-              <a:t>oorbeeld</a:t>
-            </a:r>
-            <a:r>
-              <a:rPr lang="en-US" sz="7200" dirty="0" smtClean="0"/>
-              <a:t>:</a:t>
-            </a:r>
-            <a:endParaRPr lang="en-US" sz="7200" dirty="0"/>
+              <a:rPr lang="en-US" dirty="0" err="1" smtClean="0"/>
+              <a:t>Verzameling</a:t>
+            </a:r>
+            <a:r>
+              <a:rPr lang="en-US" dirty="0" smtClean="0"/>
+              <a:t> van State files per “Environment”</a:t>
+            </a:r>
+          </a:p>
+          <a:p>
+            <a:endParaRPr lang="en-US" dirty="0"/>
+          </a:p>
+          <a:p>
+            <a:r>
+              <a:rPr lang="en-US" dirty="0" smtClean="0"/>
+              <a:t>Syntax:</a:t>
+            </a:r>
+            <a:endParaRPr lang="en-US" dirty="0"/>
           </a:p>
           <a:p>
             <a:pPr marL="109728" indent="0">
               <a:buNone/>
             </a:pPr>
             <a:r>
-              <a:rPr lang="en-US" sz="3600" dirty="0">
+              <a:rPr lang="en-US" sz="1800" dirty="0" smtClean="0">
                 <a:latin typeface="Consolas" panose="020B0609020204030204" pitchFamily="49" charset="0"/>
               </a:rPr>
               <a:t>---</a:t>
@@ -7063,494 +7032,122 @@
               <a:buNone/>
             </a:pPr>
             <a:r>
-              <a:rPr lang="en-US" sz="3600" dirty="0" smtClean="0">
+              <a:rPr lang="en-US" sz="1800" dirty="0" smtClean="0">
+                <a:latin typeface="Consolas" panose="020B0609020204030204" pitchFamily="49" charset="0"/>
+              </a:rPr>
+              <a:t>&lt;environment&gt;:</a:t>
+            </a:r>
+          </a:p>
+          <a:p>
+            <a:pPr marL="109728" indent="0">
+              <a:buNone/>
+            </a:pPr>
+            <a:r>
+              <a:rPr lang="en-US" sz="1800" dirty="0">
+                <a:latin typeface="Consolas" panose="020B0609020204030204" pitchFamily="49" charset="0"/>
+              </a:rPr>
+              <a:t> </a:t>
+            </a:r>
+            <a:r>
+              <a:rPr lang="en-US" sz="1800" dirty="0" smtClean="0">
+                <a:latin typeface="Consolas" panose="020B0609020204030204" pitchFamily="49" charset="0"/>
+              </a:rPr>
+              <a:t> ‘&lt;wildcard&gt;’:</a:t>
+            </a:r>
+          </a:p>
+          <a:p>
+            <a:pPr marL="109728" indent="0">
+              <a:buNone/>
+            </a:pPr>
+            <a:r>
+              <a:rPr lang="en-US" sz="1800" dirty="0">
+                <a:latin typeface="Consolas" panose="020B0609020204030204" pitchFamily="49" charset="0"/>
+              </a:rPr>
+              <a:t> </a:t>
+            </a:r>
+            <a:r>
+              <a:rPr lang="en-US" sz="1800" dirty="0" smtClean="0">
+                <a:latin typeface="Consolas" panose="020B0609020204030204" pitchFamily="49" charset="0"/>
+              </a:rPr>
+              <a:t>   - &lt;state&gt;</a:t>
+            </a:r>
+          </a:p>
+          <a:p>
+            <a:endParaRPr lang="en-US" dirty="0" smtClean="0"/>
+          </a:p>
+          <a:p>
+            <a:r>
+              <a:rPr lang="en-US" dirty="0" err="1" smtClean="0"/>
+              <a:t>Voorbeeld</a:t>
+            </a:r>
+            <a:r>
+              <a:rPr lang="en-US" dirty="0" smtClean="0"/>
+              <a:t>:</a:t>
+            </a:r>
+            <a:endParaRPr lang="en-US" dirty="0"/>
+          </a:p>
+          <a:p>
+            <a:pPr marL="109728" indent="0">
+              <a:buNone/>
+            </a:pPr>
+            <a:r>
+              <a:rPr lang="en-US" sz="1900" dirty="0">
+                <a:latin typeface="Consolas" panose="020B0609020204030204" pitchFamily="49" charset="0"/>
+              </a:rPr>
+              <a:t>---</a:t>
+            </a:r>
+          </a:p>
+          <a:p>
+            <a:pPr marL="109728" indent="0">
+              <a:buNone/>
+            </a:pPr>
+            <a:r>
+              <a:rPr lang="en-US" sz="1900" dirty="0" smtClean="0">
                 <a:latin typeface="Consolas" panose="020B0609020204030204" pitchFamily="49" charset="0"/>
               </a:rPr>
               <a:t>base:</a:t>
             </a:r>
+            <a:endParaRPr lang="en-US" sz="1900" dirty="0">
+              <a:latin typeface="Consolas" panose="020B0609020204030204" pitchFamily="49" charset="0"/>
+            </a:endParaRPr>
           </a:p>
           <a:p>
             <a:pPr marL="109728" indent="0">
               <a:buNone/>
             </a:pPr>
             <a:r>
-              <a:rPr lang="en-US" sz="3600" dirty="0">
+              <a:rPr lang="en-US" sz="1900" dirty="0">
                 <a:latin typeface="Consolas" panose="020B0609020204030204" pitchFamily="49" charset="0"/>
               </a:rPr>
-              <a:t> </a:t>
-            </a:r>
-            <a:r>
-              <a:rPr lang="en-US" sz="3600" dirty="0" smtClean="0">
+              <a:t>  </a:t>
+            </a:r>
+            <a:r>
+              <a:rPr lang="en-US" sz="1900" dirty="0" smtClean="0">
                 <a:latin typeface="Consolas" panose="020B0609020204030204" pitchFamily="49" charset="0"/>
               </a:rPr>
-              <a:t> ‘*’:</a:t>
-            </a:r>
+              <a:t>‘*’:</a:t>
+            </a:r>
+            <a:endParaRPr lang="en-US" sz="1900" dirty="0">
+              <a:latin typeface="Consolas" panose="020B0609020204030204" pitchFamily="49" charset="0"/>
+            </a:endParaRPr>
           </a:p>
           <a:p>
             <a:pPr marL="109728" indent="0">
               <a:buNone/>
             </a:pPr>
             <a:r>
-              <a:rPr lang="en-US" sz="3600" dirty="0">
-                <a:latin typeface="Consolas" panose="020B0609020204030204" pitchFamily="49" charset="0"/>
-              </a:rPr>
-              <a:t> </a:t>
-            </a:r>
-            <a:r>
-              <a:rPr lang="en-US" sz="3600" dirty="0" smtClean="0">
-                <a:latin typeface="Consolas" panose="020B0609020204030204" pitchFamily="49" charset="0"/>
-              </a:rPr>
-              <a:t>   - users</a:t>
-            </a:r>
-            <a:endParaRPr lang="en-US" sz="3600" dirty="0">
-              <a:latin typeface="Consolas" panose="020B0609020204030204" pitchFamily="49" charset="0"/>
-            </a:endParaRPr>
-          </a:p>
-          <a:p>
-            <a:pPr marL="109728" indent="0">
-              <a:buNone/>
-            </a:pPr>
-            <a:r>
-              <a:rPr lang="en-US" sz="3600" dirty="0">
-                <a:latin typeface="Consolas" panose="020B0609020204030204" pitchFamily="49" charset="0"/>
-              </a:rPr>
-              <a:t>  </a:t>
-            </a:r>
-            <a:r>
-              <a:rPr lang="en-US" sz="3600" dirty="0" smtClean="0">
-                <a:latin typeface="Consolas" panose="020B0609020204030204" pitchFamily="49" charset="0"/>
-              </a:rPr>
-              <a:t>‘web-*’:</a:t>
-            </a:r>
-            <a:endParaRPr lang="en-US" sz="3600" dirty="0">
-              <a:latin typeface="Consolas" panose="020B0609020204030204" pitchFamily="49" charset="0"/>
-            </a:endParaRPr>
-          </a:p>
-          <a:p>
-            <a:pPr marL="109728" indent="0">
-              <a:buNone/>
-            </a:pPr>
-            <a:r>
-              <a:rPr lang="en-US" sz="3600" dirty="0">
+              <a:rPr lang="en-US" sz="1900" dirty="0">
                 <a:latin typeface="Consolas" panose="020B0609020204030204" pitchFamily="49" charset="0"/>
               </a:rPr>
               <a:t>    - </a:t>
             </a:r>
             <a:r>
-              <a:rPr lang="en-US" sz="3600" dirty="0" smtClean="0">
+              <a:rPr lang="en-US" sz="1900" dirty="0" smtClean="0">
                 <a:latin typeface="Consolas" panose="020B0609020204030204" pitchFamily="49" charset="0"/>
               </a:rPr>
-              <a:t>webserver</a:t>
-            </a:r>
-          </a:p>
-          <a:p>
-            <a:pPr marL="109728" indent="0">
-              <a:buNone/>
-            </a:pPr>
-            <a:r>
-              <a:rPr lang="en-US" sz="3600" dirty="0">
-                <a:latin typeface="Consolas" panose="020B0609020204030204" pitchFamily="49" charset="0"/>
-              </a:rPr>
-              <a:t> </a:t>
-            </a:r>
-            <a:r>
-              <a:rPr lang="en-US" sz="3600" dirty="0" smtClean="0">
-                <a:latin typeface="Consolas" panose="020B0609020204030204" pitchFamily="49" charset="0"/>
-              </a:rPr>
-              <a:t> ‘</a:t>
-            </a:r>
-            <a:r>
-              <a:rPr lang="en-US" sz="3600" dirty="0" err="1" smtClean="0">
-                <a:latin typeface="Consolas" panose="020B0609020204030204" pitchFamily="49" charset="0"/>
-              </a:rPr>
-              <a:t>db</a:t>
-            </a:r>
-            <a:r>
-              <a:rPr lang="en-US" sz="3600" dirty="0" smtClean="0">
-                <a:latin typeface="Consolas" panose="020B0609020204030204" pitchFamily="49" charset="0"/>
-              </a:rPr>
-              <a:t>-*’:</a:t>
-            </a:r>
-          </a:p>
-          <a:p>
-            <a:pPr marL="109728" indent="0">
-              <a:buNone/>
-            </a:pPr>
-            <a:r>
-              <a:rPr lang="en-US" sz="3600" dirty="0">
-                <a:latin typeface="Consolas" panose="020B0609020204030204" pitchFamily="49" charset="0"/>
-              </a:rPr>
-              <a:t> </a:t>
-            </a:r>
-            <a:r>
-              <a:rPr lang="en-US" sz="3600" dirty="0" smtClean="0">
-                <a:latin typeface="Consolas" panose="020B0609020204030204" pitchFamily="49" charset="0"/>
-              </a:rPr>
-              <a:t>   - </a:t>
-            </a:r>
-            <a:r>
-              <a:rPr lang="en-US" sz="3600" dirty="0" err="1" smtClean="0">
-                <a:latin typeface="Consolas" panose="020B0609020204030204" pitchFamily="49" charset="0"/>
-              </a:rPr>
-              <a:t>databaseserver</a:t>
-            </a:r>
-            <a:endParaRPr lang="en-US" sz="3600" dirty="0" smtClean="0">
-              <a:latin typeface="Consolas" panose="020B0609020204030204" pitchFamily="49" charset="0"/>
-            </a:endParaRPr>
-          </a:p>
-          <a:p>
-            <a:pPr marL="109728" indent="0">
-              <a:buNone/>
-            </a:pPr>
-            <a:r>
-              <a:rPr lang="en-US" sz="3600" dirty="0">
-                <a:latin typeface="Consolas" panose="020B0609020204030204" pitchFamily="49" charset="0"/>
-              </a:rPr>
-              <a:t> </a:t>
-            </a:r>
-            <a:r>
-              <a:rPr lang="en-US" sz="3600" dirty="0" smtClean="0">
-                <a:latin typeface="Consolas" panose="020B0609020204030204" pitchFamily="49" charset="0"/>
-              </a:rPr>
-              <a:t> ‘file-*’:</a:t>
-            </a:r>
-          </a:p>
-          <a:p>
-            <a:pPr marL="109728" indent="0">
-              <a:buNone/>
-            </a:pPr>
-            <a:r>
-              <a:rPr lang="en-US" sz="3600" dirty="0">
-                <a:latin typeface="Consolas" panose="020B0609020204030204" pitchFamily="49" charset="0"/>
-              </a:rPr>
-              <a:t> </a:t>
-            </a:r>
-            <a:r>
-              <a:rPr lang="en-US" sz="3600" dirty="0" smtClean="0">
-                <a:latin typeface="Consolas" panose="020B0609020204030204" pitchFamily="49" charset="0"/>
-              </a:rPr>
-              <a:t>   - fileserver</a:t>
-            </a:r>
-          </a:p>
-          <a:p>
-            <a:pPr marL="109728" indent="0">
-              <a:buNone/>
-            </a:pPr>
-            <a:r>
-              <a:rPr lang="en-US" sz="3600" dirty="0" smtClean="0">
-                <a:latin typeface="Consolas" panose="020B0609020204030204" pitchFamily="49" charset="0"/>
-              </a:rPr>
-              <a:t>test:</a:t>
-            </a:r>
-          </a:p>
-          <a:p>
-            <a:pPr marL="109728" indent="0">
-              <a:buNone/>
-            </a:pPr>
-            <a:r>
-              <a:rPr lang="en-US" sz="3600" dirty="0">
-                <a:latin typeface="Consolas" panose="020B0609020204030204" pitchFamily="49" charset="0"/>
-              </a:rPr>
-              <a:t> </a:t>
-            </a:r>
-            <a:r>
-              <a:rPr lang="en-US" sz="3600" dirty="0" smtClean="0">
-                <a:latin typeface="Consolas" panose="020B0609020204030204" pitchFamily="49" charset="0"/>
-              </a:rPr>
-              <a:t> ‘*’:</a:t>
-            </a:r>
-          </a:p>
-          <a:p>
-            <a:pPr marL="109728" indent="0">
-              <a:buNone/>
-            </a:pPr>
-            <a:r>
-              <a:rPr lang="en-US" sz="3600" dirty="0">
-                <a:latin typeface="Consolas" panose="020B0609020204030204" pitchFamily="49" charset="0"/>
-              </a:rPr>
-              <a:t> </a:t>
-            </a:r>
-            <a:r>
-              <a:rPr lang="en-US" sz="3600" dirty="0" smtClean="0">
-                <a:latin typeface="Consolas" panose="020B0609020204030204" pitchFamily="49" charset="0"/>
-              </a:rPr>
-              <a:t>   - </a:t>
-            </a:r>
-            <a:r>
-              <a:rPr lang="en-US" sz="3600" dirty="0" err="1" smtClean="0">
-                <a:latin typeface="Consolas" panose="020B0609020204030204" pitchFamily="49" charset="0"/>
-              </a:rPr>
-              <a:t>testusers</a:t>
-            </a:r>
-            <a:endParaRPr lang="en-US" sz="3600" dirty="0" smtClean="0">
-              <a:latin typeface="Consolas" panose="020B0609020204030204" pitchFamily="49" charset="0"/>
-            </a:endParaRPr>
-          </a:p>
-          <a:p>
-            <a:pPr marL="109728" indent="0">
-              <a:buNone/>
-            </a:pPr>
-            <a:r>
-              <a:rPr lang="en-US" sz="3600" dirty="0">
-                <a:latin typeface="Consolas" panose="020B0609020204030204" pitchFamily="49" charset="0"/>
-              </a:rPr>
-              <a:t> </a:t>
-            </a:r>
-            <a:r>
-              <a:rPr lang="en-US" sz="3600" dirty="0" smtClean="0">
-                <a:latin typeface="Consolas" panose="020B0609020204030204" pitchFamily="49" charset="0"/>
-              </a:rPr>
-              <a:t> ‘</a:t>
-            </a:r>
-            <a:r>
-              <a:rPr lang="en-US" sz="3600" dirty="0">
-                <a:latin typeface="Consolas" panose="020B0609020204030204" pitchFamily="49" charset="0"/>
-              </a:rPr>
-              <a:t>web-*’:</a:t>
-            </a:r>
-          </a:p>
-          <a:p>
-            <a:pPr marL="109728" indent="0">
-              <a:buNone/>
-            </a:pPr>
-            <a:r>
-              <a:rPr lang="en-US" sz="3600" dirty="0">
-                <a:latin typeface="Consolas" panose="020B0609020204030204" pitchFamily="49" charset="0"/>
-              </a:rPr>
-              <a:t>    - webserver</a:t>
-            </a:r>
-          </a:p>
-          <a:p>
-            <a:pPr marL="109728" indent="0">
-              <a:buNone/>
-            </a:pPr>
-            <a:r>
-              <a:rPr lang="en-US" sz="3600" dirty="0">
-                <a:latin typeface="Consolas" panose="020B0609020204030204" pitchFamily="49" charset="0"/>
-              </a:rPr>
-              <a:t>  ‘</a:t>
-            </a:r>
-            <a:r>
-              <a:rPr lang="en-US" sz="3600" dirty="0" err="1">
-                <a:latin typeface="Consolas" panose="020B0609020204030204" pitchFamily="49" charset="0"/>
-              </a:rPr>
-              <a:t>db</a:t>
-            </a:r>
-            <a:r>
-              <a:rPr lang="en-US" sz="3600" dirty="0">
-                <a:latin typeface="Consolas" panose="020B0609020204030204" pitchFamily="49" charset="0"/>
-              </a:rPr>
-              <a:t>-*’:</a:t>
-            </a:r>
-          </a:p>
-          <a:p>
-            <a:pPr marL="109728" indent="0">
-              <a:buNone/>
-            </a:pPr>
-            <a:r>
-              <a:rPr lang="en-US" sz="3600" dirty="0">
-                <a:latin typeface="Consolas" panose="020B0609020204030204" pitchFamily="49" charset="0"/>
-              </a:rPr>
-              <a:t>    - </a:t>
-            </a:r>
-            <a:r>
-              <a:rPr lang="en-US" sz="3600" dirty="0" err="1">
-                <a:latin typeface="Consolas" panose="020B0609020204030204" pitchFamily="49" charset="0"/>
-              </a:rPr>
-              <a:t>databaseserver</a:t>
-            </a:r>
-            <a:endParaRPr lang="en-US" sz="3600" dirty="0">
-              <a:latin typeface="Consolas" panose="020B0609020204030204" pitchFamily="49" charset="0"/>
-            </a:endParaRPr>
-          </a:p>
-          <a:p>
-            <a:pPr marL="109728" indent="0">
-              <a:buNone/>
-            </a:pPr>
-            <a:r>
-              <a:rPr lang="en-US" sz="3600" dirty="0">
-                <a:latin typeface="Consolas" panose="020B0609020204030204" pitchFamily="49" charset="0"/>
-              </a:rPr>
-              <a:t>  ‘file-*’:</a:t>
-            </a:r>
-          </a:p>
-          <a:p>
-            <a:pPr marL="109728" indent="0">
-              <a:buNone/>
-            </a:pPr>
-            <a:r>
-              <a:rPr lang="en-US" sz="3600" dirty="0">
-                <a:latin typeface="Consolas" panose="020B0609020204030204" pitchFamily="49" charset="0"/>
-              </a:rPr>
-              <a:t>    - </a:t>
-            </a:r>
-            <a:r>
-              <a:rPr lang="en-US" sz="3600" dirty="0" smtClean="0">
-                <a:latin typeface="Consolas" panose="020B0609020204030204" pitchFamily="49" charset="0"/>
-              </a:rPr>
-              <a:t>fileserver</a:t>
-            </a:r>
-          </a:p>
-          <a:p>
-            <a:pPr marL="109728" indent="0">
-              <a:buNone/>
-            </a:pPr>
-            <a:r>
-              <a:rPr lang="en-US" sz="3600" dirty="0" smtClean="0">
-                <a:latin typeface="Consolas" panose="020B0609020204030204" pitchFamily="49" charset="0"/>
-              </a:rPr>
-              <a:t>prod:</a:t>
-            </a:r>
-            <a:endParaRPr lang="en-US" sz="3600" dirty="0">
-              <a:latin typeface="Consolas" panose="020B0609020204030204" pitchFamily="49" charset="0"/>
-            </a:endParaRPr>
-          </a:p>
-          <a:p>
-            <a:pPr marL="109728" indent="0">
-              <a:buNone/>
-            </a:pPr>
-            <a:r>
-              <a:rPr lang="en-US" sz="3600" dirty="0">
-                <a:latin typeface="Consolas" panose="020B0609020204030204" pitchFamily="49" charset="0"/>
-              </a:rPr>
-              <a:t>  ‘*’:</a:t>
-            </a:r>
-          </a:p>
-          <a:p>
-            <a:pPr marL="109728" indent="0">
-              <a:buNone/>
-            </a:pPr>
-            <a:r>
-              <a:rPr lang="en-US" sz="3600" dirty="0">
-                <a:latin typeface="Consolas" panose="020B0609020204030204" pitchFamily="49" charset="0"/>
-              </a:rPr>
-              <a:t>    - </a:t>
-            </a:r>
-            <a:r>
-              <a:rPr lang="en-US" sz="3600" dirty="0" err="1" smtClean="0">
-                <a:latin typeface="Consolas" panose="020B0609020204030204" pitchFamily="49" charset="0"/>
-              </a:rPr>
-              <a:t>produsers</a:t>
-            </a:r>
-            <a:endParaRPr lang="en-US" sz="3600" dirty="0">
-              <a:latin typeface="Consolas" panose="020B0609020204030204" pitchFamily="49" charset="0"/>
-            </a:endParaRPr>
-          </a:p>
-          <a:p>
-            <a:pPr marL="109728" indent="0">
-              <a:buNone/>
-            </a:pPr>
-            <a:r>
-              <a:rPr lang="en-US" sz="3600" dirty="0">
-                <a:latin typeface="Consolas" panose="020B0609020204030204" pitchFamily="49" charset="0"/>
-              </a:rPr>
-              <a:t>  ‘web-*’:</a:t>
-            </a:r>
-          </a:p>
-          <a:p>
-            <a:pPr marL="109728" indent="0">
-              <a:buNone/>
-            </a:pPr>
-            <a:r>
-              <a:rPr lang="en-US" sz="3600" dirty="0">
-                <a:latin typeface="Consolas" panose="020B0609020204030204" pitchFamily="49" charset="0"/>
-              </a:rPr>
-              <a:t>    - webserver</a:t>
-            </a:r>
-          </a:p>
-          <a:p>
-            <a:pPr marL="109728" indent="0">
-              <a:buNone/>
-            </a:pPr>
-            <a:r>
-              <a:rPr lang="en-US" sz="3600" dirty="0">
-                <a:latin typeface="Consolas" panose="020B0609020204030204" pitchFamily="49" charset="0"/>
-              </a:rPr>
-              <a:t>  ‘</a:t>
-            </a:r>
-            <a:r>
-              <a:rPr lang="en-US" sz="3600" dirty="0" err="1">
-                <a:latin typeface="Consolas" panose="020B0609020204030204" pitchFamily="49" charset="0"/>
-              </a:rPr>
-              <a:t>db</a:t>
-            </a:r>
-            <a:r>
-              <a:rPr lang="en-US" sz="3600" dirty="0">
-                <a:latin typeface="Consolas" panose="020B0609020204030204" pitchFamily="49" charset="0"/>
-              </a:rPr>
-              <a:t>-*’:</a:t>
-            </a:r>
-          </a:p>
-          <a:p>
-            <a:pPr marL="109728" indent="0">
-              <a:buNone/>
-            </a:pPr>
-            <a:r>
-              <a:rPr lang="en-US" sz="3600" dirty="0">
-                <a:latin typeface="Consolas" panose="020B0609020204030204" pitchFamily="49" charset="0"/>
-              </a:rPr>
-              <a:t>    - </a:t>
-            </a:r>
-            <a:r>
-              <a:rPr lang="en-US" sz="3600" dirty="0" err="1" smtClean="0">
-                <a:latin typeface="Consolas" panose="020B0609020204030204" pitchFamily="49" charset="0"/>
-              </a:rPr>
-              <a:t>databaseserver</a:t>
-            </a:r>
-            <a:endParaRPr lang="en-US" sz="3600" dirty="0" smtClean="0">
-              <a:latin typeface="Consolas" panose="020B0609020204030204" pitchFamily="49" charset="0"/>
-            </a:endParaRPr>
-          </a:p>
-          <a:p>
-            <a:pPr marL="109728" indent="0">
-              <a:buNone/>
-            </a:pPr>
-            <a:r>
-              <a:rPr lang="en-US" sz="3600" dirty="0">
-                <a:latin typeface="Consolas" panose="020B0609020204030204" pitchFamily="49" charset="0"/>
-              </a:rPr>
-              <a:t> </a:t>
-            </a:r>
-            <a:r>
-              <a:rPr lang="en-US" sz="3600" dirty="0" smtClean="0">
-                <a:latin typeface="Consolas" panose="020B0609020204030204" pitchFamily="49" charset="0"/>
-              </a:rPr>
-              <a:t>   - hardening</a:t>
-            </a:r>
-            <a:endParaRPr lang="en-US" sz="3600" dirty="0">
-              <a:latin typeface="Consolas" panose="020B0609020204030204" pitchFamily="49" charset="0"/>
-            </a:endParaRPr>
-          </a:p>
-          <a:p>
-            <a:pPr marL="109728" indent="0">
-              <a:buNone/>
-            </a:pPr>
-            <a:r>
-              <a:rPr lang="en-US" sz="3600" dirty="0">
-                <a:latin typeface="Consolas" panose="020B0609020204030204" pitchFamily="49" charset="0"/>
-              </a:rPr>
-              <a:t>  ‘file-*’:</a:t>
-            </a:r>
-          </a:p>
-          <a:p>
-            <a:pPr marL="109728" indent="0">
-              <a:buNone/>
-            </a:pPr>
-            <a:r>
-              <a:rPr lang="en-US" sz="3600" dirty="0">
-                <a:latin typeface="Consolas" panose="020B0609020204030204" pitchFamily="49" charset="0"/>
-              </a:rPr>
-              <a:t>    - fileserver</a:t>
-            </a:r>
-            <a:endParaRPr lang="en-US" sz="3600" dirty="0" smtClean="0">
-              <a:latin typeface="Consolas" panose="020B0609020204030204" pitchFamily="49" charset="0"/>
-            </a:endParaRPr>
-          </a:p>
-          <a:p>
-            <a:pPr marL="109728" indent="0">
-              <a:buNone/>
-            </a:pPr>
-            <a:endParaRPr lang="en-US" dirty="0">
+              <a:t>my-first-state</a:t>
+            </a:r>
+            <a:endParaRPr lang="en-US" sz="1900" dirty="0">
               <a:latin typeface="Consolas" panose="020B0609020204030204" pitchFamily="49" charset="0"/>
             </a:endParaRPr>
           </a:p>
@@ -7562,7 +7159,7 @@
     </p:spTree>
     <p:extLst>
       <p:ext uri="{BB962C8B-B14F-4D97-AF65-F5344CB8AC3E}">
-        <p14:creationId xmlns:p14="http://schemas.microsoft.com/office/powerpoint/2010/main" val="2472523468"/>
+        <p14:creationId xmlns:p14="http://schemas.microsoft.com/office/powerpoint/2010/main" val="327470050"/>
       </p:ext>
     </p:extLst>
   </p:cSld>
@@ -7625,23 +7222,11 @@
           <a:p>
             <a:r>
               <a:rPr lang="en-US" dirty="0" smtClean="0"/>
-              <a:t>Lab 02 – </a:t>
-            </a:r>
-            <a:r>
-              <a:rPr lang="en-US" dirty="0" err="1" smtClean="0"/>
-              <a:t>Lokale</a:t>
-            </a:r>
-            <a:r>
-              <a:rPr lang="en-US" dirty="0" smtClean="0"/>
-              <a:t> State &amp; Top (~ 10 </a:t>
-            </a:r>
-            <a:r>
-              <a:rPr lang="en-US" dirty="0" err="1" smtClean="0"/>
-              <a:t>minuten</a:t>
-            </a:r>
-            <a:r>
-              <a:rPr lang="en-US" dirty="0" smtClean="0"/>
-              <a:t>)</a:t>
+              <a:t>Top File - </a:t>
+            </a:r>
+            <a:r>
+              <a:rPr lang="en-US" dirty="0" err="1" smtClean="0"/>
+              <a:t>Vervolg</a:t>
             </a:r>
             <a:endParaRPr lang="nl-NL" dirty="0"/>
           </a:p>
@@ -7659,279 +7244,549 @@
         </p:nvSpPr>
         <p:spPr/>
         <p:txBody>
-          <a:bodyPr/>
+          <a:bodyPr>
+            <a:normAutofit fontScale="25000" lnSpcReduction="20000"/>
+          </a:bodyPr>
           <a:lstStyle/>
           <a:p>
             <a:r>
-              <a:rPr lang="en-US" dirty="0" err="1" smtClean="0"/>
-              <a:t>Maak</a:t>
-            </a:r>
-            <a:r>
-              <a:rPr lang="en-US" dirty="0" smtClean="0"/>
+              <a:rPr lang="en-US" sz="7200" dirty="0" err="1" smtClean="0"/>
+              <a:t>Uitgebreid</a:t>
+            </a:r>
+            <a:r>
+              <a:rPr lang="en-US" sz="7200" dirty="0" smtClean="0"/>
               <a:t> </a:t>
             </a:r>
             <a:r>
-              <a:rPr lang="en-US" dirty="0" err="1" smtClean="0"/>
-              <a:t>een</a:t>
-            </a:r>
-            <a:r>
-              <a:rPr lang="en-US" dirty="0" smtClean="0"/>
-              <a:t> state </a:t>
-            </a:r>
-            <a:r>
-              <a:rPr lang="en-US" dirty="0" err="1" smtClean="0"/>
-              <a:t>waarin</a:t>
-            </a:r>
-            <a:r>
-              <a:rPr lang="en-US" dirty="0" smtClean="0"/>
-              <a:t> je:</a:t>
-            </a:r>
-          </a:p>
-          <a:p>
-            <a:pPr lvl="1"/>
-            <a:r>
-              <a:rPr lang="en-US" dirty="0" err="1" smtClean="0"/>
-              <a:t>Een</a:t>
-            </a:r>
-            <a:r>
-              <a:rPr lang="en-US" dirty="0" smtClean="0"/>
-              <a:t> directory “workshop” </a:t>
-            </a:r>
-            <a:r>
-              <a:rPr lang="en-US" dirty="0" err="1" smtClean="0"/>
-              <a:t>aanmaakt</a:t>
-            </a:r>
-            <a:r>
-              <a:rPr lang="en-US" dirty="0" smtClean="0"/>
-              <a:t> in /root</a:t>
-            </a:r>
-          </a:p>
-          <a:p>
-            <a:pPr lvl="1"/>
-            <a:r>
-              <a:rPr lang="en-US" dirty="0" err="1" smtClean="0"/>
-              <a:t>Een</a:t>
-            </a:r>
-            <a:r>
-              <a:rPr lang="en-US" dirty="0" smtClean="0"/>
-              <a:t> file in </a:t>
-            </a:r>
-            <a:r>
-              <a:rPr lang="en-US" dirty="0" err="1" smtClean="0"/>
-              <a:t>deze</a:t>
-            </a:r>
-            <a:r>
-              <a:rPr lang="en-US" dirty="0" smtClean="0"/>
-              <a:t> directory </a:t>
-            </a:r>
-            <a:r>
-              <a:rPr lang="en-US" dirty="0" err="1" smtClean="0"/>
-              <a:t>aanmaakt</a:t>
-            </a:r>
-            <a:r>
-              <a:rPr lang="en-US" dirty="0" smtClean="0"/>
-              <a:t> met de </a:t>
-            </a:r>
-            <a:r>
-              <a:rPr lang="en-US" dirty="0" err="1" smtClean="0"/>
-              <a:t>naam</a:t>
-            </a:r>
-            <a:r>
-              <a:rPr lang="en-US" dirty="0" smtClean="0"/>
-              <a:t> “lab01”</a:t>
-            </a:r>
-          </a:p>
-          <a:p>
-            <a:pPr lvl="1"/>
-            <a:r>
-              <a:rPr lang="en-US" dirty="0" err="1" smtClean="0"/>
-              <a:t>Zorg</a:t>
-            </a:r>
-            <a:r>
-              <a:rPr lang="en-US" dirty="0" smtClean="0"/>
+              <a:rPr lang="en-US" sz="7200" dirty="0" err="1"/>
+              <a:t>v</a:t>
+            </a:r>
+            <a:r>
+              <a:rPr lang="en-US" sz="7200" dirty="0" err="1" smtClean="0"/>
+              <a:t>oorbeeld</a:t>
+            </a:r>
+            <a:r>
+              <a:rPr lang="en-US" sz="7200" dirty="0" smtClean="0"/>
+              <a:t>:</a:t>
+            </a:r>
+            <a:endParaRPr lang="en-US" sz="7200" dirty="0"/>
+          </a:p>
+          <a:p>
+            <a:pPr marL="109728" indent="0">
+              <a:buNone/>
+            </a:pPr>
+            <a:r>
+              <a:rPr lang="en-US" sz="3600" dirty="0">
+                <a:latin typeface="Consolas" panose="020B0609020204030204" pitchFamily="49" charset="0"/>
+              </a:rPr>
+              <a:t>---</a:t>
+            </a:r>
+          </a:p>
+          <a:p>
+            <a:pPr marL="109728" indent="0">
+              <a:buNone/>
+            </a:pPr>
+            <a:r>
+              <a:rPr lang="en-US" sz="3600" dirty="0" smtClean="0">
+                <a:latin typeface="Consolas" panose="020B0609020204030204" pitchFamily="49" charset="0"/>
+              </a:rPr>
+              <a:t>base:</a:t>
+            </a:r>
+          </a:p>
+          <a:p>
+            <a:pPr marL="109728" indent="0">
+              <a:buNone/>
+            </a:pPr>
+            <a:r>
+              <a:rPr lang="en-US" sz="3600" dirty="0">
+                <a:latin typeface="Consolas" panose="020B0609020204030204" pitchFamily="49" charset="0"/>
+              </a:rPr>
               <a:t> </a:t>
             </a:r>
             <a:r>
-              <a:rPr lang="en-US" dirty="0" err="1" smtClean="0"/>
-              <a:t>dat</a:t>
-            </a:r>
-            <a:r>
-              <a:rPr lang="en-US" dirty="0" smtClean="0"/>
-              <a:t> in </a:t>
-            </a:r>
-            <a:r>
-              <a:rPr lang="en-US" dirty="0" err="1" smtClean="0"/>
-              <a:t>deze</a:t>
-            </a:r>
-            <a:r>
-              <a:rPr lang="en-US" dirty="0" smtClean="0"/>
-              <a:t> file de </a:t>
-            </a:r>
-            <a:r>
-              <a:rPr lang="en-US" dirty="0" err="1" smtClean="0"/>
-              <a:t>tekst</a:t>
-            </a:r>
-            <a:r>
-              <a:rPr lang="en-US" dirty="0" smtClean="0"/>
-              <a:t>: “</a:t>
-            </a:r>
-            <a:r>
-              <a:rPr lang="en-US" dirty="0" err="1" smtClean="0"/>
-              <a:t>SaltStack</a:t>
-            </a:r>
-            <a:r>
-              <a:rPr lang="en-US" dirty="0" smtClean="0"/>
-              <a:t> Workshop 2019” </a:t>
-            </a:r>
-            <a:r>
-              <a:rPr lang="en-US" dirty="0" err="1" smtClean="0"/>
-              <a:t>staat</a:t>
-            </a:r>
-            <a:endParaRPr lang="en-US" dirty="0"/>
-          </a:p>
-          <a:p>
-            <a:pPr lvl="1"/>
-            <a:r>
-              <a:rPr lang="en-US" dirty="0" err="1" smtClean="0"/>
-              <a:t>Voer</a:t>
-            </a:r>
-            <a:r>
-              <a:rPr lang="en-US" dirty="0" smtClean="0"/>
-              <a:t> de state </a:t>
-            </a:r>
-            <a:r>
-              <a:rPr lang="en-US" dirty="0" err="1" smtClean="0"/>
-              <a:t>uit</a:t>
-            </a:r>
-            <a:endParaRPr lang="en-US" dirty="0" smtClean="0"/>
-          </a:p>
-          <a:p>
-            <a:pPr lvl="1"/>
-            <a:r>
-              <a:rPr lang="en-US" dirty="0" smtClean="0"/>
-              <a:t>Koppel de state in de top file</a:t>
-            </a:r>
-          </a:p>
-          <a:p>
-            <a:pPr lvl="1"/>
-            <a:r>
-              <a:rPr lang="en-US" dirty="0" err="1" smtClean="0"/>
-              <a:t>Controleer</a:t>
-            </a:r>
-            <a:r>
-              <a:rPr lang="en-US" dirty="0" smtClean="0"/>
-              <a:t> of de state </a:t>
-            </a:r>
-            <a:r>
-              <a:rPr lang="en-US" dirty="0" err="1" smtClean="0"/>
-              <a:t>automatisch</a:t>
-            </a:r>
-            <a:r>
-              <a:rPr lang="en-US" dirty="0" smtClean="0"/>
+              <a:rPr lang="en-US" sz="3600" dirty="0" smtClean="0">
+                <a:latin typeface="Consolas" panose="020B0609020204030204" pitchFamily="49" charset="0"/>
+              </a:rPr>
+              <a:t> ‘*’:</a:t>
+            </a:r>
+          </a:p>
+          <a:p>
+            <a:pPr marL="109728" indent="0">
+              <a:buNone/>
+            </a:pPr>
+            <a:r>
+              <a:rPr lang="en-US" sz="3600" dirty="0">
+                <a:latin typeface="Consolas" panose="020B0609020204030204" pitchFamily="49" charset="0"/>
+              </a:rPr>
               <a:t> </a:t>
             </a:r>
             <a:r>
-              <a:rPr lang="en-US" dirty="0" err="1" smtClean="0"/>
-              <a:t>gevonden</a:t>
-            </a:r>
-            <a:r>
-              <a:rPr lang="en-US" dirty="0" smtClean="0"/>
+              <a:rPr lang="en-US" sz="3600" dirty="0" smtClean="0">
+                <a:latin typeface="Consolas" panose="020B0609020204030204" pitchFamily="49" charset="0"/>
+              </a:rPr>
+              <a:t>   - users</a:t>
+            </a:r>
+            <a:endParaRPr lang="en-US" sz="3600" dirty="0">
+              <a:latin typeface="Consolas" panose="020B0609020204030204" pitchFamily="49" charset="0"/>
+            </a:endParaRPr>
+          </a:p>
+          <a:p>
+            <a:pPr marL="109728" indent="0">
+              <a:buNone/>
+            </a:pPr>
+            <a:r>
+              <a:rPr lang="en-US" sz="3600" dirty="0">
+                <a:latin typeface="Consolas" panose="020B0609020204030204" pitchFamily="49" charset="0"/>
+              </a:rPr>
+              <a:t>  </a:t>
+            </a:r>
+            <a:r>
+              <a:rPr lang="en-US" sz="3600" dirty="0" smtClean="0">
+                <a:latin typeface="Consolas" panose="020B0609020204030204" pitchFamily="49" charset="0"/>
+              </a:rPr>
+              <a:t>‘web-*’:</a:t>
+            </a:r>
+            <a:endParaRPr lang="en-US" sz="3600" dirty="0">
+              <a:latin typeface="Consolas" panose="020B0609020204030204" pitchFamily="49" charset="0"/>
+            </a:endParaRPr>
+          </a:p>
+          <a:p>
+            <a:pPr marL="109728" indent="0">
+              <a:buNone/>
+            </a:pPr>
+            <a:r>
+              <a:rPr lang="en-US" sz="3600" dirty="0">
+                <a:latin typeface="Consolas" panose="020B0609020204030204" pitchFamily="49" charset="0"/>
+              </a:rPr>
+              <a:t>    - </a:t>
+            </a:r>
+            <a:r>
+              <a:rPr lang="en-US" sz="3600" dirty="0" smtClean="0">
+                <a:latin typeface="Consolas" panose="020B0609020204030204" pitchFamily="49" charset="0"/>
+              </a:rPr>
+              <a:t>webserver</a:t>
+            </a:r>
+          </a:p>
+          <a:p>
+            <a:pPr marL="109728" indent="0">
+              <a:buNone/>
+            </a:pPr>
+            <a:r>
+              <a:rPr lang="en-US" sz="3600" dirty="0">
+                <a:latin typeface="Consolas" panose="020B0609020204030204" pitchFamily="49" charset="0"/>
+              </a:rPr>
               <a:t> </a:t>
             </a:r>
             <a:r>
-              <a:rPr lang="en-US" dirty="0" err="1" smtClean="0"/>
-              <a:t>wordt</a:t>
-            </a:r>
-            <a:endParaRPr lang="en-US" dirty="0" smtClean="0"/>
-          </a:p>
-          <a:p>
-            <a:pPr lvl="1"/>
-            <a:r>
-              <a:rPr lang="en-US" dirty="0" smtClean="0"/>
-              <a:t>Pas de top file </a:t>
-            </a:r>
-            <a:r>
-              <a:rPr lang="en-US" dirty="0" err="1" smtClean="0"/>
-              <a:t>zo</a:t>
-            </a:r>
-            <a:r>
-              <a:rPr lang="en-US" dirty="0" smtClean="0"/>
+              <a:rPr lang="en-US" sz="3600" dirty="0" smtClean="0">
+                <a:latin typeface="Consolas" panose="020B0609020204030204" pitchFamily="49" charset="0"/>
+              </a:rPr>
+              <a:t> ‘</a:t>
+            </a:r>
+            <a:r>
+              <a:rPr lang="en-US" sz="3600" dirty="0" err="1" smtClean="0">
+                <a:latin typeface="Consolas" panose="020B0609020204030204" pitchFamily="49" charset="0"/>
+              </a:rPr>
+              <a:t>db</a:t>
+            </a:r>
+            <a:r>
+              <a:rPr lang="en-US" sz="3600" dirty="0" smtClean="0">
+                <a:latin typeface="Consolas" panose="020B0609020204030204" pitchFamily="49" charset="0"/>
+              </a:rPr>
+              <a:t>-*’:</a:t>
+            </a:r>
+          </a:p>
+          <a:p>
+            <a:pPr marL="109728" indent="0">
+              <a:buNone/>
+            </a:pPr>
+            <a:r>
+              <a:rPr lang="en-US" sz="3600" dirty="0">
+                <a:latin typeface="Consolas" panose="020B0609020204030204" pitchFamily="49" charset="0"/>
+              </a:rPr>
               <a:t> </a:t>
             </a:r>
             <a:r>
-              <a:rPr lang="en-US" dirty="0" err="1" smtClean="0"/>
-              <a:t>aan</a:t>
-            </a:r>
-            <a:r>
-              <a:rPr lang="en-US" dirty="0" smtClean="0"/>
+              <a:rPr lang="en-US" sz="3600" dirty="0" smtClean="0">
+                <a:latin typeface="Consolas" panose="020B0609020204030204" pitchFamily="49" charset="0"/>
+              </a:rPr>
+              <a:t>   - </a:t>
+            </a:r>
+            <a:r>
+              <a:rPr lang="en-US" sz="3600" dirty="0" err="1" smtClean="0">
+                <a:latin typeface="Consolas" panose="020B0609020204030204" pitchFamily="49" charset="0"/>
+              </a:rPr>
+              <a:t>databaseserver</a:t>
+            </a:r>
+            <a:endParaRPr lang="en-US" sz="3600" dirty="0" smtClean="0">
+              <a:latin typeface="Consolas" panose="020B0609020204030204" pitchFamily="49" charset="0"/>
+            </a:endParaRPr>
+          </a:p>
+          <a:p>
+            <a:pPr marL="109728" indent="0">
+              <a:buNone/>
+            </a:pPr>
+            <a:r>
+              <a:rPr lang="en-US" sz="3600" dirty="0">
+                <a:latin typeface="Consolas" panose="020B0609020204030204" pitchFamily="49" charset="0"/>
+              </a:rPr>
               <a:t> </a:t>
             </a:r>
             <a:r>
-              <a:rPr lang="en-US" dirty="0" err="1" smtClean="0"/>
-              <a:t>dat</a:t>
-            </a:r>
-            <a:r>
-              <a:rPr lang="en-US" dirty="0" smtClean="0"/>
-              <a:t> de </a:t>
-            </a:r>
-            <a:r>
-              <a:rPr lang="en-US" dirty="0" err="1" smtClean="0"/>
-              <a:t>oude</a:t>
-            </a:r>
-            <a:r>
-              <a:rPr lang="en-US" dirty="0" smtClean="0"/>
-              <a:t> state </a:t>
-            </a:r>
-            <a:r>
-              <a:rPr lang="en-US" dirty="0" err="1" smtClean="0"/>
-              <a:t>niet</a:t>
-            </a:r>
-            <a:r>
-              <a:rPr lang="en-US" dirty="0" smtClean="0"/>
+              <a:rPr lang="en-US" sz="3600" dirty="0" smtClean="0">
+                <a:latin typeface="Consolas" panose="020B0609020204030204" pitchFamily="49" charset="0"/>
+              </a:rPr>
+              <a:t> ‘file-*’:</a:t>
+            </a:r>
+          </a:p>
+          <a:p>
+            <a:pPr marL="109728" indent="0">
+              <a:buNone/>
+            </a:pPr>
+            <a:r>
+              <a:rPr lang="en-US" sz="3600" dirty="0">
+                <a:latin typeface="Consolas" panose="020B0609020204030204" pitchFamily="49" charset="0"/>
+              </a:rPr>
               <a:t> </a:t>
             </a:r>
             <a:r>
-              <a:rPr lang="en-US" dirty="0" err="1" smtClean="0"/>
-              <a:t>meer</a:t>
-            </a:r>
-            <a:r>
-              <a:rPr lang="en-US" dirty="0" smtClean="0"/>
+              <a:rPr lang="en-US" sz="3600" dirty="0" smtClean="0">
+                <a:latin typeface="Consolas" panose="020B0609020204030204" pitchFamily="49" charset="0"/>
+              </a:rPr>
+              <a:t>   - fileserver</a:t>
+            </a:r>
+          </a:p>
+          <a:p>
+            <a:pPr marL="109728" indent="0">
+              <a:buNone/>
+            </a:pPr>
+            <a:r>
+              <a:rPr lang="en-US" sz="3600" dirty="0" smtClean="0">
+                <a:latin typeface="Consolas" panose="020B0609020204030204" pitchFamily="49" charset="0"/>
+              </a:rPr>
+              <a:t>test:</a:t>
+            </a:r>
+          </a:p>
+          <a:p>
+            <a:pPr marL="109728" indent="0">
+              <a:buNone/>
+            </a:pPr>
+            <a:r>
+              <a:rPr lang="en-US" sz="3600" dirty="0">
+                <a:latin typeface="Consolas" panose="020B0609020204030204" pitchFamily="49" charset="0"/>
+              </a:rPr>
               <a:t> </a:t>
             </a:r>
             <a:r>
-              <a:rPr lang="en-US" dirty="0" err="1" smtClean="0"/>
-              <a:t>geldt</a:t>
-            </a:r>
-            <a:r>
-              <a:rPr lang="en-US" dirty="0" smtClean="0"/>
+              <a:rPr lang="en-US" sz="3600" dirty="0" smtClean="0">
+                <a:latin typeface="Consolas" panose="020B0609020204030204" pitchFamily="49" charset="0"/>
+              </a:rPr>
+              <a:t> ‘*’:</a:t>
+            </a:r>
+          </a:p>
+          <a:p>
+            <a:pPr marL="109728" indent="0">
+              <a:buNone/>
+            </a:pPr>
+            <a:r>
+              <a:rPr lang="en-US" sz="3600" dirty="0">
+                <a:latin typeface="Consolas" panose="020B0609020204030204" pitchFamily="49" charset="0"/>
+              </a:rPr>
               <a:t> </a:t>
             </a:r>
             <a:r>
-              <a:rPr lang="en-US" dirty="0" err="1" smtClean="0"/>
-              <a:t>voor</a:t>
-            </a:r>
-            <a:r>
-              <a:rPr lang="en-US" dirty="0" smtClean="0"/>
+              <a:rPr lang="en-US" sz="3600" dirty="0" smtClean="0">
+                <a:latin typeface="Consolas" panose="020B0609020204030204" pitchFamily="49" charset="0"/>
+              </a:rPr>
+              <a:t>   - </a:t>
+            </a:r>
+            <a:r>
+              <a:rPr lang="en-US" sz="3600" dirty="0" err="1" smtClean="0">
+                <a:latin typeface="Consolas" panose="020B0609020204030204" pitchFamily="49" charset="0"/>
+              </a:rPr>
+              <a:t>testusers</a:t>
+            </a:r>
+            <a:endParaRPr lang="en-US" sz="3600" dirty="0" smtClean="0">
+              <a:latin typeface="Consolas" panose="020B0609020204030204" pitchFamily="49" charset="0"/>
+            </a:endParaRPr>
+          </a:p>
+          <a:p>
+            <a:pPr marL="109728" indent="0">
+              <a:buNone/>
+            </a:pPr>
+            <a:r>
+              <a:rPr lang="en-US" sz="3600" dirty="0">
+                <a:latin typeface="Consolas" panose="020B0609020204030204" pitchFamily="49" charset="0"/>
+              </a:rPr>
               <a:t> </a:t>
             </a:r>
             <a:r>
-              <a:rPr lang="en-US" dirty="0" err="1" smtClean="0"/>
-              <a:t>deze</a:t>
-            </a:r>
-            <a:r>
-              <a:rPr lang="en-US" dirty="0" smtClean="0"/>
-              <a:t> minion!</a:t>
-            </a:r>
-          </a:p>
-          <a:p>
-            <a:endParaRPr lang="en-US" dirty="0" smtClean="0"/>
+              <a:rPr lang="en-US" sz="3600" dirty="0" smtClean="0">
+                <a:latin typeface="Consolas" panose="020B0609020204030204" pitchFamily="49" charset="0"/>
+              </a:rPr>
+              <a:t> ‘</a:t>
+            </a:r>
+            <a:r>
+              <a:rPr lang="en-US" sz="3600" dirty="0">
+                <a:latin typeface="Consolas" panose="020B0609020204030204" pitchFamily="49" charset="0"/>
+              </a:rPr>
+              <a:t>web-*’:</a:t>
+            </a:r>
+          </a:p>
+          <a:p>
+            <a:pPr marL="109728" indent="0">
+              <a:buNone/>
+            </a:pPr>
+            <a:r>
+              <a:rPr lang="en-US" sz="3600" dirty="0">
+                <a:latin typeface="Consolas" panose="020B0609020204030204" pitchFamily="49" charset="0"/>
+              </a:rPr>
+              <a:t>    - webserver</a:t>
+            </a:r>
+          </a:p>
+          <a:p>
+            <a:pPr marL="109728" indent="0">
+              <a:buNone/>
+            </a:pPr>
+            <a:r>
+              <a:rPr lang="en-US" sz="3600" dirty="0">
+                <a:latin typeface="Consolas" panose="020B0609020204030204" pitchFamily="49" charset="0"/>
+              </a:rPr>
+              <a:t>  ‘</a:t>
+            </a:r>
+            <a:r>
+              <a:rPr lang="en-US" sz="3600" dirty="0" err="1">
+                <a:latin typeface="Consolas" panose="020B0609020204030204" pitchFamily="49" charset="0"/>
+              </a:rPr>
+              <a:t>db</a:t>
+            </a:r>
+            <a:r>
+              <a:rPr lang="en-US" sz="3600" dirty="0">
+                <a:latin typeface="Consolas" panose="020B0609020204030204" pitchFamily="49" charset="0"/>
+              </a:rPr>
+              <a:t>-*’:</a:t>
+            </a:r>
+          </a:p>
+          <a:p>
+            <a:pPr marL="109728" indent="0">
+              <a:buNone/>
+            </a:pPr>
+            <a:r>
+              <a:rPr lang="en-US" sz="3600" dirty="0">
+                <a:latin typeface="Consolas" panose="020B0609020204030204" pitchFamily="49" charset="0"/>
+              </a:rPr>
+              <a:t>    - </a:t>
+            </a:r>
+            <a:r>
+              <a:rPr lang="en-US" sz="3600" dirty="0" err="1">
+                <a:latin typeface="Consolas" panose="020B0609020204030204" pitchFamily="49" charset="0"/>
+              </a:rPr>
+              <a:t>databaseserver</a:t>
+            </a:r>
+            <a:endParaRPr lang="en-US" sz="3600" dirty="0">
+              <a:latin typeface="Consolas" panose="020B0609020204030204" pitchFamily="49" charset="0"/>
+            </a:endParaRPr>
+          </a:p>
+          <a:p>
+            <a:pPr marL="109728" indent="0">
+              <a:buNone/>
+            </a:pPr>
+            <a:r>
+              <a:rPr lang="en-US" sz="3600" dirty="0">
+                <a:latin typeface="Consolas" panose="020B0609020204030204" pitchFamily="49" charset="0"/>
+              </a:rPr>
+              <a:t>  ‘file-*’:</a:t>
+            </a:r>
+          </a:p>
+          <a:p>
+            <a:pPr marL="109728" indent="0">
+              <a:buNone/>
+            </a:pPr>
+            <a:r>
+              <a:rPr lang="en-US" sz="3600" dirty="0">
+                <a:latin typeface="Consolas" panose="020B0609020204030204" pitchFamily="49" charset="0"/>
+              </a:rPr>
+              <a:t>    - </a:t>
+            </a:r>
+            <a:r>
+              <a:rPr lang="en-US" sz="3600" dirty="0" smtClean="0">
+                <a:latin typeface="Consolas" panose="020B0609020204030204" pitchFamily="49" charset="0"/>
+              </a:rPr>
+              <a:t>fileserver</a:t>
+            </a:r>
+          </a:p>
+          <a:p>
+            <a:pPr marL="109728" indent="0">
+              <a:buNone/>
+            </a:pPr>
+            <a:r>
+              <a:rPr lang="en-US" sz="3600" dirty="0" smtClean="0">
+                <a:latin typeface="Consolas" panose="020B0609020204030204" pitchFamily="49" charset="0"/>
+              </a:rPr>
+              <a:t>prod:</a:t>
+            </a:r>
+            <a:endParaRPr lang="en-US" sz="3600" dirty="0">
+              <a:latin typeface="Consolas" panose="020B0609020204030204" pitchFamily="49" charset="0"/>
+            </a:endParaRPr>
+          </a:p>
+          <a:p>
+            <a:pPr marL="109728" indent="0">
+              <a:buNone/>
+            </a:pPr>
+            <a:r>
+              <a:rPr lang="en-US" sz="3600" dirty="0">
+                <a:latin typeface="Consolas" panose="020B0609020204030204" pitchFamily="49" charset="0"/>
+              </a:rPr>
+              <a:t>  ‘*’:</a:t>
+            </a:r>
+          </a:p>
+          <a:p>
+            <a:pPr marL="109728" indent="0">
+              <a:buNone/>
+            </a:pPr>
+            <a:r>
+              <a:rPr lang="en-US" sz="3600" dirty="0">
+                <a:latin typeface="Consolas" panose="020B0609020204030204" pitchFamily="49" charset="0"/>
+              </a:rPr>
+              <a:t>    - </a:t>
+            </a:r>
+            <a:r>
+              <a:rPr lang="en-US" sz="3600" dirty="0" err="1" smtClean="0">
+                <a:latin typeface="Consolas" panose="020B0609020204030204" pitchFamily="49" charset="0"/>
+              </a:rPr>
+              <a:t>produsers</a:t>
+            </a:r>
+            <a:endParaRPr lang="en-US" sz="3600" dirty="0">
+              <a:latin typeface="Consolas" panose="020B0609020204030204" pitchFamily="49" charset="0"/>
+            </a:endParaRPr>
+          </a:p>
+          <a:p>
+            <a:pPr marL="109728" indent="0">
+              <a:buNone/>
+            </a:pPr>
+            <a:r>
+              <a:rPr lang="en-US" sz="3600" dirty="0">
+                <a:latin typeface="Consolas" panose="020B0609020204030204" pitchFamily="49" charset="0"/>
+              </a:rPr>
+              <a:t>  ‘web-*’:</a:t>
+            </a:r>
+          </a:p>
+          <a:p>
+            <a:pPr marL="109728" indent="0">
+              <a:buNone/>
+            </a:pPr>
+            <a:r>
+              <a:rPr lang="en-US" sz="3600" dirty="0">
+                <a:latin typeface="Consolas" panose="020B0609020204030204" pitchFamily="49" charset="0"/>
+              </a:rPr>
+              <a:t>    - webserver</a:t>
+            </a:r>
+          </a:p>
+          <a:p>
+            <a:pPr marL="109728" indent="0">
+              <a:buNone/>
+            </a:pPr>
+            <a:r>
+              <a:rPr lang="en-US" sz="3600" dirty="0">
+                <a:latin typeface="Consolas" panose="020B0609020204030204" pitchFamily="49" charset="0"/>
+              </a:rPr>
+              <a:t>  ‘</a:t>
+            </a:r>
+            <a:r>
+              <a:rPr lang="en-US" sz="3600" dirty="0" err="1">
+                <a:latin typeface="Consolas" panose="020B0609020204030204" pitchFamily="49" charset="0"/>
+              </a:rPr>
+              <a:t>db</a:t>
+            </a:r>
+            <a:r>
+              <a:rPr lang="en-US" sz="3600" dirty="0">
+                <a:latin typeface="Consolas" panose="020B0609020204030204" pitchFamily="49" charset="0"/>
+              </a:rPr>
+              <a:t>-*’:</a:t>
+            </a:r>
+          </a:p>
+          <a:p>
+            <a:pPr marL="109728" indent="0">
+              <a:buNone/>
+            </a:pPr>
+            <a:r>
+              <a:rPr lang="en-US" sz="3600" dirty="0">
+                <a:latin typeface="Consolas" panose="020B0609020204030204" pitchFamily="49" charset="0"/>
+              </a:rPr>
+              <a:t>    - </a:t>
+            </a:r>
+            <a:r>
+              <a:rPr lang="en-US" sz="3600" dirty="0" err="1" smtClean="0">
+                <a:latin typeface="Consolas" panose="020B0609020204030204" pitchFamily="49" charset="0"/>
+              </a:rPr>
+              <a:t>databaseserver</a:t>
+            </a:r>
+            <a:endParaRPr lang="en-US" sz="3600" dirty="0" smtClean="0">
+              <a:latin typeface="Consolas" panose="020B0609020204030204" pitchFamily="49" charset="0"/>
+            </a:endParaRPr>
+          </a:p>
+          <a:p>
+            <a:pPr marL="109728" indent="0">
+              <a:buNone/>
+            </a:pPr>
+            <a:r>
+              <a:rPr lang="en-US" sz="3600" dirty="0">
+                <a:latin typeface="Consolas" panose="020B0609020204030204" pitchFamily="49" charset="0"/>
+              </a:rPr>
+              <a:t> </a:t>
+            </a:r>
+            <a:r>
+              <a:rPr lang="en-US" sz="3600" dirty="0" smtClean="0">
+                <a:latin typeface="Consolas" panose="020B0609020204030204" pitchFamily="49" charset="0"/>
+              </a:rPr>
+              <a:t>   - hardening</a:t>
+            </a:r>
+            <a:endParaRPr lang="en-US" sz="3600" dirty="0">
+              <a:latin typeface="Consolas" panose="020B0609020204030204" pitchFamily="49" charset="0"/>
+            </a:endParaRPr>
+          </a:p>
+          <a:p>
+            <a:pPr marL="109728" indent="0">
+              <a:buNone/>
+            </a:pPr>
+            <a:r>
+              <a:rPr lang="en-US" sz="3600" dirty="0">
+                <a:latin typeface="Consolas" panose="020B0609020204030204" pitchFamily="49" charset="0"/>
+              </a:rPr>
+              <a:t>  ‘file-*’:</a:t>
+            </a:r>
+          </a:p>
+          <a:p>
+            <a:pPr marL="109728" indent="0">
+              <a:buNone/>
+            </a:pPr>
+            <a:r>
+              <a:rPr lang="en-US" sz="3600" dirty="0">
+                <a:latin typeface="Consolas" panose="020B0609020204030204" pitchFamily="49" charset="0"/>
+              </a:rPr>
+              <a:t>    - fileserver</a:t>
+            </a:r>
+            <a:endParaRPr lang="en-US" sz="3600" dirty="0" smtClean="0">
+              <a:latin typeface="Consolas" panose="020B0609020204030204" pitchFamily="49" charset="0"/>
+            </a:endParaRPr>
+          </a:p>
+          <a:p>
+            <a:pPr marL="109728" indent="0">
+              <a:buNone/>
+            </a:pPr>
+            <a:endParaRPr lang="en-US" dirty="0">
+              <a:latin typeface="Consolas" panose="020B0609020204030204" pitchFamily="49" charset="0"/>
+            </a:endParaRPr>
+          </a:p>
+          <a:p>
+            <a:endParaRPr lang="nl-NL" dirty="0"/>
           </a:p>
         </p:txBody>
       </p:sp>
     </p:spTree>
     <p:extLst>
       <p:ext uri="{BB962C8B-B14F-4D97-AF65-F5344CB8AC3E}">
-        <p14:creationId xmlns:p14="http://schemas.microsoft.com/office/powerpoint/2010/main" val="3626086106"/>
+        <p14:creationId xmlns:p14="http://schemas.microsoft.com/office/powerpoint/2010/main" val="2472523468"/>
       </p:ext>
     </p:extLst>
   </p:cSld>
@@ -7950,6 +7805,13 @@
       </p:transition>
     </mc:Fallback>
   </mc:AlternateContent>
+  <p:timing>
+    <p:tnLst>
+      <p:par>
+        <p:cTn id="1" dur="indefinite" restart="never" nodeType="tmRoot"/>
+      </p:par>
+    </p:tnLst>
+  </p:timing>
 </p:sld>
 </file>
 
@@ -7987,15 +7849,31 @@
           <a:p>
             <a:r>
               <a:rPr lang="en-US" dirty="0" smtClean="0"/>
-              <a:t>Salt Master </a:t>
-            </a:r>
-            <a:r>
-              <a:rPr lang="en-US" dirty="0" err="1" smtClean="0"/>
-              <a:t>gestuurde</a:t>
-            </a:r>
-            <a:r>
-              <a:rPr lang="en-US" dirty="0" smtClean="0"/>
-              <a:t> State</a:t>
+              <a:t>Lab </a:t>
+            </a:r>
+            <a:r>
+              <a:rPr lang="en-US" dirty="0" smtClean="0"/>
+              <a:t>03 </a:t>
+            </a:r>
+            <a:r>
+              <a:rPr lang="en-US" dirty="0" smtClean="0"/>
+              <a:t>– </a:t>
+            </a:r>
+            <a:r>
+              <a:rPr lang="en-US" dirty="0" err="1" smtClean="0"/>
+              <a:t>Lokale</a:t>
+            </a:r>
+            <a:r>
+              <a:rPr lang="en-US" dirty="0" smtClean="0"/>
+              <a:t> State &amp; Top (~ 10 </a:t>
+            </a:r>
+            <a:r>
+              <a:rPr lang="en-US" dirty="0" err="1" smtClean="0"/>
+              <a:t>minuten</a:t>
+            </a:r>
+            <a:r>
+              <a:rPr lang="en-US" dirty="0" smtClean="0"/>
+              <a:t>)</a:t>
             </a:r>
             <a:endParaRPr lang="nl-NL" dirty="0"/>
           </a:p>
@@ -8017,53 +7895,284 @@
           <a:lstStyle/>
           <a:p>
             <a:r>
-              <a:rPr lang="nl-NL" dirty="0" smtClean="0"/>
-              <a:t>Vrijwel gelijk aan </a:t>
-            </a:r>
-            <a:r>
-              <a:rPr lang="nl-NL" dirty="0" err="1" smtClean="0"/>
-              <a:t>Minion</a:t>
-            </a:r>
-            <a:endParaRPr lang="nl-NL" dirty="0" smtClean="0"/>
-          </a:p>
-          <a:p>
-            <a:r>
-              <a:rPr lang="nl-NL" dirty="0" smtClean="0"/>
-              <a:t>Via Fileserver</a:t>
-            </a:r>
-          </a:p>
-          <a:p>
-            <a:r>
-              <a:rPr lang="nl-NL" dirty="0" err="1" smtClean="0"/>
-              <a:t>Top.sls</a:t>
-            </a:r>
-            <a:r>
-              <a:rPr lang="nl-NL" dirty="0" smtClean="0"/>
-              <a:t> wordt gebruikt voor matchen </a:t>
-            </a:r>
-            <a:r>
-              <a:rPr lang="nl-NL" dirty="0" err="1" smtClean="0"/>
-              <a:t>nodes</a:t>
-            </a:r>
-            <a:r>
-              <a:rPr lang="nl-NL" dirty="0" smtClean="0"/>
-              <a:t> &lt;-&gt; </a:t>
-            </a:r>
-            <a:r>
-              <a:rPr lang="nl-NL" dirty="0" err="1" smtClean="0"/>
-              <a:t>states</a:t>
-            </a:r>
-            <a:endParaRPr lang="nl-NL" dirty="0" smtClean="0"/>
-          </a:p>
-          <a:p>
-            <a:endParaRPr lang="nl-NL" dirty="0"/>
+              <a:rPr lang="en-US" dirty="0" err="1" smtClean="0"/>
+              <a:t>Maak</a:t>
+            </a:r>
+            <a:r>
+              <a:rPr lang="en-US" dirty="0" smtClean="0"/>
+              <a:t> </a:t>
+            </a:r>
+            <a:r>
+              <a:rPr lang="en-US" dirty="0" err="1" smtClean="0"/>
+              <a:t>een</a:t>
+            </a:r>
+            <a:r>
+              <a:rPr lang="en-US" dirty="0" smtClean="0"/>
+              <a:t> state </a:t>
+            </a:r>
+            <a:r>
+              <a:rPr lang="en-US" dirty="0" err="1" smtClean="0"/>
+              <a:t>waarin</a:t>
+            </a:r>
+            <a:r>
+              <a:rPr lang="en-US" dirty="0" smtClean="0"/>
+              <a:t> je:</a:t>
+            </a:r>
+          </a:p>
+          <a:p>
+            <a:pPr lvl="1"/>
+            <a:r>
+              <a:rPr lang="en-US" dirty="0" err="1" smtClean="0"/>
+              <a:t>Een</a:t>
+            </a:r>
+            <a:r>
+              <a:rPr lang="en-US" dirty="0" smtClean="0"/>
+              <a:t> directory “workshop” </a:t>
+            </a:r>
+            <a:r>
+              <a:rPr lang="en-US" dirty="0" err="1" smtClean="0"/>
+              <a:t>aanmaakt</a:t>
+            </a:r>
+            <a:r>
+              <a:rPr lang="en-US" dirty="0" smtClean="0"/>
+              <a:t> in /root</a:t>
+            </a:r>
+          </a:p>
+          <a:p>
+            <a:pPr lvl="1"/>
+            <a:r>
+              <a:rPr lang="en-US" dirty="0" err="1" smtClean="0"/>
+              <a:t>Een</a:t>
+            </a:r>
+            <a:r>
+              <a:rPr lang="en-US" dirty="0" smtClean="0"/>
+              <a:t> file in </a:t>
+            </a:r>
+            <a:r>
+              <a:rPr lang="en-US" dirty="0" err="1" smtClean="0"/>
+              <a:t>deze</a:t>
+            </a:r>
+            <a:r>
+              <a:rPr lang="en-US" dirty="0" smtClean="0"/>
+              <a:t> directory </a:t>
+            </a:r>
+            <a:r>
+              <a:rPr lang="en-US" dirty="0" err="1" smtClean="0"/>
+              <a:t>aanmaakt</a:t>
+            </a:r>
+            <a:r>
+              <a:rPr lang="en-US" dirty="0" smtClean="0"/>
+              <a:t> met de </a:t>
+            </a:r>
+            <a:r>
+              <a:rPr lang="en-US" dirty="0" err="1" smtClean="0"/>
+              <a:t>naam</a:t>
+            </a:r>
+            <a:r>
+              <a:rPr lang="en-US" dirty="0" smtClean="0"/>
+              <a:t> “</a:t>
+            </a:r>
+            <a:r>
+              <a:rPr lang="en-US" dirty="0" smtClean="0"/>
+              <a:t>lab02”</a:t>
+            </a:r>
+            <a:endParaRPr lang="en-US" dirty="0" smtClean="0"/>
+          </a:p>
+          <a:p>
+            <a:pPr lvl="1"/>
+            <a:r>
+              <a:rPr lang="en-US" dirty="0" err="1" smtClean="0"/>
+              <a:t>Zorg</a:t>
+            </a:r>
+            <a:r>
+              <a:rPr lang="en-US" dirty="0" smtClean="0"/>
+              <a:t> </a:t>
+            </a:r>
+            <a:r>
+              <a:rPr lang="en-US" dirty="0" err="1" smtClean="0"/>
+              <a:t>dat</a:t>
+            </a:r>
+            <a:r>
+              <a:rPr lang="en-US" dirty="0" smtClean="0"/>
+              <a:t> in </a:t>
+            </a:r>
+            <a:r>
+              <a:rPr lang="en-US" dirty="0" err="1" smtClean="0"/>
+              <a:t>deze</a:t>
+            </a:r>
+            <a:r>
+              <a:rPr lang="en-US" dirty="0" smtClean="0"/>
+              <a:t> file de </a:t>
+            </a:r>
+            <a:r>
+              <a:rPr lang="en-US" dirty="0" err="1" smtClean="0"/>
+              <a:t>tekst</a:t>
+            </a:r>
+            <a:r>
+              <a:rPr lang="en-US" dirty="0" smtClean="0"/>
+              <a:t>: “</a:t>
+            </a:r>
+            <a:r>
+              <a:rPr lang="en-US" dirty="0" err="1" smtClean="0"/>
+              <a:t>SaltStack</a:t>
+            </a:r>
+            <a:r>
+              <a:rPr lang="en-US" dirty="0" smtClean="0"/>
+              <a:t> Workshop 2019” </a:t>
+            </a:r>
+            <a:r>
+              <a:rPr lang="en-US" dirty="0" err="1" smtClean="0"/>
+              <a:t>staat</a:t>
+            </a:r>
+            <a:endParaRPr lang="en-US" dirty="0"/>
+          </a:p>
+          <a:p>
+            <a:pPr lvl="1"/>
+            <a:r>
+              <a:rPr lang="en-US" dirty="0" err="1" smtClean="0"/>
+              <a:t>Voer</a:t>
+            </a:r>
+            <a:r>
+              <a:rPr lang="en-US" dirty="0" smtClean="0"/>
+              <a:t> de </a:t>
+            </a:r>
+            <a:r>
+              <a:rPr lang="en-US" dirty="0" smtClean="0"/>
+              <a:t>state (direct) </a:t>
+            </a:r>
+            <a:r>
+              <a:rPr lang="en-US" dirty="0" err="1" smtClean="0"/>
+              <a:t>uit</a:t>
+            </a:r>
+            <a:endParaRPr lang="en-US" dirty="0" smtClean="0"/>
+          </a:p>
+          <a:p>
+            <a:pPr lvl="1"/>
+            <a:r>
+              <a:rPr lang="en-US" dirty="0" smtClean="0"/>
+              <a:t>Koppel de state in de top file</a:t>
+            </a:r>
+          </a:p>
+          <a:p>
+            <a:pPr lvl="1"/>
+            <a:r>
+              <a:rPr lang="en-US" dirty="0" err="1" smtClean="0"/>
+              <a:t>Controleer</a:t>
+            </a:r>
+            <a:r>
+              <a:rPr lang="en-US" dirty="0" smtClean="0"/>
+              <a:t> of de state </a:t>
+            </a:r>
+            <a:r>
+              <a:rPr lang="en-US" dirty="0" err="1" smtClean="0"/>
+              <a:t>automatisch</a:t>
+            </a:r>
+            <a:r>
+              <a:rPr lang="en-US" dirty="0" smtClean="0"/>
+              <a:t> </a:t>
+            </a:r>
+            <a:r>
+              <a:rPr lang="en-US" dirty="0" err="1" smtClean="0"/>
+              <a:t>gevonden</a:t>
+            </a:r>
+            <a:r>
+              <a:rPr lang="en-US" dirty="0" smtClean="0"/>
+              <a:t> </a:t>
+            </a:r>
+            <a:r>
+              <a:rPr lang="en-US" dirty="0" err="1" smtClean="0"/>
+              <a:t>wordt</a:t>
+            </a:r>
+            <a:endParaRPr lang="en-US" dirty="0" smtClean="0"/>
+          </a:p>
+          <a:p>
+            <a:pPr lvl="1"/>
+            <a:r>
+              <a:rPr lang="en-US" dirty="0" smtClean="0"/>
+              <a:t>Pas de top file </a:t>
+            </a:r>
+            <a:r>
+              <a:rPr lang="en-US" dirty="0" err="1" smtClean="0"/>
+              <a:t>zo</a:t>
+            </a:r>
+            <a:r>
+              <a:rPr lang="en-US" dirty="0" smtClean="0"/>
+              <a:t> </a:t>
+            </a:r>
+            <a:r>
+              <a:rPr lang="en-US" dirty="0" err="1" smtClean="0"/>
+              <a:t>aan</a:t>
+            </a:r>
+            <a:r>
+              <a:rPr lang="en-US" dirty="0" smtClean="0"/>
+              <a:t> </a:t>
+            </a:r>
+            <a:r>
+              <a:rPr lang="en-US" dirty="0" err="1" smtClean="0"/>
+              <a:t>dat</a:t>
+            </a:r>
+            <a:r>
+              <a:rPr lang="en-US" dirty="0" smtClean="0"/>
+              <a:t> de </a:t>
+            </a:r>
+            <a:r>
+              <a:rPr lang="en-US" dirty="0" err="1" smtClean="0"/>
+              <a:t>oude</a:t>
+            </a:r>
+            <a:r>
+              <a:rPr lang="en-US" dirty="0" smtClean="0"/>
+              <a:t> state </a:t>
+            </a:r>
+            <a:r>
+              <a:rPr lang="en-US" dirty="0" err="1" smtClean="0"/>
+              <a:t>niet</a:t>
+            </a:r>
+            <a:r>
+              <a:rPr lang="en-US" dirty="0" smtClean="0"/>
+              <a:t> </a:t>
+            </a:r>
+            <a:r>
+              <a:rPr lang="en-US" dirty="0" err="1" smtClean="0"/>
+              <a:t>meer</a:t>
+            </a:r>
+            <a:r>
+              <a:rPr lang="en-US" dirty="0" smtClean="0"/>
+              <a:t> </a:t>
+            </a:r>
+            <a:r>
+              <a:rPr lang="en-US" dirty="0" err="1" smtClean="0"/>
+              <a:t>geldt</a:t>
+            </a:r>
+            <a:r>
+              <a:rPr lang="en-US" dirty="0" smtClean="0"/>
+              <a:t> </a:t>
+            </a:r>
+            <a:r>
+              <a:rPr lang="en-US" dirty="0" err="1" smtClean="0"/>
+              <a:t>voor</a:t>
+            </a:r>
+            <a:r>
+              <a:rPr lang="en-US" dirty="0" smtClean="0"/>
+              <a:t> </a:t>
+            </a:r>
+            <a:r>
+              <a:rPr lang="en-US" dirty="0" err="1" smtClean="0"/>
+              <a:t>deze</a:t>
+            </a:r>
+            <a:r>
+              <a:rPr lang="en-US" dirty="0" smtClean="0"/>
+              <a:t> minion!</a:t>
+            </a:r>
+          </a:p>
+          <a:p>
+            <a:endParaRPr lang="en-US" dirty="0" smtClean="0"/>
           </a:p>
         </p:txBody>
       </p:sp>
     </p:spTree>
     <p:extLst>
       <p:ext uri="{BB962C8B-B14F-4D97-AF65-F5344CB8AC3E}">
-        <p14:creationId xmlns:p14="http://schemas.microsoft.com/office/powerpoint/2010/main" val="2085440223"/>
+        <p14:creationId xmlns:p14="http://schemas.microsoft.com/office/powerpoint/2010/main" val="3626086106"/>
       </p:ext>
     </p:extLst>
   </p:cSld>
@@ -8119,11 +8228,15 @@
           <a:p>
             <a:r>
               <a:rPr lang="en-US" dirty="0" smtClean="0"/>
-              <a:t>Lab 03 – Minion(s) </a:t>
-            </a:r>
-            <a:r>
-              <a:rPr lang="en-US" dirty="0" err="1" smtClean="0"/>
-              <a:t>koppelen</a:t>
+              <a:t>Salt Master </a:t>
+            </a:r>
+            <a:r>
+              <a:rPr lang="en-US" dirty="0" err="1" smtClean="0"/>
+              <a:t>gestuurde</a:t>
+            </a:r>
+            <a:r>
+              <a:rPr lang="en-US" dirty="0" smtClean="0"/>
+              <a:t> State</a:t>
             </a:r>
             <a:endParaRPr lang="nl-NL" dirty="0"/>
           </a:p>
@@ -8145,126 +8258,45 @@
           <a:lstStyle/>
           <a:p>
             <a:r>
-              <a:rPr lang="en-US" dirty="0" err="1" smtClean="0"/>
-              <a:t>Zorg</a:t>
-            </a:r>
-            <a:r>
-              <a:rPr lang="en-US" dirty="0" smtClean="0"/>
-              <a:t> </a:t>
-            </a:r>
-            <a:r>
-              <a:rPr lang="en-US" dirty="0" err="1" smtClean="0"/>
-              <a:t>dat</a:t>
-            </a:r>
-            <a:r>
-              <a:rPr lang="en-US" dirty="0" smtClean="0"/>
-              <a:t> je op de Salt Master </a:t>
-            </a:r>
-            <a:r>
-              <a:rPr lang="en-US" dirty="0" err="1" smtClean="0"/>
-              <a:t>dmv</a:t>
-            </a:r>
-            <a:r>
-              <a:rPr lang="en-US" dirty="0" smtClean="0"/>
-              <a:t> salt-key je minion </a:t>
-            </a:r>
-            <a:r>
-              <a:rPr lang="en-US" dirty="0" err="1" smtClean="0"/>
-              <a:t>koppelt</a:t>
-            </a:r>
-            <a:r>
-              <a:rPr lang="en-US" dirty="0" smtClean="0"/>
-              <a:t>.</a:t>
-            </a:r>
-          </a:p>
-          <a:p>
-            <a:r>
-              <a:rPr lang="en-US" dirty="0" smtClean="0"/>
-              <a:t>Check de </a:t>
-            </a:r>
-            <a:r>
-              <a:rPr lang="en-US" dirty="0" err="1" smtClean="0"/>
-              <a:t>beschikbare</a:t>
-            </a:r>
-            <a:r>
-              <a:rPr lang="en-US" dirty="0" smtClean="0"/>
-              <a:t> states </a:t>
-            </a:r>
-            <a:r>
-              <a:rPr lang="en-US" dirty="0" err="1" smtClean="0"/>
-              <a:t>voor</a:t>
-            </a:r>
-            <a:r>
-              <a:rPr lang="en-US" dirty="0" smtClean="0"/>
-              <a:t> de minion</a:t>
-            </a:r>
-          </a:p>
-          <a:p>
-            <a:pPr lvl="1"/>
-            <a:r>
-              <a:rPr lang="en-US" dirty="0" smtClean="0"/>
-              <a:t>Op de minion </a:t>
-            </a:r>
-            <a:r>
-              <a:rPr lang="en-US" dirty="0" err="1" smtClean="0"/>
-              <a:t>dmv</a:t>
-            </a:r>
-            <a:r>
-              <a:rPr lang="en-US" dirty="0" smtClean="0"/>
-              <a:t> ‘salt-call’</a:t>
-            </a:r>
-          </a:p>
-          <a:p>
-            <a:pPr lvl="1"/>
-            <a:r>
-              <a:rPr lang="en-US" dirty="0" smtClean="0"/>
-              <a:t>Op de master </a:t>
-            </a:r>
-            <a:r>
-              <a:rPr lang="en-US" dirty="0" err="1" smtClean="0"/>
-              <a:t>dmv</a:t>
-            </a:r>
-            <a:r>
-              <a:rPr lang="en-US" dirty="0" smtClean="0"/>
-              <a:t> ‘salt’</a:t>
-            </a:r>
-          </a:p>
-          <a:p>
-            <a:r>
-              <a:rPr lang="en-US" dirty="0" err="1"/>
-              <a:t>Voer</a:t>
-            </a:r>
-            <a:r>
-              <a:rPr lang="en-US" dirty="0"/>
-              <a:t> op de minion </a:t>
-            </a:r>
-            <a:r>
-              <a:rPr lang="en-US" dirty="0" err="1"/>
-              <a:t>een</a:t>
-            </a:r>
-            <a:r>
-              <a:rPr lang="en-US" dirty="0"/>
-              <a:t> </a:t>
-            </a:r>
-            <a:r>
-              <a:rPr lang="en-US" dirty="0" err="1"/>
-              <a:t>state.apply</a:t>
-            </a:r>
-            <a:r>
-              <a:rPr lang="en-US" dirty="0"/>
-              <a:t> </a:t>
-            </a:r>
-            <a:r>
-              <a:rPr lang="en-US" dirty="0" err="1"/>
-              <a:t>uit</a:t>
-            </a:r>
-            <a:endParaRPr lang="en-US" dirty="0"/>
-          </a:p>
-          <a:p>
-            <a:endParaRPr lang="en-US" dirty="0" smtClean="0"/>
-          </a:p>
-          <a:p>
-            <a:pPr lvl="1"/>
+              <a:rPr lang="nl-NL" dirty="0" smtClean="0"/>
+              <a:t>Vrijwel gelijk aan </a:t>
+            </a:r>
+            <a:r>
+              <a:rPr lang="nl-NL" dirty="0" err="1" smtClean="0"/>
+              <a:t>Minion</a:t>
+            </a:r>
+            <a:endParaRPr lang="nl-NL" dirty="0" smtClean="0"/>
+          </a:p>
+          <a:p>
+            <a:r>
+              <a:rPr lang="nl-NL" dirty="0" smtClean="0"/>
+              <a:t>Via Fileserver</a:t>
+            </a:r>
+          </a:p>
+          <a:p>
+            <a:r>
+              <a:rPr lang="nl-NL" dirty="0" err="1" smtClean="0"/>
+              <a:t>Top.sls</a:t>
+            </a:r>
+            <a:r>
+              <a:rPr lang="nl-NL" dirty="0" smtClean="0"/>
+              <a:t> wordt gebruikt voor matchen </a:t>
+            </a:r>
+            <a:r>
+              <a:rPr lang="nl-NL" dirty="0" err="1" smtClean="0"/>
+              <a:t>nodes</a:t>
+            </a:r>
+            <a:r>
+              <a:rPr lang="nl-NL" dirty="0" smtClean="0"/>
+              <a:t> &lt;-&gt; </a:t>
+            </a:r>
+            <a:r>
+              <a:rPr lang="nl-NL" dirty="0" err="1" smtClean="0"/>
+              <a:t>states</a:t>
+            </a:r>
+            <a:endParaRPr lang="nl-NL" dirty="0" smtClean="0"/>
+          </a:p>
+          <a:p>
             <a:endParaRPr lang="nl-NL" dirty="0"/>
           </a:p>
         </p:txBody>
@@ -8272,7 +8304,7 @@
     </p:spTree>
     <p:extLst>
       <p:ext uri="{BB962C8B-B14F-4D97-AF65-F5344CB8AC3E}">
-        <p14:creationId xmlns:p14="http://schemas.microsoft.com/office/powerpoint/2010/main" val="4258555002"/>
+        <p14:creationId xmlns:p14="http://schemas.microsoft.com/office/powerpoint/2010/main" val="2085440223"/>
       </p:ext>
     </p:extLst>
   </p:cSld>
@@ -8347,24 +8379,17 @@
         <p:spPr/>
         <p:txBody>
           <a:bodyPr>
-            <a:normAutofit fontScale="85000" lnSpcReduction="20000"/>
+            <a:normAutofit fontScale="77500" lnSpcReduction="20000"/>
           </a:bodyPr>
           <a:lstStyle/>
           <a:p>
             <a:r>
               <a:rPr lang="nl-NL" dirty="0" smtClean="0"/>
-              <a:t>Koppel een tweede </a:t>
-            </a:r>
-            <a:r>
-              <a:rPr lang="nl-NL" dirty="0" err="1" smtClean="0"/>
-              <a:t>minion</a:t>
-            </a:r>
-            <a:endParaRPr lang="nl-NL" dirty="0" smtClean="0"/>
-          </a:p>
-          <a:p>
+              <a:t>Maak </a:t>
+            </a:r>
             <a:r>
               <a:rPr lang="nl-NL" dirty="0" smtClean="0"/>
-              <a:t>Maak 2 </a:t>
+              <a:t>2 </a:t>
             </a:r>
             <a:r>
               <a:rPr lang="nl-NL" dirty="0" err="1" smtClean="0"/>
@@ -8419,8 +8444,20 @@
           <a:p>
             <a:pPr lvl="2"/>
             <a:r>
+              <a:rPr lang="en-US" dirty="0" smtClean="0"/>
+              <a:t>Start (en enable) de service</a:t>
+            </a:r>
+            <a:endParaRPr lang="nl-NL" dirty="0" smtClean="0"/>
+          </a:p>
+          <a:p>
+            <a:pPr lvl="2"/>
+            <a:r>
               <a:rPr lang="nl-NL" dirty="0" smtClean="0"/>
-              <a:t>Maak een index.html met daarin een </a:t>
+              <a:t>Maak </a:t>
+            </a:r>
+            <a:r>
+              <a:rPr lang="nl-NL" dirty="0" smtClean="0"/>
+              <a:t>een index.html met daarin een </a:t>
             </a:r>
             <a:r>
               <a:rPr lang="nl-NL" dirty="0" err="1" smtClean="0"/>
@@ -8452,6 +8489,14 @@
             <a:r>
               <a:rPr lang="nl-NL" dirty="0" err="1" smtClean="0"/>
               <a:t>mariadb</a:t>
+            </a:r>
+            <a:endParaRPr lang="nl-NL" dirty="0" smtClean="0"/>
+          </a:p>
+          <a:p>
+            <a:pPr lvl="2"/>
+            <a:r>
+              <a:rPr lang="en-US" dirty="0" smtClean="0"/>
+              <a:t>Start (en enable) de service</a:t>
             </a:r>
             <a:endParaRPr lang="nl-NL" dirty="0" smtClean="0"/>
           </a:p>
@@ -8744,7 +8789,9 @@
         </p:nvSpPr>
         <p:spPr/>
         <p:txBody>
-          <a:bodyPr/>
+          <a:bodyPr>
+            <a:normAutofit lnSpcReduction="10000"/>
+          </a:bodyPr>
           <a:lstStyle/>
           <a:p>
             <a:r>
@@ -8915,6 +8962,70 @@
               <a:rPr lang="en-US" dirty="0" smtClean="0"/>
               <a:t>)</a:t>
             </a:r>
+          </a:p>
+          <a:p>
+            <a:r>
+              <a:rPr lang="en-US" dirty="0"/>
+              <a:t>Gotcha’s:</a:t>
+            </a:r>
+          </a:p>
+          <a:p>
+            <a:pPr lvl="1"/>
+            <a:r>
+              <a:rPr lang="en-US" dirty="0"/>
+              <a:t>De *</a:t>
+            </a:r>
+            <a:r>
+              <a:rPr lang="en-US" dirty="0" err="1"/>
+              <a:t>laatste</a:t>
+            </a:r>
+            <a:r>
+              <a:rPr lang="en-US" dirty="0"/>
+              <a:t>* pillar entry </a:t>
+            </a:r>
+            <a:r>
+              <a:rPr lang="en-US" dirty="0" err="1"/>
+              <a:t>wint</a:t>
+            </a:r>
+            <a:r>
+              <a:rPr lang="en-US" dirty="0"/>
+              <a:t> (in </a:t>
+            </a:r>
+            <a:r>
+              <a:rPr lang="en-US" dirty="0" err="1"/>
+              <a:t>tegenstelling</a:t>
+            </a:r>
+            <a:r>
+              <a:rPr lang="en-US" dirty="0"/>
+              <a:t> tot </a:t>
+            </a:r>
+            <a:r>
+              <a:rPr lang="en-US" dirty="0" err="1"/>
+              <a:t>andere</a:t>
+            </a:r>
+            <a:r>
+              <a:rPr lang="en-US" dirty="0"/>
+              <a:t> </a:t>
+            </a:r>
+            <a:r>
+              <a:rPr lang="en-US" dirty="0" err="1"/>
+              <a:t>Configuratie</a:t>
+            </a:r>
+            <a:r>
+              <a:rPr lang="en-US" dirty="0"/>
+              <a:t> Management </a:t>
+            </a:r>
+            <a:r>
+              <a:rPr lang="en-US" dirty="0" err="1"/>
+              <a:t>systemen</a:t>
+            </a:r>
+            <a:r>
+              <a:rPr lang="en-US" dirty="0"/>
+              <a:t>)</a:t>
+            </a:r>
+            <a:endParaRPr lang="nl-NL" dirty="0"/>
+          </a:p>
+          <a:p>
             <a:endParaRPr lang="nl-NL" dirty="0" smtClean="0"/>
           </a:p>
         </p:txBody>
@@ -8978,7 +9089,7 @@
           <a:p>
             <a:r>
               <a:rPr lang="en-US" dirty="0" smtClean="0"/>
-              <a:t>Demo - Pillar</a:t>
+              <a:t>Grains</a:t>
             </a:r>
             <a:endParaRPr lang="nl-NL" dirty="0"/>
           </a:p>
@@ -9000,6 +9111,202 @@
           <a:lstStyle/>
           <a:p>
             <a:r>
+              <a:rPr lang="en-US" dirty="0" smtClean="0"/>
+              <a:t>Data </a:t>
+            </a:r>
+            <a:r>
+              <a:rPr lang="en-US" dirty="0" err="1" smtClean="0"/>
+              <a:t>verzameld</a:t>
+            </a:r>
+            <a:r>
+              <a:rPr lang="en-US" dirty="0" smtClean="0"/>
+              <a:t> door de minion</a:t>
+            </a:r>
+          </a:p>
+          <a:p>
+            <a:r>
+              <a:rPr lang="en-US" dirty="0" err="1" smtClean="0"/>
+              <a:t>Bevat</a:t>
+            </a:r>
+            <a:r>
+              <a:rPr lang="en-US" dirty="0" smtClean="0"/>
+              <a:t> </a:t>
+            </a:r>
+            <a:r>
+              <a:rPr lang="en-US" dirty="0" err="1" smtClean="0"/>
+              <a:t>veelal</a:t>
+            </a:r>
+            <a:r>
+              <a:rPr lang="en-US" dirty="0" smtClean="0"/>
+              <a:t> informative over het </a:t>
+            </a:r>
+            <a:r>
+              <a:rPr lang="en-US" dirty="0" err="1" smtClean="0"/>
+              <a:t>systeem</a:t>
+            </a:r>
+            <a:r>
+              <a:rPr lang="en-US" dirty="0" smtClean="0"/>
+              <a:t> </a:t>
+            </a:r>
+            <a:r>
+              <a:rPr lang="en-US" dirty="0" err="1" smtClean="0"/>
+              <a:t>waar</a:t>
+            </a:r>
+            <a:r>
+              <a:rPr lang="en-US" dirty="0" smtClean="0"/>
+              <a:t> de minion op </a:t>
+            </a:r>
+            <a:r>
+              <a:rPr lang="en-US" dirty="0" err="1" smtClean="0"/>
+              <a:t>draait</a:t>
+            </a:r>
+            <a:r>
+              <a:rPr lang="en-US" dirty="0" smtClean="0"/>
+              <a:t>.</a:t>
+            </a:r>
+          </a:p>
+          <a:p>
+            <a:r>
+              <a:rPr lang="en-US" dirty="0" err="1" smtClean="0"/>
+              <a:t>Denk</a:t>
+            </a:r>
+            <a:r>
+              <a:rPr lang="en-US" dirty="0" smtClean="0"/>
+              <a:t> </a:t>
+            </a:r>
+            <a:r>
+              <a:rPr lang="en-US" dirty="0" err="1" smtClean="0"/>
+              <a:t>aan</a:t>
+            </a:r>
+            <a:r>
+              <a:rPr lang="en-US" dirty="0" smtClean="0"/>
+              <a:t>:</a:t>
+            </a:r>
+          </a:p>
+          <a:p>
+            <a:pPr lvl="1"/>
+            <a:r>
+              <a:rPr lang="en-US" dirty="0" smtClean="0"/>
+              <a:t>CPU / Memory / Disk</a:t>
+            </a:r>
+          </a:p>
+          <a:p>
+            <a:pPr lvl="1"/>
+            <a:r>
+              <a:rPr lang="en-US" dirty="0" err="1" smtClean="0"/>
+              <a:t>Netwerk</a:t>
+            </a:r>
+            <a:endParaRPr lang="en-US" dirty="0"/>
+          </a:p>
+          <a:p>
+            <a:pPr lvl="1"/>
+            <a:r>
+              <a:rPr lang="en-US" dirty="0" smtClean="0"/>
+              <a:t>OS </a:t>
+            </a:r>
+            <a:r>
+              <a:rPr lang="en-US" dirty="0" err="1" smtClean="0"/>
+              <a:t>Versie</a:t>
+            </a:r>
+            <a:r>
+              <a:rPr lang="en-US" dirty="0" smtClean="0"/>
+              <a:t> / </a:t>
+            </a:r>
+            <a:r>
+              <a:rPr lang="en-US" dirty="0" err="1" smtClean="0"/>
+              <a:t>Architectuur</a:t>
+            </a:r>
+            <a:endParaRPr lang="nl-NL" dirty="0"/>
+          </a:p>
+        </p:txBody>
+      </p:sp>
+    </p:spTree>
+    <p:extLst>
+      <p:ext uri="{BB962C8B-B14F-4D97-AF65-F5344CB8AC3E}">
+        <p14:creationId xmlns:p14="http://schemas.microsoft.com/office/powerpoint/2010/main" val="184946077"/>
+      </p:ext>
+    </p:extLst>
+  </p:cSld>
+  <p:clrMapOvr>
+    <a:masterClrMapping/>
+  </p:clrMapOvr>
+  <mc:AlternateContent xmlns:mc="http://schemas.openxmlformats.org/markup-compatibility/2006" xmlns:p14="http://schemas.microsoft.com/office/powerpoint/2010/main">
+    <mc:Choice Requires="p14">
+      <p:transition spd="med" p14:dur="700">
+        <p:fade/>
+      </p:transition>
+    </mc:Choice>
+    <mc:Fallback xmlns="">
+      <p:transition spd="med">
+        <p:fade/>
+      </p:transition>
+    </mc:Fallback>
+  </mc:AlternateContent>
+</p:sld>
+</file>
+
+<file path=ppt/slides/slide22.xml><?xml version="1.0" encoding="utf-8"?>
+<p:sld xmlns:a="http://schemas.openxmlformats.org/drawingml/2006/main" xmlns:r="http://schemas.openxmlformats.org/officeDocument/2006/relationships" xmlns:p="http://schemas.openxmlformats.org/presentationml/2006/main">
+  <p:cSld>
+    <p:spTree>
+      <p:nvGrpSpPr>
+        <p:cNvPr id="1" name=""/>
+        <p:cNvGrpSpPr/>
+        <p:nvPr/>
+      </p:nvGrpSpPr>
+      <p:grpSpPr>
+        <a:xfrm>
+          <a:off x="0" y="0"/>
+          <a:ext cx="0" cy="0"/>
+          <a:chOff x="0" y="0"/>
+          <a:chExt cx="0" cy="0"/>
+        </a:xfrm>
+      </p:grpSpPr>
+      <p:sp>
+        <p:nvSpPr>
+          <p:cNvPr id="2" name="Titel 1"/>
+          <p:cNvSpPr>
+            <a:spLocks noGrp="1"/>
+          </p:cNvSpPr>
+          <p:nvPr>
+            <p:ph type="title"/>
+          </p:nvPr>
+        </p:nvSpPr>
+        <p:spPr/>
+        <p:txBody>
+          <a:bodyPr/>
+          <a:lstStyle/>
+          <a:p>
+            <a:r>
+              <a:rPr lang="en-US" dirty="0" smtClean="0"/>
+              <a:t>Demo </a:t>
+            </a:r>
+            <a:r>
+              <a:rPr lang="en-US" dirty="0" smtClean="0"/>
+              <a:t>– Pillar &amp; Grains</a:t>
+            </a:r>
+            <a:endParaRPr lang="nl-NL" dirty="0"/>
+          </a:p>
+        </p:txBody>
+      </p:sp>
+      <p:sp>
+        <p:nvSpPr>
+          <p:cNvPr id="3" name="Tijdelijke aanduiding voor inhoud 2"/>
+          <p:cNvSpPr>
+            <a:spLocks noGrp="1"/>
+          </p:cNvSpPr>
+          <p:nvPr>
+            <p:ph idx="1"/>
+          </p:nvPr>
+        </p:nvSpPr>
+        <p:spPr/>
+        <p:txBody>
+          <a:bodyPr>
+            <a:normAutofit/>
+          </a:bodyPr>
+          <a:lstStyle/>
+          <a:p>
+            <a:r>
               <a:rPr lang="en-US" dirty="0"/>
               <a:t>salt-call </a:t>
             </a:r>
@@ -9015,8 +9322,84 @@
             </a:r>
             <a:r>
               <a:rPr lang="nl-NL" dirty="0"/>
-              <a:t> '*' pillar.ls</a:t>
-            </a:r>
+              <a:t> '*' </a:t>
+            </a:r>
+            <a:r>
+              <a:rPr lang="nl-NL" dirty="0" smtClean="0"/>
+              <a:t>pillar.ls</a:t>
+            </a:r>
+          </a:p>
+          <a:p>
+            <a:endParaRPr lang="nl-NL" dirty="0" smtClean="0"/>
+          </a:p>
+          <a:p>
+            <a:r>
+              <a:rPr lang="en-US" dirty="0" smtClean="0"/>
+              <a:t>salt-call </a:t>
+            </a:r>
+            <a:r>
+              <a:rPr lang="en-US" dirty="0" err="1" smtClean="0"/>
+              <a:t>pillar.item</a:t>
+            </a:r>
+            <a:r>
+              <a:rPr lang="en-US" dirty="0" smtClean="0"/>
+              <a:t> </a:t>
+            </a:r>
+            <a:r>
+              <a:rPr lang="en-US" dirty="0" err="1" smtClean="0"/>
+              <a:t>public_data</a:t>
+            </a:r>
+            <a:endParaRPr lang="en-US" dirty="0" smtClean="0"/>
+          </a:p>
+          <a:p>
+            <a:r>
+              <a:rPr lang="nl-NL" dirty="0" err="1" smtClean="0"/>
+              <a:t>salt</a:t>
+            </a:r>
+            <a:r>
+              <a:rPr lang="nl-NL" dirty="0" smtClean="0"/>
+              <a:t>-call </a:t>
+            </a:r>
+            <a:r>
+              <a:rPr lang="nl-NL" dirty="0" err="1"/>
+              <a:t>pillar.item</a:t>
+            </a:r>
+            <a:r>
+              <a:rPr lang="nl-NL" dirty="0"/>
+              <a:t> </a:t>
+            </a:r>
+            <a:r>
+              <a:rPr lang="nl-NL" dirty="0" err="1" smtClean="0"/>
+              <a:t>minion_data</a:t>
+            </a:r>
+            <a:endParaRPr lang="nl-NL" dirty="0" smtClean="0"/>
+          </a:p>
+          <a:p>
+            <a:endParaRPr lang="nl-NL" dirty="0" smtClean="0"/>
+          </a:p>
+          <a:p>
+            <a:r>
+              <a:rPr lang="en-US" dirty="0"/>
+              <a:t>salt-call grains.ls</a:t>
+            </a:r>
+          </a:p>
+          <a:p>
+            <a:r>
+              <a:rPr lang="en-US" dirty="0"/>
+              <a:t>salt-call </a:t>
+            </a:r>
+            <a:r>
+              <a:rPr lang="en-US" dirty="0" err="1" smtClean="0"/>
+              <a:t>grains.item</a:t>
+            </a:r>
+            <a:r>
+              <a:rPr lang="en-US" dirty="0" smtClean="0"/>
+              <a:t> ipv4</a:t>
+            </a:r>
+            <a:endParaRPr lang="en-US" dirty="0"/>
+          </a:p>
+          <a:p>
+            <a:endParaRPr lang="en-US" dirty="0" smtClean="0"/>
           </a:p>
         </p:txBody>
       </p:sp>
@@ -9045,7 +9428,600 @@
 </p:sld>
 </file>
 
-<file path=ppt/slides/slide22.xml><?xml version="1.0" encoding="utf-8"?>
+<file path=ppt/slides/slide23.xml><?xml version="1.0" encoding="utf-8"?>
+<p:sld xmlns:a="http://schemas.openxmlformats.org/drawingml/2006/main" xmlns:r="http://schemas.openxmlformats.org/officeDocument/2006/relationships" xmlns:p="http://schemas.openxmlformats.org/presentationml/2006/main">
+  <p:cSld>
+    <p:spTree>
+      <p:nvGrpSpPr>
+        <p:cNvPr id="1" name=""/>
+        <p:cNvGrpSpPr/>
+        <p:nvPr/>
+      </p:nvGrpSpPr>
+      <p:grpSpPr>
+        <a:xfrm>
+          <a:off x="0" y="0"/>
+          <a:ext cx="0" cy="0"/>
+          <a:chOff x="0" y="0"/>
+          <a:chExt cx="0" cy="0"/>
+        </a:xfrm>
+      </p:grpSpPr>
+      <p:sp>
+        <p:nvSpPr>
+          <p:cNvPr id="2" name="Titel 1"/>
+          <p:cNvSpPr>
+            <a:spLocks noGrp="1"/>
+          </p:cNvSpPr>
+          <p:nvPr>
+            <p:ph type="title"/>
+          </p:nvPr>
+        </p:nvSpPr>
+        <p:spPr/>
+        <p:txBody>
+          <a:bodyPr/>
+          <a:lstStyle/>
+          <a:p>
+            <a:r>
+              <a:rPr lang="en-US" dirty="0" smtClean="0"/>
+              <a:t>Extra: </a:t>
+            </a:r>
+            <a:r>
+              <a:rPr lang="en-US" dirty="0" err="1" smtClean="0"/>
+              <a:t>Jinja</a:t>
+            </a:r>
+            <a:endParaRPr lang="nl-NL" dirty="0"/>
+          </a:p>
+        </p:txBody>
+      </p:sp>
+      <p:sp>
+        <p:nvSpPr>
+          <p:cNvPr id="3" name="Tijdelijke aanduiding voor inhoud 2"/>
+          <p:cNvSpPr>
+            <a:spLocks noGrp="1"/>
+          </p:cNvSpPr>
+          <p:nvPr>
+            <p:ph idx="1"/>
+          </p:nvPr>
+        </p:nvSpPr>
+        <p:spPr/>
+        <p:txBody>
+          <a:bodyPr>
+            <a:normAutofit fontScale="77500" lnSpcReduction="20000"/>
+          </a:bodyPr>
+          <a:lstStyle/>
+          <a:p>
+            <a:r>
+              <a:rPr lang="en-US" dirty="0" smtClean="0"/>
+              <a:t>Salt </a:t>
+            </a:r>
+            <a:r>
+              <a:rPr lang="en-US" dirty="0" err="1" smtClean="0"/>
+              <a:t>kent</a:t>
+            </a:r>
+            <a:r>
+              <a:rPr lang="en-US" dirty="0" smtClean="0"/>
+              <a:t> </a:t>
+            </a:r>
+            <a:r>
+              <a:rPr lang="en-US" dirty="0" err="1" smtClean="0"/>
+              <a:t>een</a:t>
+            </a:r>
+            <a:r>
+              <a:rPr lang="en-US" dirty="0" smtClean="0"/>
+              <a:t> </a:t>
+            </a:r>
+            <a:r>
+              <a:rPr lang="en-US" dirty="0" err="1" smtClean="0"/>
+              <a:t>templating</a:t>
+            </a:r>
+            <a:r>
+              <a:rPr lang="en-US" dirty="0" smtClean="0"/>
+              <a:t> engine (</a:t>
+            </a:r>
+            <a:r>
+              <a:rPr lang="en-US" dirty="0" err="1" smtClean="0"/>
+              <a:t>Jinja</a:t>
+            </a:r>
+            <a:r>
+              <a:rPr lang="en-US" dirty="0" smtClean="0"/>
+              <a:t>)</a:t>
+            </a:r>
+          </a:p>
+          <a:p>
+            <a:r>
+              <a:rPr lang="en-US" dirty="0" err="1" smtClean="0"/>
+              <a:t>Werkt</a:t>
+            </a:r>
+            <a:r>
+              <a:rPr lang="en-US" dirty="0" smtClean="0"/>
+              <a:t> in </a:t>
+            </a:r>
+            <a:r>
+              <a:rPr lang="en-US" dirty="0" err="1" smtClean="0"/>
+              <a:t>zowel</a:t>
+            </a:r>
+            <a:r>
+              <a:rPr lang="en-US" dirty="0" smtClean="0"/>
+              <a:t> states </a:t>
+            </a:r>
+            <a:r>
+              <a:rPr lang="en-US" dirty="0" err="1" smtClean="0"/>
+              <a:t>als</a:t>
+            </a:r>
+            <a:r>
+              <a:rPr lang="en-US" dirty="0" smtClean="0"/>
+              <a:t> in pillar</a:t>
+            </a:r>
+          </a:p>
+          <a:p>
+            <a:endParaRPr lang="en-US" dirty="0"/>
+          </a:p>
+          <a:p>
+            <a:r>
+              <a:rPr lang="en-US" dirty="0" err="1" smtClean="0"/>
+              <a:t>Nodig</a:t>
+            </a:r>
+            <a:r>
+              <a:rPr lang="en-US" dirty="0" smtClean="0"/>
+              <a:t> </a:t>
+            </a:r>
+            <a:r>
+              <a:rPr lang="en-US" dirty="0" err="1" smtClean="0"/>
+              <a:t>voor</a:t>
+            </a:r>
+            <a:r>
+              <a:rPr lang="en-US" dirty="0" smtClean="0"/>
+              <a:t> het </a:t>
+            </a:r>
+            <a:r>
+              <a:rPr lang="en-US" dirty="0" err="1" smtClean="0"/>
+              <a:t>gebruik</a:t>
+            </a:r>
+            <a:r>
+              <a:rPr lang="en-US" dirty="0" smtClean="0"/>
+              <a:t> van Pillar data in States:</a:t>
+            </a:r>
+          </a:p>
+          <a:p>
+            <a:pPr lvl="1"/>
+            <a:r>
+              <a:rPr lang="en-US" dirty="0" err="1" smtClean="0"/>
+              <a:t>Voorbeeld</a:t>
+            </a:r>
+            <a:r>
+              <a:rPr lang="en-US" dirty="0" smtClean="0"/>
+              <a:t>:</a:t>
+            </a:r>
+            <a:endParaRPr lang="nl-NL" dirty="0"/>
+          </a:p>
+          <a:p>
+            <a:pPr marL="411480" lvl="1" indent="0">
+              <a:buNone/>
+            </a:pPr>
+            <a:r>
+              <a:rPr lang="en-US" dirty="0" smtClean="0"/>
+              <a:t>“text”:</a:t>
+            </a:r>
+          </a:p>
+          <a:p>
+            <a:pPr marL="411480" lvl="1" indent="0">
+              <a:buNone/>
+            </a:pPr>
+            <a:r>
+              <a:rPr lang="en-US" dirty="0"/>
+              <a:t> </a:t>
+            </a:r>
+            <a:r>
+              <a:rPr lang="en-US" dirty="0" smtClean="0"/>
+              <a:t> </a:t>
+            </a:r>
+            <a:r>
+              <a:rPr lang="en-US" dirty="0" err="1" smtClean="0"/>
+              <a:t>pkg.installed</a:t>
+            </a:r>
+            <a:r>
+              <a:rPr lang="en-US" dirty="0" smtClean="0"/>
+              <a:t>:</a:t>
+            </a:r>
+          </a:p>
+          <a:p>
+            <a:pPr marL="411480" lvl="1" indent="0">
+              <a:buNone/>
+            </a:pPr>
+            <a:r>
+              <a:rPr lang="en-US" dirty="0"/>
+              <a:t> </a:t>
+            </a:r>
+            <a:r>
+              <a:rPr lang="en-US" dirty="0" smtClean="0"/>
+              <a:t>   - name: {{ pillar[‘</a:t>
+            </a:r>
+            <a:r>
+              <a:rPr lang="en-US" dirty="0" err="1" smtClean="0"/>
+              <a:t>webserver_package</a:t>
+            </a:r>
+            <a:r>
+              <a:rPr lang="en-US" dirty="0" smtClean="0"/>
+              <a:t>’] }}</a:t>
+            </a:r>
+          </a:p>
+          <a:p>
+            <a:pPr marL="411480" lvl="1" indent="0">
+              <a:buNone/>
+            </a:pPr>
+            <a:endParaRPr lang="en-US" dirty="0"/>
+          </a:p>
+          <a:p>
+            <a:pPr lvl="1"/>
+            <a:r>
+              <a:rPr lang="en-US" dirty="0" err="1" smtClean="0"/>
+              <a:t>Als</a:t>
+            </a:r>
+            <a:r>
+              <a:rPr lang="en-US" dirty="0" smtClean="0"/>
+              <a:t> pillar </a:t>
+            </a:r>
+            <a:r>
+              <a:rPr lang="en-US" dirty="0" err="1" smtClean="0"/>
+              <a:t>waarde</a:t>
+            </a:r>
+            <a:r>
+              <a:rPr lang="en-US" dirty="0" smtClean="0"/>
+              <a:t> van </a:t>
+            </a:r>
+            <a:r>
+              <a:rPr lang="en-US" dirty="0" err="1" smtClean="0"/>
+              <a:t>webserver_package</a:t>
+            </a:r>
+            <a:r>
+              <a:rPr lang="en-US" dirty="0" smtClean="0"/>
+              <a:t> </a:t>
+            </a:r>
+            <a:r>
+              <a:rPr lang="en-US" dirty="0" err="1" smtClean="0"/>
+              <a:t>dus</a:t>
+            </a:r>
+            <a:r>
+              <a:rPr lang="en-US" dirty="0" smtClean="0"/>
+              <a:t> “apache” is:</a:t>
+            </a:r>
+          </a:p>
+          <a:p>
+            <a:pPr lvl="1"/>
+            <a:r>
+              <a:rPr lang="en-US" dirty="0" err="1" smtClean="0"/>
+              <a:t>Wordt</a:t>
+            </a:r>
+            <a:r>
+              <a:rPr lang="en-US" dirty="0" smtClean="0"/>
+              <a:t> de state file:</a:t>
+            </a:r>
+          </a:p>
+          <a:p>
+            <a:pPr marL="411480" lvl="1" indent="0">
+              <a:buNone/>
+            </a:pPr>
+            <a:r>
+              <a:rPr lang="en-US" dirty="0" smtClean="0"/>
+              <a:t>“text”:</a:t>
+            </a:r>
+          </a:p>
+          <a:p>
+            <a:pPr marL="411480" lvl="1" indent="0">
+              <a:buNone/>
+            </a:pPr>
+            <a:r>
+              <a:rPr lang="en-US" dirty="0"/>
+              <a:t> </a:t>
+            </a:r>
+            <a:r>
+              <a:rPr lang="en-US" dirty="0" smtClean="0"/>
+              <a:t> </a:t>
+            </a:r>
+            <a:r>
+              <a:rPr lang="en-US" dirty="0" err="1" smtClean="0"/>
+              <a:t>pkg.installed</a:t>
+            </a:r>
+            <a:r>
+              <a:rPr lang="en-US" dirty="0" smtClean="0"/>
+              <a:t>:</a:t>
+            </a:r>
+          </a:p>
+          <a:p>
+            <a:pPr marL="411480" lvl="1" indent="0">
+              <a:buNone/>
+            </a:pPr>
+            <a:r>
+              <a:rPr lang="en-US" dirty="0"/>
+              <a:t> </a:t>
+            </a:r>
+            <a:r>
+              <a:rPr lang="en-US" dirty="0" smtClean="0"/>
+              <a:t>   - name: apache</a:t>
+            </a:r>
+          </a:p>
+        </p:txBody>
+      </p:sp>
+    </p:spTree>
+    <p:extLst>
+      <p:ext uri="{BB962C8B-B14F-4D97-AF65-F5344CB8AC3E}">
+        <p14:creationId xmlns:p14="http://schemas.microsoft.com/office/powerpoint/2010/main" val="2351204283"/>
+      </p:ext>
+    </p:extLst>
+  </p:cSld>
+  <p:clrMapOvr>
+    <a:masterClrMapping/>
+  </p:clrMapOvr>
+  <mc:AlternateContent xmlns:mc="http://schemas.openxmlformats.org/markup-compatibility/2006" xmlns:p14="http://schemas.microsoft.com/office/powerpoint/2010/main">
+    <mc:Choice Requires="p14">
+      <p:transition spd="med" p14:dur="700">
+        <p:fade/>
+      </p:transition>
+    </mc:Choice>
+    <mc:Fallback xmlns="">
+      <p:transition spd="med">
+        <p:fade/>
+      </p:transition>
+    </mc:Fallback>
+  </mc:AlternateContent>
+</p:sld>
+</file>
+
+<file path=ppt/slides/slide24.xml><?xml version="1.0" encoding="utf-8"?>
+<p:sld xmlns:a="http://schemas.openxmlformats.org/drawingml/2006/main" xmlns:r="http://schemas.openxmlformats.org/officeDocument/2006/relationships" xmlns:p="http://schemas.openxmlformats.org/presentationml/2006/main">
+  <p:cSld>
+    <p:spTree>
+      <p:nvGrpSpPr>
+        <p:cNvPr id="1" name=""/>
+        <p:cNvGrpSpPr/>
+        <p:nvPr/>
+      </p:nvGrpSpPr>
+      <p:grpSpPr>
+        <a:xfrm>
+          <a:off x="0" y="0"/>
+          <a:ext cx="0" cy="0"/>
+          <a:chOff x="0" y="0"/>
+          <a:chExt cx="0" cy="0"/>
+        </a:xfrm>
+      </p:grpSpPr>
+      <p:sp>
+        <p:nvSpPr>
+          <p:cNvPr id="2" name="Titel 1"/>
+          <p:cNvSpPr>
+            <a:spLocks noGrp="1"/>
+          </p:cNvSpPr>
+          <p:nvPr>
+            <p:ph type="title"/>
+          </p:nvPr>
+        </p:nvSpPr>
+        <p:spPr/>
+        <p:txBody>
+          <a:bodyPr/>
+          <a:lstStyle/>
+          <a:p>
+            <a:r>
+              <a:rPr lang="en-US" dirty="0" smtClean="0"/>
+              <a:t>Extra Lab: Pillar &amp; </a:t>
+            </a:r>
+            <a:r>
+              <a:rPr lang="en-US" dirty="0" err="1" smtClean="0"/>
+              <a:t>Jinja</a:t>
+            </a:r>
+            <a:endParaRPr lang="nl-NL" dirty="0"/>
+          </a:p>
+        </p:txBody>
+      </p:sp>
+      <p:sp>
+        <p:nvSpPr>
+          <p:cNvPr id="3" name="Tijdelijke aanduiding voor inhoud 2"/>
+          <p:cNvSpPr>
+            <a:spLocks noGrp="1"/>
+          </p:cNvSpPr>
+          <p:nvPr>
+            <p:ph idx="1"/>
+          </p:nvPr>
+        </p:nvSpPr>
+        <p:spPr/>
+        <p:txBody>
+          <a:bodyPr/>
+          <a:lstStyle/>
+          <a:p>
+            <a:r>
+              <a:rPr lang="en-US" dirty="0" err="1" smtClean="0"/>
+              <a:t>Maak</a:t>
+            </a:r>
+            <a:r>
+              <a:rPr lang="en-US" dirty="0" smtClean="0"/>
+              <a:t> </a:t>
+            </a:r>
+            <a:r>
+              <a:rPr lang="en-US" dirty="0" err="1" smtClean="0"/>
+              <a:t>een</a:t>
+            </a:r>
+            <a:r>
+              <a:rPr lang="en-US" dirty="0" smtClean="0"/>
+              <a:t> pillar </a:t>
+            </a:r>
+            <a:r>
+              <a:rPr lang="en-US" dirty="0" err="1" smtClean="0"/>
+              <a:t>waarde</a:t>
+            </a:r>
+            <a:r>
+              <a:rPr lang="en-US" dirty="0" smtClean="0"/>
+              <a:t> </a:t>
+            </a:r>
+            <a:r>
+              <a:rPr lang="en-US" dirty="0" err="1" smtClean="0"/>
+              <a:t>voor</a:t>
+            </a:r>
+            <a:r>
+              <a:rPr lang="en-US" dirty="0" smtClean="0"/>
+              <a:t>: </a:t>
+            </a:r>
+            <a:r>
+              <a:rPr lang="en-US" dirty="0" err="1" smtClean="0"/>
+              <a:t>webserver_package</a:t>
+            </a:r>
+            <a:endParaRPr lang="en-US" dirty="0" smtClean="0"/>
+          </a:p>
+          <a:p>
+            <a:r>
+              <a:rPr lang="en-US" dirty="0" err="1" smtClean="0"/>
+              <a:t>Zet</a:t>
+            </a:r>
+            <a:r>
+              <a:rPr lang="en-US" dirty="0" smtClean="0"/>
+              <a:t> de </a:t>
+            </a:r>
+            <a:r>
+              <a:rPr lang="en-US" dirty="0" err="1" smtClean="0"/>
+              <a:t>waarde</a:t>
+            </a:r>
+            <a:r>
+              <a:rPr lang="en-US" dirty="0" smtClean="0"/>
+              <a:t> </a:t>
+            </a:r>
+            <a:r>
+              <a:rPr lang="en-US" dirty="0" err="1" smtClean="0"/>
+              <a:t>afhankelijk</a:t>
+            </a:r>
+            <a:r>
+              <a:rPr lang="en-US" dirty="0" smtClean="0"/>
+              <a:t> van </a:t>
+            </a:r>
+            <a:r>
+              <a:rPr lang="en-US" dirty="0" err="1" smtClean="0"/>
+              <a:t>een</a:t>
+            </a:r>
+            <a:r>
+              <a:rPr lang="en-US" dirty="0" smtClean="0"/>
+              <a:t> Grain</a:t>
+            </a:r>
+          </a:p>
+          <a:p>
+            <a:pPr lvl="1"/>
+            <a:r>
+              <a:rPr lang="en-US" dirty="0" smtClean="0"/>
+              <a:t>Ubuntu / </a:t>
+            </a:r>
+            <a:r>
+              <a:rPr lang="en-US" dirty="0" err="1" smtClean="0"/>
+              <a:t>Debian</a:t>
+            </a:r>
+            <a:r>
+              <a:rPr lang="en-US" dirty="0" smtClean="0"/>
+              <a:t> -&gt; apache</a:t>
+            </a:r>
+          </a:p>
+          <a:p>
+            <a:pPr lvl="1"/>
+            <a:r>
+              <a:rPr lang="en-US" dirty="0" err="1" smtClean="0"/>
+              <a:t>RedHat</a:t>
+            </a:r>
+            <a:r>
+              <a:rPr lang="en-US" dirty="0" smtClean="0"/>
+              <a:t> / </a:t>
+            </a:r>
+            <a:r>
+              <a:rPr lang="en-US" dirty="0" err="1" smtClean="0"/>
+              <a:t>CentOS</a:t>
+            </a:r>
+            <a:r>
+              <a:rPr lang="en-US" dirty="0" smtClean="0"/>
+              <a:t> -&gt; </a:t>
+            </a:r>
+            <a:r>
+              <a:rPr lang="en-US" dirty="0" err="1" smtClean="0"/>
+              <a:t>httpd</a:t>
+            </a:r>
+            <a:endParaRPr lang="en-US" dirty="0" smtClean="0"/>
+          </a:p>
+          <a:p>
+            <a:r>
+              <a:rPr lang="en-US" dirty="0" err="1" smtClean="0"/>
+              <a:t>Installeer</a:t>
+            </a:r>
+            <a:r>
+              <a:rPr lang="en-US" dirty="0" smtClean="0"/>
+              <a:t> het package </a:t>
+            </a:r>
+            <a:r>
+              <a:rPr lang="en-US" dirty="0" err="1" smtClean="0"/>
+              <a:t>wat</a:t>
+            </a:r>
+            <a:r>
+              <a:rPr lang="en-US" dirty="0" smtClean="0"/>
+              <a:t> past </a:t>
+            </a:r>
+            <a:r>
+              <a:rPr lang="en-US" dirty="0" err="1" smtClean="0"/>
+              <a:t>bij</a:t>
+            </a:r>
+            <a:r>
+              <a:rPr lang="en-US" dirty="0" smtClean="0"/>
+              <a:t> het OS door de pillar </a:t>
+            </a:r>
+            <a:r>
+              <a:rPr lang="en-US" dirty="0" err="1" smtClean="0"/>
+              <a:t>waarde</a:t>
+            </a:r>
+            <a:r>
+              <a:rPr lang="en-US" dirty="0" smtClean="0"/>
+              <a:t> </a:t>
+            </a:r>
+            <a:r>
+              <a:rPr lang="en-US" dirty="0" err="1" smtClean="0"/>
+              <a:t>uit</a:t>
+            </a:r>
+            <a:r>
+              <a:rPr lang="en-US" dirty="0" smtClean="0"/>
+              <a:t> </a:t>
+            </a:r>
+            <a:r>
+              <a:rPr lang="en-US" dirty="0" err="1" smtClean="0"/>
+              <a:t>te</a:t>
+            </a:r>
+            <a:r>
+              <a:rPr lang="en-US" dirty="0" smtClean="0"/>
+              <a:t> </a:t>
+            </a:r>
+            <a:r>
+              <a:rPr lang="en-US" dirty="0" err="1" smtClean="0"/>
+              <a:t>lezen</a:t>
+            </a:r>
+            <a:endParaRPr lang="en-US" dirty="0" smtClean="0"/>
+          </a:p>
+          <a:p>
+            <a:endParaRPr lang="nl-NL" dirty="0"/>
+          </a:p>
+        </p:txBody>
+      </p:sp>
+    </p:spTree>
+    <p:extLst>
+      <p:ext uri="{BB962C8B-B14F-4D97-AF65-F5344CB8AC3E}">
+        <p14:creationId xmlns:p14="http://schemas.microsoft.com/office/powerpoint/2010/main" val="29128889"/>
+      </p:ext>
+    </p:extLst>
+  </p:cSld>
+  <p:clrMapOvr>
+    <a:masterClrMapping/>
+  </p:clrMapOvr>
+  <mc:AlternateContent xmlns:mc="http://schemas.openxmlformats.org/markup-compatibility/2006" xmlns:p14="http://schemas.microsoft.com/office/powerpoint/2010/main">
+    <mc:Choice Requires="p14">
+      <p:transition spd="med" p14:dur="700">
+        <p:fade/>
+      </p:transition>
+    </mc:Choice>
+    <mc:Fallback xmlns="">
+      <p:transition spd="med">
+        <p:fade/>
+      </p:transition>
+    </mc:Fallback>
+  </mc:AlternateContent>
+</p:sld>
+</file>
+
+<file path=ppt/slides/slide25.xml><?xml version="1.0" encoding="utf-8"?>
 <p:sld xmlns:a="http://schemas.openxmlformats.org/drawingml/2006/main" xmlns:r="http://schemas.openxmlformats.org/officeDocument/2006/relationships" xmlns:p="http://schemas.openxmlformats.org/presentationml/2006/main">
   <p:cSld>
     <p:spTree>
